--- a/Cloud and Distributed Architecture Overview.pptx
+++ b/Cloud and Distributed Architecture Overview.pptx
@@ -6,12 +6,14 @@
   </p:sldMasterIdLst>
   <p:sldIdLst>
     <p:sldId id="256" r:id="rId2"/>
-    <p:sldId id="257" r:id="rId3"/>
-    <p:sldId id="258" r:id="rId4"/>
-    <p:sldId id="259" r:id="rId5"/>
-    <p:sldId id="260" r:id="rId6"/>
-    <p:sldId id="261" r:id="rId7"/>
-    <p:sldId id="262" r:id="rId8"/>
+    <p:sldId id="264" r:id="rId3"/>
+    <p:sldId id="257" r:id="rId4"/>
+    <p:sldId id="258" r:id="rId5"/>
+    <p:sldId id="259" r:id="rId6"/>
+    <p:sldId id="260" r:id="rId7"/>
+    <p:sldId id="261" r:id="rId8"/>
+    <p:sldId id="262" r:id="rId9"/>
+    <p:sldId id="263" r:id="rId10"/>
   </p:sldIdLst>
   <p:sldSz cx="10080625" cy="7559675"/>
   <p:notesSz cx="7772400" cy="10058400"/>
@@ -6569,6 +6571,181 @@
       </p:grpSpPr>
       <p:sp>
         <p:nvSpPr>
+          <p:cNvPr id="2" name="Title 1"/>
+          <p:cNvSpPr>
+            <a:spLocks noGrp="1"/>
+          </p:cNvSpPr>
+          <p:nvPr>
+            <p:ph type="title"/>
+          </p:nvPr>
+        </p:nvSpPr>
+        <p:spPr/>
+        <p:txBody>
+          <a:bodyPr/>
+          <a:lstStyle/>
+          <a:p>
+            <a:r>
+              <a:rPr lang="en-US" dirty="0" smtClean="0"/>
+              <a:t>Today’s Narrative</a:t>
+            </a:r>
+            <a:endParaRPr lang="en-US" dirty="0"/>
+          </a:p>
+        </p:txBody>
+      </p:sp>
+      <p:sp>
+        <p:nvSpPr>
+          <p:cNvPr id="3" name="Content Placeholder 2"/>
+          <p:cNvSpPr>
+            <a:spLocks noGrp="1"/>
+          </p:cNvSpPr>
+          <p:nvPr>
+            <p:ph idx="1"/>
+          </p:nvPr>
+        </p:nvSpPr>
+        <p:spPr/>
+        <p:txBody>
+          <a:bodyPr>
+            <a:normAutofit fontScale="92500" lnSpcReduction="20000"/>
+          </a:bodyPr>
+          <a:lstStyle/>
+          <a:p>
+            <a:r>
+              <a:rPr lang="en-US" dirty="0" smtClean="0"/>
+              <a:t>You need to know the choices you face. We’ll do that.</a:t>
+            </a:r>
+          </a:p>
+          <a:p>
+            <a:pPr lvl="1"/>
+            <a:r>
+              <a:rPr lang="en-US" dirty="0" err="1" smtClean="0"/>
+              <a:t>Microservices</a:t>
+            </a:r>
+            <a:endParaRPr lang="en-US" dirty="0" smtClean="0"/>
+          </a:p>
+          <a:p>
+            <a:pPr lvl="1"/>
+            <a:r>
+              <a:rPr lang="en-US" dirty="0" smtClean="0"/>
+              <a:t>Containers</a:t>
+            </a:r>
+          </a:p>
+          <a:p>
+            <a:pPr lvl="1"/>
+            <a:r>
+              <a:rPr lang="en-US" dirty="0" smtClean="0"/>
+              <a:t>Orchestration systems</a:t>
+            </a:r>
+          </a:p>
+          <a:p>
+            <a:pPr lvl="1"/>
+            <a:r>
+              <a:rPr lang="en-US" dirty="0" smtClean="0"/>
+              <a:t>Live monitoring and testing</a:t>
+            </a:r>
+          </a:p>
+          <a:p>
+            <a:pPr lvl="1"/>
+            <a:r>
+              <a:rPr lang="en-US" dirty="0" smtClean="0"/>
+              <a:t>Service Fabric and the Actor Model</a:t>
+            </a:r>
+          </a:p>
+          <a:p>
+            <a:r>
+              <a:rPr lang="en-US" dirty="0" smtClean="0"/>
+              <a:t>You’ll need to know how to navigate those choices. We’ll do that, too.</a:t>
+            </a:r>
+          </a:p>
+          <a:p>
+            <a:pPr lvl="1"/>
+            <a:r>
+              <a:rPr lang="en-US" dirty="0" smtClean="0"/>
+              <a:t>Migrate toward agile </a:t>
+            </a:r>
+            <a:r>
+              <a:rPr lang="en-US" dirty="0" err="1" smtClean="0"/>
+              <a:t>devops</a:t>
+            </a:r>
+            <a:r>
+              <a:rPr lang="en-US" dirty="0" smtClean="0"/>
+              <a:t> and </a:t>
+            </a:r>
+            <a:r>
+              <a:rPr lang="en-US" dirty="0" err="1" smtClean="0"/>
+              <a:t>microservice</a:t>
+            </a:r>
+            <a:r>
+              <a:rPr lang="en-US" dirty="0" smtClean="0"/>
+              <a:t> approach</a:t>
+            </a:r>
+          </a:p>
+          <a:p>
+            <a:pPr lvl="1"/>
+            <a:r>
+              <a:rPr lang="en-US" dirty="0" smtClean="0"/>
+              <a:t>Automate, orchestrate, monitor.</a:t>
+            </a:r>
+          </a:p>
+          <a:p>
+            <a:pPr lvl="1"/>
+            <a:r>
+              <a:rPr lang="en-US" dirty="0" smtClean="0"/>
+              <a:t>Get the little things right</a:t>
+            </a:r>
+          </a:p>
+          <a:p>
+            <a:pPr lvl="1"/>
+            <a:r>
+              <a:rPr lang="en-US" dirty="0" smtClean="0"/>
+              <a:t>Choose a great partner, but </a:t>
+            </a:r>
+            <a:r>
+              <a:rPr lang="en-US" smtClean="0"/>
+              <a:t>have several.</a:t>
+            </a:r>
+            <a:endParaRPr lang="en-US" dirty="0"/>
+          </a:p>
+        </p:txBody>
+      </p:sp>
+    </p:spTree>
+    <p:extLst>
+      <p:ext uri="{BB962C8B-B14F-4D97-AF65-F5344CB8AC3E}">
+        <p14:creationId xmlns:p14="http://schemas.microsoft.com/office/powerpoint/2010/main" val="617236935"/>
+      </p:ext>
+    </p:extLst>
+  </p:cSld>
+  <p:clrMapOvr>
+    <a:masterClrMapping/>
+  </p:clrMapOvr>
+  <p:timing>
+    <p:tnLst>
+      <p:par>
+        <p:cTn id="1" dur="indefinite" restart="never" nodeType="tmRoot"/>
+      </p:par>
+    </p:tnLst>
+  </p:timing>
+</p:sld>
+</file>
+
+<file path=ppt/slides/slide3.xml><?xml version="1.0" encoding="utf-8"?>
+<p:sld xmlns:a="http://schemas.openxmlformats.org/drawingml/2006/main" xmlns:r="http://schemas.openxmlformats.org/officeDocument/2006/relationships" xmlns:p="http://schemas.openxmlformats.org/presentationml/2006/main">
+  <p:cSld>
+    <p:spTree>
+      <p:nvGrpSpPr>
+        <p:cNvPr id="1" name=""/>
+        <p:cNvGrpSpPr/>
+        <p:nvPr/>
+      </p:nvGrpSpPr>
+      <p:grpSpPr>
+        <a:xfrm>
+          <a:off x="0" y="0"/>
+          <a:ext cx="0" cy="0"/>
+          <a:chOff x="0" y="0"/>
+          <a:chExt cx="0" cy="0"/>
+        </a:xfrm>
+      </p:grpSpPr>
+      <p:sp>
+        <p:nvSpPr>
           <p:cNvPr id="41" name="TextShape 1"/>
           <p:cNvSpPr txBox="1"/>
           <p:nvPr/>
@@ -6672,109 +6849,6 @@
 </p:sld>
 </file>
 
-<file path=ppt/slides/slide3.xml><?xml version="1.0" encoding="utf-8"?>
-<p:sld xmlns:a="http://schemas.openxmlformats.org/drawingml/2006/main" xmlns:r="http://schemas.openxmlformats.org/officeDocument/2006/relationships" xmlns:p="http://schemas.openxmlformats.org/presentationml/2006/main">
-  <p:cSld>
-    <p:spTree>
-      <p:nvGrpSpPr>
-        <p:cNvPr id="1" name=""/>
-        <p:cNvGrpSpPr/>
-        <p:nvPr/>
-      </p:nvGrpSpPr>
-      <p:grpSpPr>
-        <a:xfrm>
-          <a:off x="0" y="0"/>
-          <a:ext cx="0" cy="0"/>
-          <a:chOff x="0" y="0"/>
-          <a:chExt cx="0" cy="0"/>
-        </a:xfrm>
-      </p:grpSpPr>
-      <p:sp>
-        <p:nvSpPr>
-          <p:cNvPr id="43" name="TextShape 1"/>
-          <p:cNvSpPr txBox="1"/>
-          <p:nvPr/>
-        </p:nvSpPr>
-        <p:spPr>
-          <a:xfrm>
-            <a:off x="504000" y="301320"/>
-            <a:ext cx="9071640" cy="1262160"/>
-          </a:xfrm>
-          <a:prstGeom prst="rect">
-            <a:avLst/>
-          </a:prstGeom>
-        </p:spPr>
-        <p:txBody>
-          <a:bodyPr lIns="0" tIns="0" rIns="0" bIns="0" anchor="ctr"/>
-          <a:lstStyle/>
-          <a:p>
-            <a:pPr algn="ctr"/>
-            <a:r>
-              <a:rPr lang="en-US" sz="4400">
-                <a:latin typeface="Arial"/>
-              </a:rPr>
-              <a:t>Clouds: Azure, Amazon, Google...
-</a:t>
-            </a:r>
-            <a:r>
-              <a:rPr lang="en-US" sz="1600">
-                <a:latin typeface="Arial"/>
-              </a:rPr>
-              <a:t>and the rest.</a:t>
-            </a:r>
-            <a:endParaRPr/>
-          </a:p>
-        </p:txBody>
-      </p:sp>
-      <p:sp>
-        <p:nvSpPr>
-          <p:cNvPr id="44" name="TextShape 2"/>
-          <p:cNvSpPr txBox="1"/>
-          <p:nvPr/>
-        </p:nvSpPr>
-        <p:spPr>
-          <a:xfrm>
-            <a:off x="504000" y="1769040"/>
-            <a:ext cx="9071640" cy="4384440"/>
-          </a:xfrm>
-          <a:prstGeom prst="rect">
-            <a:avLst/>
-          </a:prstGeom>
-        </p:spPr>
-        <p:txBody>
-          <a:bodyPr lIns="0" tIns="0" rIns="0" bIns="0"/>
-          <a:lstStyle/>
-          <a:p>
-            <a:pPr>
-              <a:buSzPct val="45000"/>
-              <a:buFont typeface="StarSymbol"/>
-              <a:buChar char=""/>
-            </a:pPr>
-            <a:r>
-              <a:rPr lang="en-US" sz="3200">
-                <a:latin typeface="Arial"/>
-              </a:rPr>
-              <a:t>Whirlwind tour</a:t>
-            </a:r>
-            <a:endParaRPr/>
-          </a:p>
-        </p:txBody>
-      </p:sp>
-    </p:spTree>
-  </p:cSld>
-  <p:clrMapOvr>
-    <a:masterClrMapping/>
-  </p:clrMapOvr>
-  <p:timing>
-    <p:tnLst>
-      <p:par>
-        <p:cTn id="1" dur="indefinite" restart="never" nodeType="tmRoot"/>
-      </p:par>
-    </p:tnLst>
-  </p:timing>
-</p:sld>
-</file>
-
 <file path=ppt/slides/slide4.xml><?xml version="1.0" encoding="utf-8"?>
 <p:sld xmlns:a="http://schemas.openxmlformats.org/drawingml/2006/main" xmlns:r="http://schemas.openxmlformats.org/officeDocument/2006/relationships" xmlns:p="http://schemas.openxmlformats.org/presentationml/2006/main">
   <p:cSld>
@@ -6794,71 +6868,76 @@
       </p:grpSpPr>
       <p:sp>
         <p:nvSpPr>
-          <p:cNvPr id="2" name="Title 1"/>
-          <p:cNvSpPr>
-            <a:spLocks noGrp="1"/>
-          </p:cNvSpPr>
-          <p:nvPr>
-            <p:ph type="title"/>
-          </p:nvPr>
-        </p:nvSpPr>
-        <p:spPr/>
-        <p:txBody>
-          <a:bodyPr/>
+          <p:cNvPr id="43" name="TextShape 1"/>
+          <p:cNvSpPr txBox="1"/>
+          <p:nvPr/>
+        </p:nvSpPr>
+        <p:spPr>
+          <a:xfrm>
+            <a:off x="504000" y="301320"/>
+            <a:ext cx="9071640" cy="1262160"/>
+          </a:xfrm>
+          <a:prstGeom prst="rect">
+            <a:avLst/>
+          </a:prstGeom>
+        </p:spPr>
+        <p:txBody>
+          <a:bodyPr lIns="0" tIns="0" rIns="0" bIns="0" anchor="ctr"/>
           <a:lstStyle/>
           <a:p>
-            <a:r>
-              <a:rPr lang="en-US" dirty="0" smtClean="0"/>
-              <a:t>Point: if things fail, design for failure</a:t>
-            </a:r>
-            <a:endParaRPr lang="en-US" dirty="0"/>
-          </a:p>
-        </p:txBody>
-      </p:sp>
-      <p:sp>
-        <p:nvSpPr>
-          <p:cNvPr id="3" name="Content Placeholder 2"/>
-          <p:cNvSpPr>
-            <a:spLocks noGrp="1"/>
-          </p:cNvSpPr>
-          <p:nvPr>
-            <p:ph idx="1"/>
-          </p:nvPr>
-        </p:nvSpPr>
-        <p:spPr/>
-        <p:txBody>
-          <a:bodyPr/>
+            <a:pPr algn="ctr"/>
+            <a:r>
+              <a:rPr lang="en-US" sz="4400">
+                <a:latin typeface="Arial"/>
+              </a:rPr>
+              <a:t>Clouds: Azure, Amazon, Google...
+</a:t>
+            </a:r>
+            <a:r>
+              <a:rPr lang="en-US" sz="1600">
+                <a:latin typeface="Arial"/>
+              </a:rPr>
+              <a:t>and the rest.</a:t>
+            </a:r>
+            <a:endParaRPr/>
+          </a:p>
+        </p:txBody>
+      </p:sp>
+      <p:sp>
+        <p:nvSpPr>
+          <p:cNvPr id="44" name="TextShape 2"/>
+          <p:cNvSpPr txBox="1"/>
+          <p:nvPr/>
+        </p:nvSpPr>
+        <p:spPr>
+          <a:xfrm>
+            <a:off x="504000" y="1769040"/>
+            <a:ext cx="9071640" cy="4384440"/>
+          </a:xfrm>
+          <a:prstGeom prst="rect">
+            <a:avLst/>
+          </a:prstGeom>
+        </p:spPr>
+        <p:txBody>
+          <a:bodyPr lIns="0" tIns="0" rIns="0" bIns="0"/>
           <a:lstStyle/>
           <a:p>
-            <a:r>
-              <a:rPr lang="en-US" dirty="0" smtClean="0"/>
-              <a:t>Story: disks fail constantly. In a datacenter, disk are </a:t>
-            </a:r>
-            <a:r>
-              <a:rPr lang="en-US" i="1" dirty="0" smtClean="0"/>
-              <a:t>constantly failing</a:t>
-            </a:r>
-            <a:r>
-              <a:rPr lang="en-US" dirty="0" smtClean="0"/>
-              <a:t>. You should expect that each component of your application could hit that disk at any time. Your components should think that’s normal – it’ll happen to them.</a:t>
-            </a:r>
-          </a:p>
-          <a:p>
-            <a:pPr lvl="1"/>
-            <a:r>
-              <a:rPr lang="en-US" dirty="0" smtClean="0"/>
-              <a:t>Chaos monkey!</a:t>
-            </a:r>
-            <a:endParaRPr lang="en-US" dirty="0"/>
+            <a:pPr>
+              <a:buSzPct val="45000"/>
+              <a:buFont typeface="StarSymbol"/>
+              <a:buChar char=""/>
+            </a:pPr>
+            <a:r>
+              <a:rPr lang="en-US" sz="3200">
+                <a:latin typeface="Arial"/>
+              </a:rPr>
+              <a:t>Whirlwind tour</a:t>
+            </a:r>
+            <a:endParaRPr/>
           </a:p>
         </p:txBody>
       </p:sp>
     </p:spTree>
-    <p:extLst>
-      <p:ext uri="{BB962C8B-B14F-4D97-AF65-F5344CB8AC3E}">
-        <p14:creationId xmlns:p14="http://schemas.microsoft.com/office/powerpoint/2010/main" val="1252252981"/>
-      </p:ext>
-    </p:extLst>
   </p:cSld>
   <p:clrMapOvr>
     <a:masterClrMapping/>
@@ -6907,7 +6986,7 @@
           <a:p>
             <a:r>
               <a:rPr lang="en-US" dirty="0" smtClean="0"/>
-              <a:t>Point: Do you wash your rental car? </a:t>
+              <a:t>Point: if things fail, design for failure</a:t>
             </a:r>
             <a:endParaRPr lang="en-US" dirty="0"/>
           </a:p>
@@ -6930,91 +7009,22 @@
           <a:p>
             <a:r>
               <a:rPr lang="en-US" dirty="0" smtClean="0"/>
-              <a:t>I didn’t think so….</a:t>
-            </a:r>
-          </a:p>
-          <a:p>
+              <a:t>Story: disks fail constantly. In a datacenter, disk are </a:t>
+            </a:r>
+            <a:r>
+              <a:rPr lang="en-US" i="1" dirty="0" smtClean="0"/>
+              <a:t>constantly failing</a:t>
+            </a:r>
             <a:r>
               <a:rPr lang="en-US" dirty="0" smtClean="0"/>
-              <a:t>So, if you’re renting computers, why don’t you burn them up?</a:t>
-            </a:r>
-          </a:p>
-          <a:p>
+              <a:t>. You should expect that each component of your application could hit that disk at any time. Your components should think that’s normal – it’ll happen to them.</a:t>
+            </a:r>
+          </a:p>
+          <a:p>
+            <a:pPr lvl="1"/>
             <a:r>
               <a:rPr lang="en-US" dirty="0" smtClean="0"/>
-              <a:t>RUN YOUR MACHINERY HARD. </a:t>
-            </a:r>
-          </a:p>
-          <a:p>
-            <a:pPr lvl="1"/>
-            <a:r>
-              <a:rPr lang="en-US" dirty="0" smtClean="0"/>
-              <a:t>Containers</a:t>
-            </a:r>
-          </a:p>
-          <a:p>
-            <a:pPr lvl="1"/>
-            <a:r>
-              <a:rPr lang="en-US" dirty="0" smtClean="0"/>
-              <a:t>Chaos Monkey</a:t>
-            </a:r>
-          </a:p>
-          <a:p>
-            <a:pPr lvl="1"/>
-            <a:r>
-              <a:rPr lang="en-US" dirty="0" smtClean="0"/>
-              <a:t>Failure detection</a:t>
-            </a:r>
-          </a:p>
-          <a:p>
-            <a:pPr lvl="1"/>
-            <a:r>
-              <a:rPr lang="en-US" dirty="0" smtClean="0"/>
-              <a:t>STORAGE strategy: distributed </a:t>
-            </a:r>
-            <a:r>
-              <a:rPr lang="en-US" dirty="0" err="1" smtClean="0"/>
-              <a:t>redis</a:t>
-            </a:r>
-            <a:r>
-              <a:rPr lang="en-US" dirty="0" smtClean="0"/>
-              <a:t> into blobs, </a:t>
-            </a:r>
-            <a:r>
-              <a:rPr lang="en-US" dirty="0" err="1" smtClean="0"/>
-              <a:t>json</a:t>
-            </a:r>
-            <a:r>
-              <a:rPr lang="en-US" dirty="0" smtClean="0"/>
-              <a:t> blobs (“documents” -- </a:t>
-            </a:r>
-            <a:r>
-              <a:rPr lang="en-US" dirty="0" err="1" smtClean="0"/>
-              <a:t>mongodb</a:t>
-            </a:r>
-            <a:r>
-              <a:rPr lang="en-US" dirty="0" smtClean="0"/>
-              <a:t>) and </a:t>
-            </a:r>
-            <a:r>
-              <a:rPr lang="en-US" dirty="0" err="1" smtClean="0"/>
-              <a:t>sql</a:t>
-            </a:r>
-            <a:r>
-              <a:rPr lang="en-US" dirty="0" smtClean="0"/>
-              <a:t> </a:t>
-            </a:r>
-            <a:r>
-              <a:rPr lang="en-US" dirty="0" err="1" smtClean="0"/>
-              <a:t>backends</a:t>
-            </a:r>
-            <a:endParaRPr lang="en-US" dirty="0" smtClean="0"/>
-          </a:p>
-          <a:p>
-            <a:pPr lvl="1"/>
-            <a:r>
-              <a:rPr lang="en-US" dirty="0" smtClean="0"/>
-              <a:t>Etc.</a:t>
+              <a:t>Chaos monkey!</a:t>
             </a:r>
             <a:endParaRPr lang="en-US" dirty="0"/>
           </a:p>
@@ -7023,7 +7033,7 @@
     </p:spTree>
     <p:extLst>
       <p:ext uri="{BB962C8B-B14F-4D97-AF65-F5344CB8AC3E}">
-        <p14:creationId xmlns:p14="http://schemas.microsoft.com/office/powerpoint/2010/main" val="2311350296"/>
+        <p14:creationId xmlns:p14="http://schemas.microsoft.com/office/powerpoint/2010/main" val="1252252981"/>
       </p:ext>
     </p:extLst>
   </p:cSld>
@@ -7074,7 +7084,7 @@
           <a:p>
             <a:r>
               <a:rPr lang="en-US" dirty="0" smtClean="0"/>
-              <a:t>Point: Smallest possible partitioned resource</a:t>
+              <a:t>Point: Do you wash your rental car? </a:t>
             </a:r>
             <a:endParaRPr lang="en-US" dirty="0"/>
           </a:p>
@@ -7097,47 +7107,83 @@
           <a:p>
             <a:r>
               <a:rPr lang="en-US" dirty="0" smtClean="0"/>
-              <a:t>VMs should be smallest</a:t>
+              <a:t>I didn’t think so….</a:t>
             </a:r>
           </a:p>
           <a:p>
             <a:r>
               <a:rPr lang="en-US" dirty="0" smtClean="0"/>
-              <a:t>OS should be smallest </a:t>
+              <a:t>So, if you’re renting computers, why don’t you burn them up?</a:t>
             </a:r>
           </a:p>
           <a:p>
             <a:r>
               <a:rPr lang="en-US" dirty="0" smtClean="0"/>
-              <a:t>Bunches of storages with partition and retry policies</a:t>
-            </a:r>
-          </a:p>
-          <a:p>
-            <a:endParaRPr lang="en-US" dirty="0"/>
-          </a:p>
-          <a:p>
+              <a:t>RUN YOUR MACHINERY HARD. </a:t>
+            </a:r>
+          </a:p>
+          <a:p>
+            <a:pPr lvl="1"/>
             <a:r>
               <a:rPr lang="en-US" dirty="0" smtClean="0"/>
-              <a:t>Benefits:</a:t>
+              <a:t>Containers</a:t>
             </a:r>
           </a:p>
           <a:p>
             <a:pPr lvl="1"/>
             <a:r>
               <a:rPr lang="en-US" dirty="0" smtClean="0"/>
-              <a:t>Fine grained </a:t>
+              <a:t>Chaos Monkey</a:t>
+            </a:r>
+          </a:p>
+          <a:p>
+            <a:pPr lvl="1"/>
+            <a:r>
+              <a:rPr lang="en-US" dirty="0" smtClean="0"/>
+              <a:t>Failure detection</a:t>
+            </a:r>
+          </a:p>
+          <a:p>
+            <a:pPr lvl="1"/>
+            <a:r>
+              <a:rPr lang="en-US" dirty="0" smtClean="0"/>
+              <a:t>STORAGE strategy: distributed </a:t>
             </a:r>
             <a:r>
               <a:rPr lang="en-US" dirty="0" err="1" smtClean="0"/>
-              <a:t>scaleout</a:t>
+              <a:t>redis</a:t>
             </a:r>
             <a:r>
               <a:rPr lang="en-US" dirty="0" smtClean="0"/>
-              <a:t> and </a:t>
+              <a:t> into blobs, </a:t>
             </a:r>
             <a:r>
               <a:rPr lang="en-US" dirty="0" err="1" smtClean="0"/>
-              <a:t>scalein</a:t>
+              <a:t>json</a:t>
+            </a:r>
+            <a:r>
+              <a:rPr lang="en-US" dirty="0" smtClean="0"/>
+              <a:t> blobs (“documents” -- </a:t>
+            </a:r>
+            <a:r>
+              <a:rPr lang="en-US" dirty="0" err="1" smtClean="0"/>
+              <a:t>mongodb</a:t>
+            </a:r>
+            <a:r>
+              <a:rPr lang="en-US" dirty="0" smtClean="0"/>
+              <a:t>) and </a:t>
+            </a:r>
+            <a:r>
+              <a:rPr lang="en-US" dirty="0" err="1" smtClean="0"/>
+              <a:t>sql</a:t>
+            </a:r>
+            <a:r>
+              <a:rPr lang="en-US" dirty="0" smtClean="0"/>
+              <a:t> </a:t>
+            </a:r>
+            <a:r>
+              <a:rPr lang="en-US" dirty="0" err="1" smtClean="0"/>
+              <a:t>backends</a:t>
             </a:r>
             <a:endParaRPr lang="en-US" dirty="0" smtClean="0"/>
           </a:p>
@@ -7145,17 +7191,8 @@
             <a:pPr lvl="1"/>
             <a:r>
               <a:rPr lang="en-US" dirty="0" smtClean="0"/>
-              <a:t>Each failure much smaller portion of entire load</a:t>
-            </a:r>
-          </a:p>
-          <a:p>
-            <a:pPr lvl="1"/>
-            <a:r>
-              <a:rPr lang="en-US" dirty="0" smtClean="0"/>
-              <a:t>Cost (Duh)</a:t>
-            </a:r>
-          </a:p>
-          <a:p>
+              <a:t>Etc.</a:t>
+            </a:r>
             <a:endParaRPr lang="en-US" dirty="0"/>
           </a:p>
         </p:txBody>
@@ -7163,7 +7200,7 @@
     </p:spTree>
     <p:extLst>
       <p:ext uri="{BB962C8B-B14F-4D97-AF65-F5344CB8AC3E}">
-        <p14:creationId xmlns:p14="http://schemas.microsoft.com/office/powerpoint/2010/main" val="4060300020"/>
+        <p14:creationId xmlns:p14="http://schemas.microsoft.com/office/powerpoint/2010/main" val="2311350296"/>
       </p:ext>
     </p:extLst>
   </p:cSld>
@@ -7214,7 +7251,7 @@
           <a:p>
             <a:r>
               <a:rPr lang="en-US" dirty="0" smtClean="0"/>
-              <a:t>Point: Scale-up works if…	</a:t>
+              <a:t>Point: Smallest possible partitioned resource</a:t>
             </a:r>
             <a:endParaRPr lang="en-US" dirty="0"/>
           </a:p>
@@ -7237,6 +7274,146 @@
           <a:p>
             <a:r>
               <a:rPr lang="en-US" dirty="0" smtClean="0"/>
+              <a:t>VMs should be smallest</a:t>
+            </a:r>
+          </a:p>
+          <a:p>
+            <a:r>
+              <a:rPr lang="en-US" dirty="0" smtClean="0"/>
+              <a:t>OS should be smallest </a:t>
+            </a:r>
+          </a:p>
+          <a:p>
+            <a:r>
+              <a:rPr lang="en-US" dirty="0" smtClean="0"/>
+              <a:t>Bunches of storages with partition and retry policies</a:t>
+            </a:r>
+          </a:p>
+          <a:p>
+            <a:endParaRPr lang="en-US" dirty="0"/>
+          </a:p>
+          <a:p>
+            <a:r>
+              <a:rPr lang="en-US" dirty="0" smtClean="0"/>
+              <a:t>Benefits:</a:t>
+            </a:r>
+          </a:p>
+          <a:p>
+            <a:pPr lvl="1"/>
+            <a:r>
+              <a:rPr lang="en-US" dirty="0" smtClean="0"/>
+              <a:t>Fine grained </a:t>
+            </a:r>
+            <a:r>
+              <a:rPr lang="en-US" dirty="0" err="1" smtClean="0"/>
+              <a:t>scaleout</a:t>
+            </a:r>
+            <a:r>
+              <a:rPr lang="en-US" dirty="0" smtClean="0"/>
+              <a:t> and </a:t>
+            </a:r>
+            <a:r>
+              <a:rPr lang="en-US" dirty="0" err="1" smtClean="0"/>
+              <a:t>scalein</a:t>
+            </a:r>
+            <a:endParaRPr lang="en-US" dirty="0" smtClean="0"/>
+          </a:p>
+          <a:p>
+            <a:pPr lvl="1"/>
+            <a:r>
+              <a:rPr lang="en-US" dirty="0" smtClean="0"/>
+              <a:t>Each failure much smaller portion of entire load</a:t>
+            </a:r>
+          </a:p>
+          <a:p>
+            <a:pPr lvl="1"/>
+            <a:r>
+              <a:rPr lang="en-US" dirty="0" smtClean="0"/>
+              <a:t>Cost (Duh)</a:t>
+            </a:r>
+          </a:p>
+          <a:p>
+            <a:endParaRPr lang="en-US" dirty="0"/>
+          </a:p>
+        </p:txBody>
+      </p:sp>
+    </p:spTree>
+    <p:extLst>
+      <p:ext uri="{BB962C8B-B14F-4D97-AF65-F5344CB8AC3E}">
+        <p14:creationId xmlns:p14="http://schemas.microsoft.com/office/powerpoint/2010/main" val="4060300020"/>
+      </p:ext>
+    </p:extLst>
+  </p:cSld>
+  <p:clrMapOvr>
+    <a:masterClrMapping/>
+  </p:clrMapOvr>
+  <p:timing>
+    <p:tnLst>
+      <p:par>
+        <p:cTn id="1" dur="indefinite" restart="never" nodeType="tmRoot"/>
+      </p:par>
+    </p:tnLst>
+  </p:timing>
+</p:sld>
+</file>
+
+<file path=ppt/slides/slide8.xml><?xml version="1.0" encoding="utf-8"?>
+<p:sld xmlns:a="http://schemas.openxmlformats.org/drawingml/2006/main" xmlns:r="http://schemas.openxmlformats.org/officeDocument/2006/relationships" xmlns:p="http://schemas.openxmlformats.org/presentationml/2006/main">
+  <p:cSld>
+    <p:spTree>
+      <p:nvGrpSpPr>
+        <p:cNvPr id="1" name=""/>
+        <p:cNvGrpSpPr/>
+        <p:nvPr/>
+      </p:nvGrpSpPr>
+      <p:grpSpPr>
+        <a:xfrm>
+          <a:off x="0" y="0"/>
+          <a:ext cx="0" cy="0"/>
+          <a:chOff x="0" y="0"/>
+          <a:chExt cx="0" cy="0"/>
+        </a:xfrm>
+      </p:grpSpPr>
+      <p:sp>
+        <p:nvSpPr>
+          <p:cNvPr id="2" name="Title 1"/>
+          <p:cNvSpPr>
+            <a:spLocks noGrp="1"/>
+          </p:cNvSpPr>
+          <p:nvPr>
+            <p:ph type="title"/>
+          </p:nvPr>
+        </p:nvSpPr>
+        <p:spPr/>
+        <p:txBody>
+          <a:bodyPr/>
+          <a:lstStyle/>
+          <a:p>
+            <a:r>
+              <a:rPr lang="en-US" dirty="0" smtClean="0"/>
+              <a:t>Point: Scale-up works if…	</a:t>
+            </a:r>
+            <a:endParaRPr lang="en-US" dirty="0"/>
+          </a:p>
+        </p:txBody>
+      </p:sp>
+      <p:sp>
+        <p:nvSpPr>
+          <p:cNvPr id="3" name="Content Placeholder 2"/>
+          <p:cNvSpPr>
+            <a:spLocks noGrp="1"/>
+          </p:cNvSpPr>
+          <p:nvPr>
+            <p:ph idx="1"/>
+          </p:nvPr>
+        </p:nvSpPr>
+        <p:spPr/>
+        <p:txBody>
+          <a:bodyPr/>
+          <a:lstStyle/>
+          <a:p>
+            <a:r>
+              <a:rPr lang="en-US" dirty="0" smtClean="0"/>
               <a:t>Stackoverflow.com</a:t>
             </a:r>
           </a:p>
@@ -7244,13 +7421,9 @@
             <a:pPr lvl="1"/>
             <a:r>
               <a:rPr lang="en-US" dirty="0" smtClean="0"/>
-              <a:t>The example that proves </a:t>
-            </a:r>
-            <a:r>
-              <a:rPr lang="en-US" smtClean="0"/>
-              <a:t>the rule.</a:t>
-            </a:r>
-            <a:endParaRPr lang="en-US"/>
+              <a:t>The example that proves the rule.</a:t>
+            </a:r>
+            <a:endParaRPr lang="en-US" dirty="0"/>
           </a:p>
         </p:txBody>
       </p:sp>
@@ -7258,6 +7431,104 @@
     <p:extLst>
       <p:ext uri="{BB962C8B-B14F-4D97-AF65-F5344CB8AC3E}">
         <p14:creationId xmlns:p14="http://schemas.microsoft.com/office/powerpoint/2010/main" val="2763228247"/>
+      </p:ext>
+    </p:extLst>
+  </p:cSld>
+  <p:clrMapOvr>
+    <a:masterClrMapping/>
+  </p:clrMapOvr>
+  <p:timing>
+    <p:tnLst>
+      <p:par>
+        <p:cTn id="1" dur="indefinite" restart="never" nodeType="tmRoot"/>
+      </p:par>
+    </p:tnLst>
+  </p:timing>
+</p:sld>
+</file>
+
+<file path=ppt/slides/slide9.xml><?xml version="1.0" encoding="utf-8"?>
+<p:sld xmlns:a="http://schemas.openxmlformats.org/drawingml/2006/main" xmlns:r="http://schemas.openxmlformats.org/officeDocument/2006/relationships" xmlns:p="http://schemas.openxmlformats.org/presentationml/2006/main">
+  <p:cSld>
+    <p:spTree>
+      <p:nvGrpSpPr>
+        <p:cNvPr id="1" name=""/>
+        <p:cNvGrpSpPr/>
+        <p:nvPr/>
+      </p:nvGrpSpPr>
+      <p:grpSpPr>
+        <a:xfrm>
+          <a:off x="0" y="0"/>
+          <a:ext cx="0" cy="0"/>
+          <a:chOff x="0" y="0"/>
+          <a:chExt cx="0" cy="0"/>
+        </a:xfrm>
+      </p:grpSpPr>
+      <p:sp>
+        <p:nvSpPr>
+          <p:cNvPr id="2" name="Title 1"/>
+          <p:cNvSpPr>
+            <a:spLocks noGrp="1"/>
+          </p:cNvSpPr>
+          <p:nvPr>
+            <p:ph type="title"/>
+          </p:nvPr>
+        </p:nvSpPr>
+        <p:spPr/>
+        <p:txBody>
+          <a:bodyPr/>
+          <a:lstStyle/>
+          <a:p>
+            <a:r>
+              <a:rPr lang="en-US" dirty="0" smtClean="0"/>
+              <a:t>Point: CAP theorem pushes us towards</a:t>
+            </a:r>
+            <a:endParaRPr lang="en-US" dirty="0"/>
+          </a:p>
+        </p:txBody>
+      </p:sp>
+      <p:sp>
+        <p:nvSpPr>
+          <p:cNvPr id="3" name="Content Placeholder 2"/>
+          <p:cNvSpPr>
+            <a:spLocks noGrp="1"/>
+          </p:cNvSpPr>
+          <p:nvPr>
+            <p:ph idx="1"/>
+          </p:nvPr>
+        </p:nvSpPr>
+        <p:spPr/>
+        <p:txBody>
+          <a:bodyPr/>
+          <a:lstStyle/>
+          <a:p>
+            <a:r>
+              <a:rPr lang="en-US" dirty="0" smtClean="0"/>
+              <a:t>We must choose between the three; experience in distributed systems teaches us that C(</a:t>
+            </a:r>
+            <a:r>
+              <a:rPr lang="en-US" dirty="0" err="1" smtClean="0"/>
+              <a:t>onsistency</a:t>
+            </a:r>
+            <a:r>
+              <a:rPr lang="en-US" dirty="0" smtClean="0"/>
+              <a:t>) is not one of the top two</a:t>
+            </a:r>
+          </a:p>
+          <a:p>
+            <a:pPr lvl="1"/>
+            <a:r>
+              <a:rPr lang="en-US" dirty="0" smtClean="0"/>
+              <a:t>With one exception: When it is the point of the application. Only then.</a:t>
+            </a:r>
+            <a:endParaRPr lang="en-US" dirty="0"/>
+          </a:p>
+        </p:txBody>
+      </p:sp>
+    </p:spTree>
+    <p:extLst>
+      <p:ext uri="{BB962C8B-B14F-4D97-AF65-F5344CB8AC3E}">
+        <p14:creationId xmlns:p14="http://schemas.microsoft.com/office/powerpoint/2010/main" val="2353631036"/>
       </p:ext>
     </p:extLst>
   </p:cSld>

--- a/Cloud and Distributed Architecture Overview.pptx
+++ b/Cloud and Distributed Architecture Overview.pptx
@@ -14,6 +14,13 @@
     <p:sldId id="261" r:id="rId8"/>
     <p:sldId id="262" r:id="rId9"/>
     <p:sldId id="263" r:id="rId10"/>
+    <p:sldId id="265" r:id="rId11"/>
+    <p:sldId id="266" r:id="rId12"/>
+    <p:sldId id="267" r:id="rId13"/>
+    <p:sldId id="268" r:id="rId14"/>
+    <p:sldId id="269" r:id="rId15"/>
+    <p:sldId id="270" r:id="rId16"/>
+    <p:sldId id="271" r:id="rId17"/>
   </p:sldIdLst>
   <p:sldSz cx="10080625" cy="7559675"/>
   <p:notesSz cx="7772400" cy="10058400"/>
@@ -6552,6 +6559,3152 @@
 </p:sld>
 </file>
 
+<file path=ppt/slides/slide10.xml><?xml version="1.0" encoding="utf-8"?>
+<p:sld xmlns:a="http://schemas.openxmlformats.org/drawingml/2006/main" xmlns:r="http://schemas.openxmlformats.org/officeDocument/2006/relationships" xmlns:p="http://schemas.openxmlformats.org/presentationml/2006/main">
+  <p:cSld>
+    <p:spTree>
+      <p:nvGrpSpPr>
+        <p:cNvPr id="1" name=""/>
+        <p:cNvGrpSpPr/>
+        <p:nvPr/>
+      </p:nvGrpSpPr>
+      <p:grpSpPr>
+        <a:xfrm>
+          <a:off x="0" y="0"/>
+          <a:ext cx="0" cy="0"/>
+          <a:chOff x="0" y="0"/>
+          <a:chExt cx="0" cy="0"/>
+        </a:xfrm>
+      </p:grpSpPr>
+      <p:sp>
+        <p:nvSpPr>
+          <p:cNvPr id="2" name="Title 1"/>
+          <p:cNvSpPr>
+            <a:spLocks noGrp="1"/>
+          </p:cNvSpPr>
+          <p:nvPr>
+            <p:ph type="title"/>
+          </p:nvPr>
+        </p:nvSpPr>
+        <p:spPr/>
+        <p:txBody>
+          <a:bodyPr/>
+          <a:lstStyle/>
+          <a:p>
+            <a:r>
+              <a:rPr lang="en-US" dirty="0" smtClean="0"/>
+              <a:t>The Chaos Monkey Lives!!!</a:t>
+            </a:r>
+            <a:endParaRPr lang="en-US" dirty="0"/>
+          </a:p>
+        </p:txBody>
+      </p:sp>
+      <p:pic>
+        <p:nvPicPr>
+          <p:cNvPr id="1026" name="Picture 2"/>
+          <p:cNvPicPr>
+            <a:picLocks noChangeAspect="1" noChangeArrowheads="1"/>
+          </p:cNvPicPr>
+          <p:nvPr/>
+        </p:nvPicPr>
+        <p:blipFill>
+          <a:blip r:embed="rId2">
+            <a:extLst>
+              <a:ext uri="{28A0092B-C50C-407E-A947-70E740481C1C}">
+                <a14:useLocalDpi xmlns:a14="http://schemas.microsoft.com/office/drawing/2010/main" val="0"/>
+              </a:ext>
+            </a:extLst>
+          </a:blip>
+          <a:srcRect/>
+          <a:stretch>
+            <a:fillRect/>
+          </a:stretch>
+        </p:blipFill>
+        <p:spPr bwMode="auto">
+          <a:xfrm>
+            <a:off x="1302473" y="1695678"/>
+            <a:ext cx="7475679" cy="4168321"/>
+          </a:xfrm>
+          <a:prstGeom prst="rect">
+            <a:avLst/>
+          </a:prstGeom>
+          <a:noFill/>
+          <a:ln>
+            <a:noFill/>
+          </a:ln>
+          <a:effectLst/>
+          <a:extLst>
+            <a:ext uri="{909E8E84-426E-40DD-AFC4-6F175D3DCCD1}">
+              <a14:hiddenFill xmlns:a14="http://schemas.microsoft.com/office/drawing/2010/main">
+                <a:solidFill>
+                  <a:schemeClr val="accent1"/>
+                </a:solidFill>
+              </a14:hiddenFill>
+            </a:ext>
+            <a:ext uri="{91240B29-F687-4F45-9708-019B960494DF}">
+              <a14:hiddenLine xmlns:a14="http://schemas.microsoft.com/office/drawing/2010/main" w="9525">
+                <a:solidFill>
+                  <a:schemeClr val="tx1"/>
+                </a:solidFill>
+                <a:miter lim="800000"/>
+                <a:headEnd/>
+                <a:tailEnd/>
+              </a14:hiddenLine>
+            </a:ext>
+            <a:ext uri="{AF507438-7753-43E0-B8FC-AC1667EBCBE1}">
+              <a14:hiddenEffects xmlns:a14="http://schemas.microsoft.com/office/drawing/2010/main">
+                <a:effectLst>
+                  <a:outerShdw dist="35921" dir="2700000" algn="ctr" rotWithShape="0">
+                    <a:schemeClr val="bg2"/>
+                  </a:outerShdw>
+                </a:effectLst>
+              </a14:hiddenEffects>
+            </a:ext>
+          </a:extLst>
+        </p:spPr>
+      </p:pic>
+    </p:spTree>
+    <p:extLst>
+      <p:ext uri="{BB962C8B-B14F-4D97-AF65-F5344CB8AC3E}">
+        <p14:creationId xmlns:p14="http://schemas.microsoft.com/office/powerpoint/2010/main" val="811675509"/>
+      </p:ext>
+    </p:extLst>
+  </p:cSld>
+  <p:clrMapOvr>
+    <a:masterClrMapping/>
+  </p:clrMapOvr>
+  <mc:AlternateContent xmlns:mc="http://schemas.openxmlformats.org/markup-compatibility/2006">
+    <mc:Choice xmlns:p14="http://schemas.microsoft.com/office/powerpoint/2010/main" Requires="p14">
+      <p:transition spd="slow" p14:dur="2000"/>
+    </mc:Choice>
+    <mc:Fallback>
+      <p:transition spd="slow"/>
+    </mc:Fallback>
+  </mc:AlternateContent>
+  <p:timing>
+    <p:tnLst>
+      <p:par>
+        <p:cTn id="1" dur="indefinite" restart="never" nodeType="tmRoot"/>
+      </p:par>
+    </p:tnLst>
+  </p:timing>
+</p:sld>
+</file>
+
+<file path=ppt/slides/slide11.xml><?xml version="1.0" encoding="utf-8"?>
+<p:sld xmlns:a="http://schemas.openxmlformats.org/drawingml/2006/main" xmlns:r="http://schemas.openxmlformats.org/officeDocument/2006/relationships" xmlns:p="http://schemas.openxmlformats.org/presentationml/2006/main">
+  <p:cSld>
+    <p:spTree>
+      <p:nvGrpSpPr>
+        <p:cNvPr id="1" name=""/>
+        <p:cNvGrpSpPr/>
+        <p:nvPr/>
+      </p:nvGrpSpPr>
+      <p:grpSpPr>
+        <a:xfrm>
+          <a:off x="0" y="0"/>
+          <a:ext cx="0" cy="0"/>
+          <a:chOff x="0" y="0"/>
+          <a:chExt cx="0" cy="0"/>
+        </a:xfrm>
+      </p:grpSpPr>
+      <p:pic>
+        <p:nvPicPr>
+          <p:cNvPr id="1026" name="Picture 2"/>
+          <p:cNvPicPr>
+            <a:picLocks noChangeAspect="1" noChangeArrowheads="1"/>
+          </p:cNvPicPr>
+          <p:nvPr/>
+        </p:nvPicPr>
+        <p:blipFill>
+          <a:blip r:embed="rId2">
+            <a:extLst>
+              <a:ext uri="{28A0092B-C50C-407E-A947-70E740481C1C}">
+                <a14:useLocalDpi xmlns:a14="http://schemas.microsoft.com/office/drawing/2010/main" val="0"/>
+              </a:ext>
+            </a:extLst>
+          </a:blip>
+          <a:srcRect/>
+          <a:stretch>
+            <a:fillRect/>
+          </a:stretch>
+        </p:blipFill>
+        <p:spPr bwMode="auto">
+          <a:xfrm>
+            <a:off x="142274" y="488230"/>
+            <a:ext cx="9796079" cy="6583217"/>
+          </a:xfrm>
+          <a:prstGeom prst="rect">
+            <a:avLst/>
+          </a:prstGeom>
+          <a:noFill/>
+          <a:ln>
+            <a:noFill/>
+          </a:ln>
+          <a:effectLst/>
+          <a:extLst>
+            <a:ext uri="{909E8E84-426E-40DD-AFC4-6F175D3DCCD1}">
+              <a14:hiddenFill xmlns:a14="http://schemas.microsoft.com/office/drawing/2010/main">
+                <a:solidFill>
+                  <a:schemeClr val="accent1"/>
+                </a:solidFill>
+              </a14:hiddenFill>
+            </a:ext>
+            <a:ext uri="{91240B29-F687-4F45-9708-019B960494DF}">
+              <a14:hiddenLine xmlns:a14="http://schemas.microsoft.com/office/drawing/2010/main" w="9525">
+                <a:solidFill>
+                  <a:schemeClr val="tx1"/>
+                </a:solidFill>
+                <a:miter lim="800000"/>
+                <a:headEnd/>
+                <a:tailEnd/>
+              </a14:hiddenLine>
+            </a:ext>
+            <a:ext uri="{AF507438-7753-43E0-B8FC-AC1667EBCBE1}">
+              <a14:hiddenEffects xmlns:a14="http://schemas.microsoft.com/office/drawing/2010/main">
+                <a:effectLst>
+                  <a:outerShdw dist="35921" dir="2700000" algn="ctr" rotWithShape="0">
+                    <a:schemeClr val="bg2"/>
+                  </a:outerShdw>
+                </a:effectLst>
+              </a14:hiddenEffects>
+            </a:ext>
+          </a:extLst>
+        </p:spPr>
+      </p:pic>
+    </p:spTree>
+    <p:extLst>
+      <p:ext uri="{BB962C8B-B14F-4D97-AF65-F5344CB8AC3E}">
+        <p14:creationId xmlns:p14="http://schemas.microsoft.com/office/powerpoint/2010/main" val="3620993328"/>
+      </p:ext>
+    </p:extLst>
+  </p:cSld>
+  <p:clrMapOvr>
+    <a:masterClrMapping/>
+  </p:clrMapOvr>
+  <mc:AlternateContent xmlns:mc="http://schemas.openxmlformats.org/markup-compatibility/2006">
+    <mc:Choice xmlns:p14="http://schemas.microsoft.com/office/powerpoint/2010/main" Requires="p14">
+      <p:transition spd="slow" p14:dur="2000"/>
+    </mc:Choice>
+    <mc:Fallback>
+      <p:transition spd="slow"/>
+    </mc:Fallback>
+  </mc:AlternateContent>
+  <p:timing>
+    <p:tnLst>
+      <p:par>
+        <p:cTn id="1" dur="indefinite" restart="never" nodeType="tmRoot"/>
+      </p:par>
+    </p:tnLst>
+  </p:timing>
+</p:sld>
+</file>
+
+<file path=ppt/slides/slide12.xml><?xml version="1.0" encoding="utf-8"?>
+<p:sld xmlns:a="http://schemas.openxmlformats.org/drawingml/2006/main" xmlns:r="http://schemas.openxmlformats.org/officeDocument/2006/relationships" xmlns:p="http://schemas.openxmlformats.org/presentationml/2006/main">
+  <p:cSld>
+    <p:spTree>
+      <p:nvGrpSpPr>
+        <p:cNvPr id="1" name=""/>
+        <p:cNvGrpSpPr/>
+        <p:nvPr/>
+      </p:nvGrpSpPr>
+      <p:grpSpPr>
+        <a:xfrm>
+          <a:off x="0" y="0"/>
+          <a:ext cx="0" cy="0"/>
+          <a:chOff x="0" y="0"/>
+          <a:chExt cx="0" cy="0"/>
+        </a:xfrm>
+      </p:grpSpPr>
+      <p:sp>
+        <p:nvSpPr>
+          <p:cNvPr id="2" name="Title 1"/>
+          <p:cNvSpPr>
+            <a:spLocks noGrp="1"/>
+          </p:cNvSpPr>
+          <p:nvPr>
+            <p:ph type="title"/>
+          </p:nvPr>
+        </p:nvSpPr>
+        <p:spPr/>
+        <p:txBody>
+          <a:bodyPr/>
+          <a:lstStyle/>
+          <a:p>
+            <a:r>
+              <a:rPr lang="en-US" dirty="0" smtClean="0"/>
+              <a:t>Point: The Clouds are one big machine</a:t>
+            </a:r>
+            <a:endParaRPr lang="en-US" dirty="0"/>
+          </a:p>
+        </p:txBody>
+      </p:sp>
+      <p:grpSp>
+        <p:nvGrpSpPr>
+          <p:cNvPr id="11" name="Group 10"/>
+          <p:cNvGrpSpPr/>
+          <p:nvPr/>
+        </p:nvGrpSpPr>
+        <p:grpSpPr>
+          <a:xfrm>
+            <a:off x="308862" y="4916775"/>
+            <a:ext cx="2638269" cy="2038662"/>
+            <a:chOff x="1154242" y="2698230"/>
+            <a:chExt cx="2638269" cy="2038662"/>
+          </a:xfrm>
+          <a:solidFill>
+            <a:schemeClr val="tx1"/>
+          </a:solidFill>
+        </p:grpSpPr>
+        <p:sp>
+          <p:nvSpPr>
+            <p:cNvPr id="6" name="Cloud 5"/>
+            <p:cNvSpPr/>
+            <p:nvPr/>
+          </p:nvSpPr>
+          <p:spPr>
+            <a:xfrm>
+              <a:off x="1154242" y="2698230"/>
+              <a:ext cx="2638269" cy="2038662"/>
+            </a:xfrm>
+            <a:prstGeom prst="cloud">
+              <a:avLst/>
+            </a:prstGeom>
+            <a:grpFill/>
+          </p:spPr>
+          <p:style>
+            <a:lnRef idx="2">
+              <a:schemeClr val="accent1">
+                <a:shade val="50000"/>
+              </a:schemeClr>
+            </a:lnRef>
+            <a:fillRef idx="1">
+              <a:schemeClr val="accent1"/>
+            </a:fillRef>
+            <a:effectRef idx="0">
+              <a:schemeClr val="accent1"/>
+            </a:effectRef>
+            <a:fontRef idx="minor">
+              <a:schemeClr val="lt1"/>
+            </a:fontRef>
+          </p:style>
+          <p:txBody>
+            <a:bodyPr rtlCol="0" anchor="ctr"/>
+            <a:lstStyle/>
+            <a:p>
+              <a:pPr algn="ctr"/>
+              <a:endParaRPr lang="en-US"/>
+            </a:p>
+          </p:txBody>
+        </p:sp>
+        <p:pic>
+          <p:nvPicPr>
+            <p:cNvPr id="7" name="Picture 6"/>
+            <p:cNvPicPr>
+              <a:picLocks noChangeAspect="1"/>
+            </p:cNvPicPr>
+            <p:nvPr/>
+          </p:nvPicPr>
+          <p:blipFill>
+            <a:blip r:embed="rId2"/>
+            <a:stretch>
+              <a:fillRect/>
+            </a:stretch>
+          </p:blipFill>
+          <p:spPr>
+            <a:xfrm>
+              <a:off x="1770757" y="3441336"/>
+              <a:ext cx="1333500" cy="552450"/>
+            </a:xfrm>
+            <a:prstGeom prst="rect">
+              <a:avLst/>
+            </a:prstGeom>
+            <a:grpFill/>
+          </p:spPr>
+        </p:pic>
+      </p:grpSp>
+      <p:grpSp>
+        <p:nvGrpSpPr>
+          <p:cNvPr id="12" name="Group 11"/>
+          <p:cNvGrpSpPr/>
+          <p:nvPr/>
+        </p:nvGrpSpPr>
+        <p:grpSpPr>
+          <a:xfrm>
+            <a:off x="7010778" y="2042863"/>
+            <a:ext cx="2638269" cy="2038662"/>
+            <a:chOff x="6103495" y="1801319"/>
+            <a:chExt cx="2638269" cy="2038662"/>
+          </a:xfrm>
+          <a:solidFill>
+            <a:schemeClr val="tx1"/>
+          </a:solidFill>
+        </p:grpSpPr>
+        <p:sp>
+          <p:nvSpPr>
+            <p:cNvPr id="4" name="Cloud 3"/>
+            <p:cNvSpPr/>
+            <p:nvPr/>
+          </p:nvSpPr>
+          <p:spPr>
+            <a:xfrm>
+              <a:off x="6103495" y="1801319"/>
+              <a:ext cx="2638269" cy="2038662"/>
+            </a:xfrm>
+            <a:prstGeom prst="cloud">
+              <a:avLst/>
+            </a:prstGeom>
+            <a:grpFill/>
+          </p:spPr>
+          <p:style>
+            <a:lnRef idx="2">
+              <a:schemeClr val="accent1">
+                <a:shade val="50000"/>
+              </a:schemeClr>
+            </a:lnRef>
+            <a:fillRef idx="1">
+              <a:schemeClr val="accent1"/>
+            </a:fillRef>
+            <a:effectRef idx="0">
+              <a:schemeClr val="accent1"/>
+            </a:effectRef>
+            <a:fontRef idx="minor">
+              <a:schemeClr val="lt1"/>
+            </a:fontRef>
+          </p:style>
+          <p:txBody>
+            <a:bodyPr rtlCol="0" anchor="ctr"/>
+            <a:lstStyle/>
+            <a:p>
+              <a:pPr algn="ctr"/>
+              <a:endParaRPr lang="en-US"/>
+            </a:p>
+          </p:txBody>
+        </p:sp>
+        <p:pic>
+          <p:nvPicPr>
+            <p:cNvPr id="8" name="Picture 7"/>
+            <p:cNvPicPr>
+              <a:picLocks noChangeAspect="1"/>
+            </p:cNvPicPr>
+            <p:nvPr/>
+          </p:nvPicPr>
+          <p:blipFill>
+            <a:blip r:embed="rId3"/>
+            <a:stretch>
+              <a:fillRect/>
+            </a:stretch>
+          </p:blipFill>
+          <p:spPr>
+            <a:xfrm>
+              <a:off x="6435999" y="2443850"/>
+              <a:ext cx="1876425" cy="609600"/>
+            </a:xfrm>
+            <a:prstGeom prst="rect">
+              <a:avLst/>
+            </a:prstGeom>
+            <a:grpFill/>
+          </p:spPr>
+        </p:pic>
+      </p:grpSp>
+      <p:grpSp>
+        <p:nvGrpSpPr>
+          <p:cNvPr id="10" name="Group 9"/>
+          <p:cNvGrpSpPr/>
+          <p:nvPr/>
+        </p:nvGrpSpPr>
+        <p:grpSpPr>
+          <a:xfrm>
+            <a:off x="3563646" y="4916775"/>
+            <a:ext cx="2638269" cy="2038662"/>
+            <a:chOff x="3104255" y="4916775"/>
+            <a:chExt cx="2638269" cy="2038662"/>
+          </a:xfrm>
+          <a:solidFill>
+            <a:schemeClr val="tx1"/>
+          </a:solidFill>
+        </p:grpSpPr>
+        <p:sp>
+          <p:nvSpPr>
+            <p:cNvPr id="3" name="Cloud 2"/>
+            <p:cNvSpPr/>
+            <p:nvPr/>
+          </p:nvSpPr>
+          <p:spPr>
+            <a:xfrm>
+              <a:off x="3104255" y="4916775"/>
+              <a:ext cx="2638269" cy="2038662"/>
+            </a:xfrm>
+            <a:prstGeom prst="cloud">
+              <a:avLst/>
+            </a:prstGeom>
+            <a:grpFill/>
+          </p:spPr>
+          <p:style>
+            <a:lnRef idx="2">
+              <a:schemeClr val="accent1">
+                <a:shade val="50000"/>
+              </a:schemeClr>
+            </a:lnRef>
+            <a:fillRef idx="1">
+              <a:schemeClr val="accent1"/>
+            </a:fillRef>
+            <a:effectRef idx="0">
+              <a:schemeClr val="accent1"/>
+            </a:effectRef>
+            <a:fontRef idx="minor">
+              <a:schemeClr val="lt1"/>
+            </a:fontRef>
+          </p:style>
+          <p:txBody>
+            <a:bodyPr rtlCol="0" anchor="ctr"/>
+            <a:lstStyle/>
+            <a:p>
+              <a:pPr algn="ctr"/>
+              <a:endParaRPr lang="en-US"/>
+            </a:p>
+          </p:txBody>
+        </p:sp>
+        <p:pic>
+          <p:nvPicPr>
+            <p:cNvPr id="9" name="Picture 8"/>
+            <p:cNvPicPr>
+              <a:picLocks noChangeAspect="1"/>
+            </p:cNvPicPr>
+            <p:nvPr/>
+          </p:nvPicPr>
+          <p:blipFill>
+            <a:blip r:embed="rId4"/>
+            <a:stretch>
+              <a:fillRect/>
+            </a:stretch>
+          </p:blipFill>
+          <p:spPr>
+            <a:xfrm>
+              <a:off x="3418503" y="5530434"/>
+              <a:ext cx="2009775" cy="590550"/>
+            </a:xfrm>
+            <a:prstGeom prst="rect">
+              <a:avLst/>
+            </a:prstGeom>
+            <a:grpFill/>
+          </p:spPr>
+        </p:pic>
+      </p:grpSp>
+      <p:grpSp>
+        <p:nvGrpSpPr>
+          <p:cNvPr id="14" name="Group 13"/>
+          <p:cNvGrpSpPr/>
+          <p:nvPr/>
+        </p:nvGrpSpPr>
+        <p:grpSpPr>
+          <a:xfrm>
+            <a:off x="6993290" y="4916775"/>
+            <a:ext cx="2638269" cy="2038662"/>
+            <a:chOff x="6993290" y="4916775"/>
+            <a:chExt cx="2638269" cy="2038662"/>
+          </a:xfrm>
+          <a:solidFill>
+            <a:schemeClr val="tx1"/>
+          </a:solidFill>
+        </p:grpSpPr>
+        <p:sp>
+          <p:nvSpPr>
+            <p:cNvPr id="5" name="Cloud 4"/>
+            <p:cNvSpPr/>
+            <p:nvPr/>
+          </p:nvSpPr>
+          <p:spPr>
+            <a:xfrm>
+              <a:off x="6993290" y="4916775"/>
+              <a:ext cx="2638269" cy="2038662"/>
+            </a:xfrm>
+            <a:prstGeom prst="cloud">
+              <a:avLst/>
+            </a:prstGeom>
+            <a:grpFill/>
+          </p:spPr>
+          <p:style>
+            <a:lnRef idx="2">
+              <a:schemeClr val="accent1">
+                <a:shade val="50000"/>
+              </a:schemeClr>
+            </a:lnRef>
+            <a:fillRef idx="1">
+              <a:schemeClr val="accent1"/>
+            </a:fillRef>
+            <a:effectRef idx="0">
+              <a:schemeClr val="accent1"/>
+            </a:effectRef>
+            <a:fontRef idx="minor">
+              <a:schemeClr val="lt1"/>
+            </a:fontRef>
+          </p:style>
+          <p:txBody>
+            <a:bodyPr rtlCol="0" anchor="ctr"/>
+            <a:lstStyle/>
+            <a:p>
+              <a:pPr algn="ctr"/>
+              <a:endParaRPr lang="en-US"/>
+            </a:p>
+          </p:txBody>
+        </p:sp>
+        <p:pic>
+          <p:nvPicPr>
+            <p:cNvPr id="13" name="Picture 12"/>
+            <p:cNvPicPr>
+              <a:picLocks noChangeAspect="1"/>
+            </p:cNvPicPr>
+            <p:nvPr/>
+          </p:nvPicPr>
+          <p:blipFill>
+            <a:blip r:embed="rId5"/>
+            <a:stretch>
+              <a:fillRect/>
+            </a:stretch>
+          </p:blipFill>
+          <p:spPr>
+            <a:xfrm>
+              <a:off x="7066289" y="5628445"/>
+              <a:ext cx="2565270" cy="583886"/>
+            </a:xfrm>
+            <a:prstGeom prst="rect">
+              <a:avLst/>
+            </a:prstGeom>
+            <a:grpFill/>
+          </p:spPr>
+        </p:pic>
+      </p:grpSp>
+    </p:spTree>
+    <p:extLst>
+      <p:ext uri="{BB962C8B-B14F-4D97-AF65-F5344CB8AC3E}">
+        <p14:creationId xmlns:p14="http://schemas.microsoft.com/office/powerpoint/2010/main" val="2218060397"/>
+      </p:ext>
+    </p:extLst>
+  </p:cSld>
+  <p:clrMapOvr>
+    <a:masterClrMapping/>
+  </p:clrMapOvr>
+  <mc:AlternateContent xmlns:mc="http://schemas.openxmlformats.org/markup-compatibility/2006">
+    <mc:Choice xmlns:p14="http://schemas.microsoft.com/office/powerpoint/2010/main" Requires="p14">
+      <p:transition spd="med" p14:dur="700">
+        <p:fade/>
+      </p:transition>
+    </mc:Choice>
+    <mc:Fallback>
+      <p:transition spd="med">
+        <p:fade/>
+      </p:transition>
+    </mc:Fallback>
+  </mc:AlternateContent>
+  <p:timing>
+    <p:tnLst>
+      <p:par>
+        <p:cTn id="1" dur="indefinite" restart="never" nodeType="tmRoot"/>
+      </p:par>
+    </p:tnLst>
+  </p:timing>
+</p:sld>
+</file>
+
+<file path=ppt/slides/slide13.xml><?xml version="1.0" encoding="utf-8"?>
+<p:sld xmlns:a="http://schemas.openxmlformats.org/drawingml/2006/main" xmlns:r="http://schemas.openxmlformats.org/officeDocument/2006/relationships" xmlns:p="http://schemas.openxmlformats.org/presentationml/2006/main">
+  <p:cSld>
+    <p:spTree>
+      <p:nvGrpSpPr>
+        <p:cNvPr id="1" name=""/>
+        <p:cNvGrpSpPr/>
+        <p:nvPr/>
+      </p:nvGrpSpPr>
+      <p:grpSpPr>
+        <a:xfrm>
+          <a:off x="0" y="0"/>
+          <a:ext cx="0" cy="0"/>
+          <a:chOff x="0" y="0"/>
+          <a:chExt cx="0" cy="0"/>
+        </a:xfrm>
+      </p:grpSpPr>
+      <p:sp>
+        <p:nvSpPr>
+          <p:cNvPr id="2" name="Title 1"/>
+          <p:cNvSpPr>
+            <a:spLocks noGrp="1"/>
+          </p:cNvSpPr>
+          <p:nvPr>
+            <p:ph type="title"/>
+          </p:nvPr>
+        </p:nvSpPr>
+        <p:spPr/>
+        <p:txBody>
+          <a:bodyPr/>
+          <a:lstStyle/>
+          <a:p>
+            <a:r>
+              <a:rPr lang="en-US" dirty="0" smtClean="0"/>
+              <a:t>Point: The Clouds are one big machine</a:t>
+            </a:r>
+            <a:endParaRPr lang="en-US" dirty="0"/>
+          </a:p>
+        </p:txBody>
+      </p:sp>
+      <p:grpSp>
+        <p:nvGrpSpPr>
+          <p:cNvPr id="11" name="Group 10"/>
+          <p:cNvGrpSpPr/>
+          <p:nvPr/>
+        </p:nvGrpSpPr>
+        <p:grpSpPr>
+          <a:xfrm>
+            <a:off x="308862" y="4916775"/>
+            <a:ext cx="2638269" cy="2038662"/>
+            <a:chOff x="1154242" y="2698230"/>
+            <a:chExt cx="2638269" cy="2038662"/>
+          </a:xfrm>
+          <a:solidFill>
+            <a:schemeClr val="tx1"/>
+          </a:solidFill>
+        </p:grpSpPr>
+        <p:sp>
+          <p:nvSpPr>
+            <p:cNvPr id="6" name="Cloud 5"/>
+            <p:cNvSpPr/>
+            <p:nvPr/>
+          </p:nvSpPr>
+          <p:spPr>
+            <a:xfrm>
+              <a:off x="1154242" y="2698230"/>
+              <a:ext cx="2638269" cy="2038662"/>
+            </a:xfrm>
+            <a:prstGeom prst="cloud">
+              <a:avLst/>
+            </a:prstGeom>
+            <a:grpFill/>
+          </p:spPr>
+          <p:style>
+            <a:lnRef idx="2">
+              <a:schemeClr val="accent1">
+                <a:shade val="50000"/>
+              </a:schemeClr>
+            </a:lnRef>
+            <a:fillRef idx="1">
+              <a:schemeClr val="accent1"/>
+            </a:fillRef>
+            <a:effectRef idx="0">
+              <a:schemeClr val="accent1"/>
+            </a:effectRef>
+            <a:fontRef idx="minor">
+              <a:schemeClr val="lt1"/>
+            </a:fontRef>
+          </p:style>
+          <p:txBody>
+            <a:bodyPr rtlCol="0" anchor="ctr"/>
+            <a:lstStyle/>
+            <a:p>
+              <a:pPr algn="ctr"/>
+              <a:endParaRPr lang="en-US"/>
+            </a:p>
+          </p:txBody>
+        </p:sp>
+        <p:pic>
+          <p:nvPicPr>
+            <p:cNvPr id="7" name="Picture 6"/>
+            <p:cNvPicPr>
+              <a:picLocks noChangeAspect="1"/>
+            </p:cNvPicPr>
+            <p:nvPr/>
+          </p:nvPicPr>
+          <p:blipFill>
+            <a:blip r:embed="rId2"/>
+            <a:stretch>
+              <a:fillRect/>
+            </a:stretch>
+          </p:blipFill>
+          <p:spPr>
+            <a:xfrm>
+              <a:off x="1770757" y="3441336"/>
+              <a:ext cx="1333500" cy="552450"/>
+            </a:xfrm>
+            <a:prstGeom prst="rect">
+              <a:avLst/>
+            </a:prstGeom>
+            <a:grpFill/>
+          </p:spPr>
+        </p:pic>
+      </p:grpSp>
+      <p:grpSp>
+        <p:nvGrpSpPr>
+          <p:cNvPr id="12" name="Group 11"/>
+          <p:cNvGrpSpPr/>
+          <p:nvPr/>
+        </p:nvGrpSpPr>
+        <p:grpSpPr>
+          <a:xfrm>
+            <a:off x="7010778" y="2042863"/>
+            <a:ext cx="2638269" cy="2038662"/>
+            <a:chOff x="6103495" y="1801319"/>
+            <a:chExt cx="2638269" cy="2038662"/>
+          </a:xfrm>
+          <a:solidFill>
+            <a:schemeClr val="tx1"/>
+          </a:solidFill>
+        </p:grpSpPr>
+        <p:sp>
+          <p:nvSpPr>
+            <p:cNvPr id="4" name="Cloud 3"/>
+            <p:cNvSpPr/>
+            <p:nvPr/>
+          </p:nvSpPr>
+          <p:spPr>
+            <a:xfrm>
+              <a:off x="6103495" y="1801319"/>
+              <a:ext cx="2638269" cy="2038662"/>
+            </a:xfrm>
+            <a:prstGeom prst="cloud">
+              <a:avLst/>
+            </a:prstGeom>
+            <a:grpFill/>
+          </p:spPr>
+          <p:style>
+            <a:lnRef idx="2">
+              <a:schemeClr val="accent1">
+                <a:shade val="50000"/>
+              </a:schemeClr>
+            </a:lnRef>
+            <a:fillRef idx="1">
+              <a:schemeClr val="accent1"/>
+            </a:fillRef>
+            <a:effectRef idx="0">
+              <a:schemeClr val="accent1"/>
+            </a:effectRef>
+            <a:fontRef idx="minor">
+              <a:schemeClr val="lt1"/>
+            </a:fontRef>
+          </p:style>
+          <p:txBody>
+            <a:bodyPr rtlCol="0" anchor="ctr"/>
+            <a:lstStyle/>
+            <a:p>
+              <a:pPr algn="ctr"/>
+              <a:endParaRPr lang="en-US"/>
+            </a:p>
+          </p:txBody>
+        </p:sp>
+        <p:pic>
+          <p:nvPicPr>
+            <p:cNvPr id="8" name="Picture 7"/>
+            <p:cNvPicPr>
+              <a:picLocks noChangeAspect="1"/>
+            </p:cNvPicPr>
+            <p:nvPr/>
+          </p:nvPicPr>
+          <p:blipFill>
+            <a:blip r:embed="rId3"/>
+            <a:stretch>
+              <a:fillRect/>
+            </a:stretch>
+          </p:blipFill>
+          <p:spPr>
+            <a:xfrm>
+              <a:off x="6435999" y="2443850"/>
+              <a:ext cx="1876425" cy="609600"/>
+            </a:xfrm>
+            <a:prstGeom prst="rect">
+              <a:avLst/>
+            </a:prstGeom>
+            <a:grpFill/>
+          </p:spPr>
+        </p:pic>
+      </p:grpSp>
+      <p:grpSp>
+        <p:nvGrpSpPr>
+          <p:cNvPr id="10" name="Group 9"/>
+          <p:cNvGrpSpPr/>
+          <p:nvPr/>
+        </p:nvGrpSpPr>
+        <p:grpSpPr>
+          <a:xfrm>
+            <a:off x="3563646" y="4916775"/>
+            <a:ext cx="2638269" cy="2038662"/>
+            <a:chOff x="3104255" y="4916775"/>
+            <a:chExt cx="2638269" cy="2038662"/>
+          </a:xfrm>
+          <a:solidFill>
+            <a:schemeClr val="tx1"/>
+          </a:solidFill>
+        </p:grpSpPr>
+        <p:sp>
+          <p:nvSpPr>
+            <p:cNvPr id="3" name="Cloud 2"/>
+            <p:cNvSpPr/>
+            <p:nvPr/>
+          </p:nvSpPr>
+          <p:spPr>
+            <a:xfrm>
+              <a:off x="3104255" y="4916775"/>
+              <a:ext cx="2638269" cy="2038662"/>
+            </a:xfrm>
+            <a:prstGeom prst="cloud">
+              <a:avLst/>
+            </a:prstGeom>
+            <a:grpFill/>
+          </p:spPr>
+          <p:style>
+            <a:lnRef idx="2">
+              <a:schemeClr val="accent1">
+                <a:shade val="50000"/>
+              </a:schemeClr>
+            </a:lnRef>
+            <a:fillRef idx="1">
+              <a:schemeClr val="accent1"/>
+            </a:fillRef>
+            <a:effectRef idx="0">
+              <a:schemeClr val="accent1"/>
+            </a:effectRef>
+            <a:fontRef idx="minor">
+              <a:schemeClr val="lt1"/>
+            </a:fontRef>
+          </p:style>
+          <p:txBody>
+            <a:bodyPr rtlCol="0" anchor="ctr"/>
+            <a:lstStyle/>
+            <a:p>
+              <a:pPr algn="ctr"/>
+              <a:endParaRPr lang="en-US"/>
+            </a:p>
+          </p:txBody>
+        </p:sp>
+        <p:pic>
+          <p:nvPicPr>
+            <p:cNvPr id="9" name="Picture 8"/>
+            <p:cNvPicPr>
+              <a:picLocks noChangeAspect="1"/>
+            </p:cNvPicPr>
+            <p:nvPr/>
+          </p:nvPicPr>
+          <p:blipFill>
+            <a:blip r:embed="rId4"/>
+            <a:stretch>
+              <a:fillRect/>
+            </a:stretch>
+          </p:blipFill>
+          <p:spPr>
+            <a:xfrm>
+              <a:off x="3418503" y="5530434"/>
+              <a:ext cx="2009775" cy="590550"/>
+            </a:xfrm>
+            <a:prstGeom prst="rect">
+              <a:avLst/>
+            </a:prstGeom>
+            <a:grpFill/>
+          </p:spPr>
+        </p:pic>
+      </p:grpSp>
+      <p:grpSp>
+        <p:nvGrpSpPr>
+          <p:cNvPr id="14" name="Group 13"/>
+          <p:cNvGrpSpPr/>
+          <p:nvPr/>
+        </p:nvGrpSpPr>
+        <p:grpSpPr>
+          <a:xfrm>
+            <a:off x="6993290" y="4916775"/>
+            <a:ext cx="2638269" cy="2038662"/>
+            <a:chOff x="6993290" y="4916775"/>
+            <a:chExt cx="2638269" cy="2038662"/>
+          </a:xfrm>
+          <a:solidFill>
+            <a:schemeClr val="tx1"/>
+          </a:solidFill>
+        </p:grpSpPr>
+        <p:sp>
+          <p:nvSpPr>
+            <p:cNvPr id="5" name="Cloud 4"/>
+            <p:cNvSpPr/>
+            <p:nvPr/>
+          </p:nvSpPr>
+          <p:spPr>
+            <a:xfrm>
+              <a:off x="6993290" y="4916775"/>
+              <a:ext cx="2638269" cy="2038662"/>
+            </a:xfrm>
+            <a:prstGeom prst="cloud">
+              <a:avLst/>
+            </a:prstGeom>
+            <a:grpFill/>
+          </p:spPr>
+          <p:style>
+            <a:lnRef idx="2">
+              <a:schemeClr val="accent1">
+                <a:shade val="50000"/>
+              </a:schemeClr>
+            </a:lnRef>
+            <a:fillRef idx="1">
+              <a:schemeClr val="accent1"/>
+            </a:fillRef>
+            <a:effectRef idx="0">
+              <a:schemeClr val="accent1"/>
+            </a:effectRef>
+            <a:fontRef idx="minor">
+              <a:schemeClr val="lt1"/>
+            </a:fontRef>
+          </p:style>
+          <p:txBody>
+            <a:bodyPr rtlCol="0" anchor="ctr"/>
+            <a:lstStyle/>
+            <a:p>
+              <a:pPr algn="ctr"/>
+              <a:endParaRPr lang="en-US"/>
+            </a:p>
+          </p:txBody>
+        </p:sp>
+        <p:pic>
+          <p:nvPicPr>
+            <p:cNvPr id="13" name="Picture 12"/>
+            <p:cNvPicPr>
+              <a:picLocks noChangeAspect="1"/>
+            </p:cNvPicPr>
+            <p:nvPr/>
+          </p:nvPicPr>
+          <p:blipFill>
+            <a:blip r:embed="rId5"/>
+            <a:stretch>
+              <a:fillRect/>
+            </a:stretch>
+          </p:blipFill>
+          <p:spPr>
+            <a:xfrm>
+              <a:off x="7066289" y="5628445"/>
+              <a:ext cx="2565270" cy="583886"/>
+            </a:xfrm>
+            <a:prstGeom prst="rect">
+              <a:avLst/>
+            </a:prstGeom>
+            <a:grpFill/>
+          </p:spPr>
+        </p:pic>
+      </p:grpSp>
+      <p:pic>
+        <p:nvPicPr>
+          <p:cNvPr id="16" name="Picture 15"/>
+          <p:cNvPicPr>
+            <a:picLocks noChangeAspect="1"/>
+          </p:cNvPicPr>
+          <p:nvPr/>
+        </p:nvPicPr>
+        <p:blipFill>
+          <a:blip r:embed="rId6">
+            <a:extLst>
+              <a:ext uri="{28A0092B-C50C-407E-A947-70E740481C1C}">
+                <a14:useLocalDpi xmlns:a14="http://schemas.microsoft.com/office/drawing/2010/main" val="0"/>
+              </a:ext>
+            </a:extLst>
+          </a:blip>
+          <a:stretch>
+            <a:fillRect/>
+          </a:stretch>
+        </p:blipFill>
+        <p:spPr>
+          <a:xfrm>
+            <a:off x="714258" y="1864443"/>
+            <a:ext cx="1755738" cy="1755738"/>
+          </a:xfrm>
+          <a:prstGeom prst="rect">
+            <a:avLst/>
+          </a:prstGeom>
+        </p:spPr>
+      </p:pic>
+      <p:sp>
+        <p:nvSpPr>
+          <p:cNvPr id="17" name="Rounded Rectangle 16"/>
+          <p:cNvSpPr/>
+          <p:nvPr/>
+        </p:nvSpPr>
+        <p:spPr>
+          <a:xfrm>
+            <a:off x="2947131" y="2990194"/>
+            <a:ext cx="2727025" cy="982199"/>
+          </a:xfrm>
+          <a:prstGeom prst="roundRect">
+            <a:avLst/>
+          </a:prstGeom>
+        </p:spPr>
+        <p:style>
+          <a:lnRef idx="2">
+            <a:schemeClr val="accent1">
+              <a:shade val="50000"/>
+            </a:schemeClr>
+          </a:lnRef>
+          <a:fillRef idx="1">
+            <a:schemeClr val="accent1"/>
+          </a:fillRef>
+          <a:effectRef idx="0">
+            <a:schemeClr val="accent1"/>
+          </a:effectRef>
+          <a:fontRef idx="minor">
+            <a:schemeClr val="lt1"/>
+          </a:fontRef>
+        </p:style>
+        <p:txBody>
+          <a:bodyPr rtlCol="0" anchor="ctr"/>
+          <a:lstStyle/>
+          <a:p>
+            <a:pPr algn="ctr"/>
+            <a:r>
+              <a:rPr lang="en-US" dirty="0" smtClean="0"/>
+              <a:t>Docker Client</a:t>
+            </a:r>
+            <a:endParaRPr lang="en-US" dirty="0"/>
+          </a:p>
+        </p:txBody>
+      </p:sp>
+      <p:cxnSp>
+        <p:nvCxnSpPr>
+          <p:cNvPr id="19" name="Straight Arrow Connector 18"/>
+          <p:cNvCxnSpPr>
+            <a:stCxn id="17" idx="3"/>
+          </p:cNvCxnSpPr>
+          <p:nvPr/>
+        </p:nvCxnSpPr>
+        <p:spPr>
+          <a:xfrm>
+            <a:off x="5674156" y="3481294"/>
+            <a:ext cx="1392133" cy="26404"/>
+          </a:xfrm>
+          <a:prstGeom prst="straightConnector1">
+            <a:avLst/>
+          </a:prstGeom>
+          <a:ln>
+            <a:tailEnd type="triangle"/>
+          </a:ln>
+        </p:spPr>
+        <p:style>
+          <a:lnRef idx="3">
+            <a:schemeClr val="accent1"/>
+          </a:lnRef>
+          <a:fillRef idx="0">
+            <a:schemeClr val="accent1"/>
+          </a:fillRef>
+          <a:effectRef idx="2">
+            <a:schemeClr val="accent1"/>
+          </a:effectRef>
+          <a:fontRef idx="minor">
+            <a:schemeClr val="tx1"/>
+          </a:fontRef>
+        </p:style>
+      </p:cxnSp>
+      <p:cxnSp>
+        <p:nvCxnSpPr>
+          <p:cNvPr id="21" name="Straight Arrow Connector 20"/>
+          <p:cNvCxnSpPr>
+            <a:stCxn id="17" idx="3"/>
+          </p:cNvCxnSpPr>
+          <p:nvPr/>
+        </p:nvCxnSpPr>
+        <p:spPr>
+          <a:xfrm>
+            <a:off x="5674156" y="3481294"/>
+            <a:ext cx="1775955" cy="1680103"/>
+          </a:xfrm>
+          <a:prstGeom prst="straightConnector1">
+            <a:avLst/>
+          </a:prstGeom>
+          <a:ln>
+            <a:tailEnd type="triangle"/>
+          </a:ln>
+        </p:spPr>
+        <p:style>
+          <a:lnRef idx="3">
+            <a:schemeClr val="accent1"/>
+          </a:lnRef>
+          <a:fillRef idx="0">
+            <a:schemeClr val="accent1"/>
+          </a:fillRef>
+          <a:effectRef idx="2">
+            <a:schemeClr val="accent1"/>
+          </a:effectRef>
+          <a:fontRef idx="minor">
+            <a:schemeClr val="tx1"/>
+          </a:fontRef>
+        </p:style>
+      </p:cxnSp>
+      <p:cxnSp>
+        <p:nvCxnSpPr>
+          <p:cNvPr id="23" name="Straight Arrow Connector 22"/>
+          <p:cNvCxnSpPr>
+            <a:stCxn id="17" idx="2"/>
+            <a:endCxn id="3" idx="3"/>
+          </p:cNvCxnSpPr>
+          <p:nvPr/>
+        </p:nvCxnSpPr>
+        <p:spPr>
+          <a:xfrm>
+            <a:off x="4310644" y="3972393"/>
+            <a:ext cx="572137" cy="1060944"/>
+          </a:xfrm>
+          <a:prstGeom prst="straightConnector1">
+            <a:avLst/>
+          </a:prstGeom>
+          <a:ln>
+            <a:tailEnd type="triangle"/>
+          </a:ln>
+        </p:spPr>
+        <p:style>
+          <a:lnRef idx="3">
+            <a:schemeClr val="accent1"/>
+          </a:lnRef>
+          <a:fillRef idx="0">
+            <a:schemeClr val="accent1"/>
+          </a:fillRef>
+          <a:effectRef idx="2">
+            <a:schemeClr val="accent1"/>
+          </a:effectRef>
+          <a:fontRef idx="minor">
+            <a:schemeClr val="tx1"/>
+          </a:fontRef>
+        </p:style>
+      </p:cxnSp>
+      <p:cxnSp>
+        <p:nvCxnSpPr>
+          <p:cNvPr id="25" name="Straight Arrow Connector 24"/>
+          <p:cNvCxnSpPr>
+            <a:stCxn id="17" idx="2"/>
+            <a:endCxn id="6" idx="3"/>
+          </p:cNvCxnSpPr>
+          <p:nvPr/>
+        </p:nvCxnSpPr>
+        <p:spPr>
+          <a:xfrm flipH="1">
+            <a:off x="1627997" y="3972393"/>
+            <a:ext cx="2682647" cy="1060944"/>
+          </a:xfrm>
+          <a:prstGeom prst="straightConnector1">
+            <a:avLst/>
+          </a:prstGeom>
+          <a:ln>
+            <a:tailEnd type="triangle"/>
+          </a:ln>
+        </p:spPr>
+        <p:style>
+          <a:lnRef idx="3">
+            <a:schemeClr val="accent1"/>
+          </a:lnRef>
+          <a:fillRef idx="0">
+            <a:schemeClr val="accent1"/>
+          </a:fillRef>
+          <a:effectRef idx="2">
+            <a:schemeClr val="accent1"/>
+          </a:effectRef>
+          <a:fontRef idx="minor">
+            <a:schemeClr val="tx1"/>
+          </a:fontRef>
+        </p:style>
+      </p:cxnSp>
+      <p:cxnSp>
+        <p:nvCxnSpPr>
+          <p:cNvPr id="27" name="Straight Arrow Connector 26"/>
+          <p:cNvCxnSpPr>
+            <a:stCxn id="16" idx="3"/>
+          </p:cNvCxnSpPr>
+          <p:nvPr/>
+        </p:nvCxnSpPr>
+        <p:spPr>
+          <a:xfrm>
+            <a:off x="2469996" y="2742312"/>
+            <a:ext cx="477135" cy="247882"/>
+          </a:xfrm>
+          <a:prstGeom prst="straightConnector1">
+            <a:avLst/>
+          </a:prstGeom>
+          <a:ln>
+            <a:tailEnd type="triangle"/>
+          </a:ln>
+        </p:spPr>
+        <p:style>
+          <a:lnRef idx="3">
+            <a:schemeClr val="accent1"/>
+          </a:lnRef>
+          <a:fillRef idx="0">
+            <a:schemeClr val="accent1"/>
+          </a:fillRef>
+          <a:effectRef idx="2">
+            <a:schemeClr val="accent1"/>
+          </a:effectRef>
+          <a:fontRef idx="minor">
+            <a:schemeClr val="tx1"/>
+          </a:fontRef>
+        </p:style>
+      </p:cxnSp>
+    </p:spTree>
+    <p:extLst>
+      <p:ext uri="{BB962C8B-B14F-4D97-AF65-F5344CB8AC3E}">
+        <p14:creationId xmlns:p14="http://schemas.microsoft.com/office/powerpoint/2010/main" val="4177043815"/>
+      </p:ext>
+    </p:extLst>
+  </p:cSld>
+  <p:clrMapOvr>
+    <a:masterClrMapping/>
+  </p:clrMapOvr>
+  <mc:AlternateContent xmlns:mc="http://schemas.openxmlformats.org/markup-compatibility/2006">
+    <mc:Choice xmlns:p14="http://schemas.microsoft.com/office/powerpoint/2010/main" Requires="p14">
+      <p:transition spd="med" p14:dur="700">
+        <p:fade/>
+      </p:transition>
+    </mc:Choice>
+    <mc:Fallback>
+      <p:transition spd="med">
+        <p:fade/>
+      </p:transition>
+    </mc:Fallback>
+  </mc:AlternateContent>
+  <p:timing>
+    <p:tnLst>
+      <p:par>
+        <p:cTn id="1" dur="indefinite" restart="never" nodeType="tmRoot"/>
+      </p:par>
+    </p:tnLst>
+  </p:timing>
+</p:sld>
+</file>
+
+<file path=ppt/slides/slide14.xml><?xml version="1.0" encoding="utf-8"?>
+<p:sld xmlns:a="http://schemas.openxmlformats.org/drawingml/2006/main" xmlns:r="http://schemas.openxmlformats.org/officeDocument/2006/relationships" xmlns:p="http://schemas.openxmlformats.org/presentationml/2006/main">
+  <p:cSld>
+    <p:spTree>
+      <p:nvGrpSpPr>
+        <p:cNvPr id="1" name=""/>
+        <p:cNvGrpSpPr/>
+        <p:nvPr/>
+      </p:nvGrpSpPr>
+      <p:grpSpPr>
+        <a:xfrm>
+          <a:off x="0" y="0"/>
+          <a:ext cx="0" cy="0"/>
+          <a:chOff x="0" y="0"/>
+          <a:chExt cx="0" cy="0"/>
+        </a:xfrm>
+      </p:grpSpPr>
+      <p:sp>
+        <p:nvSpPr>
+          <p:cNvPr id="2" name="Title 1"/>
+          <p:cNvSpPr>
+            <a:spLocks noGrp="1"/>
+          </p:cNvSpPr>
+          <p:nvPr>
+            <p:ph type="title"/>
+          </p:nvPr>
+        </p:nvSpPr>
+        <p:spPr/>
+        <p:txBody>
+          <a:bodyPr/>
+          <a:lstStyle/>
+          <a:p>
+            <a:r>
+              <a:rPr lang="en-US" dirty="0" smtClean="0"/>
+              <a:t>Point: The Clouds are one big machine</a:t>
+            </a:r>
+            <a:endParaRPr lang="en-US" dirty="0"/>
+          </a:p>
+        </p:txBody>
+      </p:sp>
+      <p:grpSp>
+        <p:nvGrpSpPr>
+          <p:cNvPr id="11" name="Group 10"/>
+          <p:cNvGrpSpPr/>
+          <p:nvPr/>
+        </p:nvGrpSpPr>
+        <p:grpSpPr>
+          <a:xfrm>
+            <a:off x="5348122" y="5888853"/>
+            <a:ext cx="1710499" cy="1334124"/>
+            <a:chOff x="1154242" y="2698230"/>
+            <a:chExt cx="2638269" cy="2038662"/>
+          </a:xfrm>
+          <a:solidFill>
+            <a:schemeClr val="tx1"/>
+          </a:solidFill>
+        </p:grpSpPr>
+        <p:sp>
+          <p:nvSpPr>
+            <p:cNvPr id="6" name="Cloud 5"/>
+            <p:cNvSpPr/>
+            <p:nvPr/>
+          </p:nvSpPr>
+          <p:spPr>
+            <a:xfrm>
+              <a:off x="1154242" y="2698230"/>
+              <a:ext cx="2638269" cy="2038662"/>
+            </a:xfrm>
+            <a:prstGeom prst="cloud">
+              <a:avLst/>
+            </a:prstGeom>
+            <a:grpFill/>
+          </p:spPr>
+          <p:style>
+            <a:lnRef idx="2">
+              <a:schemeClr val="accent1">
+                <a:shade val="50000"/>
+              </a:schemeClr>
+            </a:lnRef>
+            <a:fillRef idx="1">
+              <a:schemeClr val="accent1"/>
+            </a:fillRef>
+            <a:effectRef idx="0">
+              <a:schemeClr val="accent1"/>
+            </a:effectRef>
+            <a:fontRef idx="minor">
+              <a:schemeClr val="lt1"/>
+            </a:fontRef>
+          </p:style>
+          <p:txBody>
+            <a:bodyPr rtlCol="0" anchor="ctr"/>
+            <a:lstStyle/>
+            <a:p>
+              <a:pPr algn="ctr"/>
+              <a:endParaRPr lang="en-US"/>
+            </a:p>
+          </p:txBody>
+        </p:sp>
+        <p:pic>
+          <p:nvPicPr>
+            <p:cNvPr id="7" name="Picture 6"/>
+            <p:cNvPicPr>
+              <a:picLocks noChangeAspect="1"/>
+            </p:cNvPicPr>
+            <p:nvPr/>
+          </p:nvPicPr>
+          <p:blipFill>
+            <a:blip r:embed="rId2"/>
+            <a:stretch>
+              <a:fillRect/>
+            </a:stretch>
+          </p:blipFill>
+          <p:spPr>
+            <a:xfrm>
+              <a:off x="1770757" y="3441336"/>
+              <a:ext cx="1333500" cy="552450"/>
+            </a:xfrm>
+            <a:prstGeom prst="rect">
+              <a:avLst/>
+            </a:prstGeom>
+            <a:grpFill/>
+          </p:spPr>
+        </p:pic>
+      </p:grpSp>
+      <p:grpSp>
+        <p:nvGrpSpPr>
+          <p:cNvPr id="12" name="Group 11"/>
+          <p:cNvGrpSpPr/>
+          <p:nvPr/>
+        </p:nvGrpSpPr>
+        <p:grpSpPr>
+          <a:xfrm>
+            <a:off x="5419783" y="1418225"/>
+            <a:ext cx="1301647" cy="1069394"/>
+            <a:chOff x="6103495" y="1801319"/>
+            <a:chExt cx="2638269" cy="2038662"/>
+          </a:xfrm>
+          <a:solidFill>
+            <a:schemeClr val="tx1"/>
+          </a:solidFill>
+        </p:grpSpPr>
+        <p:sp>
+          <p:nvSpPr>
+            <p:cNvPr id="4" name="Cloud 3"/>
+            <p:cNvSpPr/>
+            <p:nvPr/>
+          </p:nvSpPr>
+          <p:spPr>
+            <a:xfrm>
+              <a:off x="6103495" y="1801319"/>
+              <a:ext cx="2638269" cy="2038662"/>
+            </a:xfrm>
+            <a:prstGeom prst="cloud">
+              <a:avLst/>
+            </a:prstGeom>
+            <a:grpFill/>
+          </p:spPr>
+          <p:style>
+            <a:lnRef idx="2">
+              <a:schemeClr val="accent1">
+                <a:shade val="50000"/>
+              </a:schemeClr>
+            </a:lnRef>
+            <a:fillRef idx="1">
+              <a:schemeClr val="accent1"/>
+            </a:fillRef>
+            <a:effectRef idx="0">
+              <a:schemeClr val="accent1"/>
+            </a:effectRef>
+            <a:fontRef idx="minor">
+              <a:schemeClr val="lt1"/>
+            </a:fontRef>
+          </p:style>
+          <p:txBody>
+            <a:bodyPr rtlCol="0" anchor="ctr"/>
+            <a:lstStyle/>
+            <a:p>
+              <a:pPr algn="ctr"/>
+              <a:endParaRPr lang="en-US"/>
+            </a:p>
+          </p:txBody>
+        </p:sp>
+        <p:pic>
+          <p:nvPicPr>
+            <p:cNvPr id="8" name="Picture 7"/>
+            <p:cNvPicPr>
+              <a:picLocks noChangeAspect="1"/>
+            </p:cNvPicPr>
+            <p:nvPr/>
+          </p:nvPicPr>
+          <p:blipFill>
+            <a:blip r:embed="rId3"/>
+            <a:stretch>
+              <a:fillRect/>
+            </a:stretch>
+          </p:blipFill>
+          <p:spPr>
+            <a:xfrm>
+              <a:off x="6435999" y="2443850"/>
+              <a:ext cx="1876425" cy="609600"/>
+            </a:xfrm>
+            <a:prstGeom prst="rect">
+              <a:avLst/>
+            </a:prstGeom>
+            <a:grpFill/>
+          </p:spPr>
+        </p:pic>
+      </p:grpSp>
+      <p:grpSp>
+        <p:nvGrpSpPr>
+          <p:cNvPr id="10" name="Group 9"/>
+          <p:cNvGrpSpPr/>
+          <p:nvPr/>
+        </p:nvGrpSpPr>
+        <p:grpSpPr>
+          <a:xfrm>
+            <a:off x="5306575" y="4342754"/>
+            <a:ext cx="1522138" cy="1191106"/>
+            <a:chOff x="3104255" y="4916775"/>
+            <a:chExt cx="2638269" cy="2038662"/>
+          </a:xfrm>
+          <a:solidFill>
+            <a:schemeClr val="tx1"/>
+          </a:solidFill>
+        </p:grpSpPr>
+        <p:sp>
+          <p:nvSpPr>
+            <p:cNvPr id="3" name="Cloud 2"/>
+            <p:cNvSpPr/>
+            <p:nvPr/>
+          </p:nvSpPr>
+          <p:spPr>
+            <a:xfrm>
+              <a:off x="3104255" y="4916775"/>
+              <a:ext cx="2638269" cy="2038662"/>
+            </a:xfrm>
+            <a:prstGeom prst="cloud">
+              <a:avLst/>
+            </a:prstGeom>
+            <a:grpFill/>
+          </p:spPr>
+          <p:style>
+            <a:lnRef idx="2">
+              <a:schemeClr val="accent1">
+                <a:shade val="50000"/>
+              </a:schemeClr>
+            </a:lnRef>
+            <a:fillRef idx="1">
+              <a:schemeClr val="accent1"/>
+            </a:fillRef>
+            <a:effectRef idx="0">
+              <a:schemeClr val="accent1"/>
+            </a:effectRef>
+            <a:fontRef idx="minor">
+              <a:schemeClr val="lt1"/>
+            </a:fontRef>
+          </p:style>
+          <p:txBody>
+            <a:bodyPr rtlCol="0" anchor="ctr"/>
+            <a:lstStyle/>
+            <a:p>
+              <a:pPr algn="ctr"/>
+              <a:endParaRPr lang="en-US"/>
+            </a:p>
+          </p:txBody>
+        </p:sp>
+        <p:pic>
+          <p:nvPicPr>
+            <p:cNvPr id="9" name="Picture 8"/>
+            <p:cNvPicPr>
+              <a:picLocks noChangeAspect="1"/>
+            </p:cNvPicPr>
+            <p:nvPr/>
+          </p:nvPicPr>
+          <p:blipFill>
+            <a:blip r:embed="rId4"/>
+            <a:stretch>
+              <a:fillRect/>
+            </a:stretch>
+          </p:blipFill>
+          <p:spPr>
+            <a:xfrm>
+              <a:off x="3418503" y="5530434"/>
+              <a:ext cx="2009775" cy="590550"/>
+            </a:xfrm>
+            <a:prstGeom prst="rect">
+              <a:avLst/>
+            </a:prstGeom>
+            <a:grpFill/>
+          </p:spPr>
+        </p:pic>
+      </p:grpSp>
+      <p:grpSp>
+        <p:nvGrpSpPr>
+          <p:cNvPr id="14" name="Group 13"/>
+          <p:cNvGrpSpPr/>
+          <p:nvPr/>
+        </p:nvGrpSpPr>
+        <p:grpSpPr>
+          <a:xfrm>
+            <a:off x="5306575" y="2821349"/>
+            <a:ext cx="1501560" cy="1166412"/>
+            <a:chOff x="6993290" y="4916775"/>
+            <a:chExt cx="2638269" cy="2038662"/>
+          </a:xfrm>
+          <a:solidFill>
+            <a:schemeClr val="tx1"/>
+          </a:solidFill>
+        </p:grpSpPr>
+        <p:sp>
+          <p:nvSpPr>
+            <p:cNvPr id="5" name="Cloud 4"/>
+            <p:cNvSpPr/>
+            <p:nvPr/>
+          </p:nvSpPr>
+          <p:spPr>
+            <a:xfrm>
+              <a:off x="6993290" y="4916775"/>
+              <a:ext cx="2638269" cy="2038662"/>
+            </a:xfrm>
+            <a:prstGeom prst="cloud">
+              <a:avLst/>
+            </a:prstGeom>
+            <a:grpFill/>
+          </p:spPr>
+          <p:style>
+            <a:lnRef idx="2">
+              <a:schemeClr val="accent1">
+                <a:shade val="50000"/>
+              </a:schemeClr>
+            </a:lnRef>
+            <a:fillRef idx="1">
+              <a:schemeClr val="accent1"/>
+            </a:fillRef>
+            <a:effectRef idx="0">
+              <a:schemeClr val="accent1"/>
+            </a:effectRef>
+            <a:fontRef idx="minor">
+              <a:schemeClr val="lt1"/>
+            </a:fontRef>
+          </p:style>
+          <p:txBody>
+            <a:bodyPr rtlCol="0" anchor="ctr"/>
+            <a:lstStyle/>
+            <a:p>
+              <a:pPr algn="ctr"/>
+              <a:endParaRPr lang="en-US"/>
+            </a:p>
+          </p:txBody>
+        </p:sp>
+        <p:pic>
+          <p:nvPicPr>
+            <p:cNvPr id="13" name="Picture 12"/>
+            <p:cNvPicPr>
+              <a:picLocks noChangeAspect="1"/>
+            </p:cNvPicPr>
+            <p:nvPr/>
+          </p:nvPicPr>
+          <p:blipFill>
+            <a:blip r:embed="rId5"/>
+            <a:stretch>
+              <a:fillRect/>
+            </a:stretch>
+          </p:blipFill>
+          <p:spPr>
+            <a:xfrm>
+              <a:off x="7066289" y="5628445"/>
+              <a:ext cx="2565270" cy="583886"/>
+            </a:xfrm>
+            <a:prstGeom prst="rect">
+              <a:avLst/>
+            </a:prstGeom>
+            <a:grpFill/>
+          </p:spPr>
+        </p:pic>
+      </p:grpSp>
+      <p:pic>
+        <p:nvPicPr>
+          <p:cNvPr id="16" name="Picture 15"/>
+          <p:cNvPicPr>
+            <a:picLocks noChangeAspect="1"/>
+          </p:cNvPicPr>
+          <p:nvPr/>
+        </p:nvPicPr>
+        <p:blipFill>
+          <a:blip r:embed="rId6">
+            <a:extLst>
+              <a:ext uri="{28A0092B-C50C-407E-A947-70E740481C1C}">
+                <a14:useLocalDpi xmlns:a14="http://schemas.microsoft.com/office/drawing/2010/main" val="0"/>
+              </a:ext>
+            </a:extLst>
+          </a:blip>
+          <a:stretch>
+            <a:fillRect/>
+          </a:stretch>
+        </p:blipFill>
+        <p:spPr>
+          <a:xfrm>
+            <a:off x="714258" y="1864443"/>
+            <a:ext cx="1755738" cy="1755738"/>
+          </a:xfrm>
+          <a:prstGeom prst="rect">
+            <a:avLst/>
+          </a:prstGeom>
+        </p:spPr>
+      </p:pic>
+      <p:sp>
+        <p:nvSpPr>
+          <p:cNvPr id="17" name="Rounded Rectangle 16"/>
+          <p:cNvSpPr/>
+          <p:nvPr/>
+        </p:nvSpPr>
+        <p:spPr>
+          <a:xfrm>
+            <a:off x="534359" y="4163249"/>
+            <a:ext cx="2727025" cy="982199"/>
+          </a:xfrm>
+          <a:prstGeom prst="roundRect">
+            <a:avLst/>
+          </a:prstGeom>
+        </p:spPr>
+        <p:style>
+          <a:lnRef idx="2">
+            <a:schemeClr val="accent1">
+              <a:shade val="50000"/>
+            </a:schemeClr>
+          </a:lnRef>
+          <a:fillRef idx="1">
+            <a:schemeClr val="accent1"/>
+          </a:fillRef>
+          <a:effectRef idx="0">
+            <a:schemeClr val="accent1"/>
+          </a:effectRef>
+          <a:fontRef idx="minor">
+            <a:schemeClr val="lt1"/>
+          </a:fontRef>
+        </p:style>
+        <p:txBody>
+          <a:bodyPr rtlCol="0" anchor="ctr"/>
+          <a:lstStyle/>
+          <a:p>
+            <a:pPr algn="ctr"/>
+            <a:r>
+              <a:rPr lang="en-US" dirty="0" smtClean="0"/>
+              <a:t>Docker Client</a:t>
+            </a:r>
+            <a:endParaRPr lang="en-US" dirty="0"/>
+          </a:p>
+        </p:txBody>
+      </p:sp>
+      <p:cxnSp>
+        <p:nvCxnSpPr>
+          <p:cNvPr id="19" name="Straight Arrow Connector 18"/>
+          <p:cNvCxnSpPr>
+            <a:stCxn id="17" idx="3"/>
+            <a:endCxn id="5" idx="2"/>
+          </p:cNvCxnSpPr>
+          <p:nvPr/>
+        </p:nvCxnSpPr>
+        <p:spPr>
+          <a:xfrm flipV="1">
+            <a:off x="3261384" y="3404555"/>
+            <a:ext cx="2049849" cy="1249794"/>
+          </a:xfrm>
+          <a:prstGeom prst="straightConnector1">
+            <a:avLst/>
+          </a:prstGeom>
+          <a:ln>
+            <a:tailEnd type="triangle"/>
+          </a:ln>
+        </p:spPr>
+        <p:style>
+          <a:lnRef idx="3">
+            <a:schemeClr val="accent1"/>
+          </a:lnRef>
+          <a:fillRef idx="0">
+            <a:schemeClr val="accent1"/>
+          </a:fillRef>
+          <a:effectRef idx="2">
+            <a:schemeClr val="accent1"/>
+          </a:effectRef>
+          <a:fontRef idx="minor">
+            <a:schemeClr val="tx1"/>
+          </a:fontRef>
+        </p:style>
+      </p:cxnSp>
+      <p:cxnSp>
+        <p:nvCxnSpPr>
+          <p:cNvPr id="21" name="Straight Arrow Connector 20"/>
+          <p:cNvCxnSpPr>
+            <a:stCxn id="17" idx="3"/>
+            <a:endCxn id="3" idx="2"/>
+          </p:cNvCxnSpPr>
+          <p:nvPr/>
+        </p:nvCxnSpPr>
+        <p:spPr>
+          <a:xfrm>
+            <a:off x="3261384" y="4654349"/>
+            <a:ext cx="2049912" cy="283958"/>
+          </a:xfrm>
+          <a:prstGeom prst="straightConnector1">
+            <a:avLst/>
+          </a:prstGeom>
+          <a:ln>
+            <a:tailEnd type="triangle"/>
+          </a:ln>
+        </p:spPr>
+        <p:style>
+          <a:lnRef idx="3">
+            <a:schemeClr val="accent1"/>
+          </a:lnRef>
+          <a:fillRef idx="0">
+            <a:schemeClr val="accent1"/>
+          </a:fillRef>
+          <a:effectRef idx="2">
+            <a:schemeClr val="accent1"/>
+          </a:effectRef>
+          <a:fontRef idx="minor">
+            <a:schemeClr val="tx1"/>
+          </a:fontRef>
+        </p:style>
+      </p:cxnSp>
+      <p:cxnSp>
+        <p:nvCxnSpPr>
+          <p:cNvPr id="23" name="Straight Arrow Connector 22"/>
+          <p:cNvCxnSpPr>
+            <a:stCxn id="17" idx="3"/>
+            <a:endCxn id="4" idx="2"/>
+          </p:cNvCxnSpPr>
+          <p:nvPr/>
+        </p:nvCxnSpPr>
+        <p:spPr>
+          <a:xfrm flipV="1">
+            <a:off x="3261384" y="1952922"/>
+            <a:ext cx="2162437" cy="2701427"/>
+          </a:xfrm>
+          <a:prstGeom prst="straightConnector1">
+            <a:avLst/>
+          </a:prstGeom>
+          <a:ln>
+            <a:tailEnd type="triangle"/>
+          </a:ln>
+        </p:spPr>
+        <p:style>
+          <a:lnRef idx="3">
+            <a:schemeClr val="accent1"/>
+          </a:lnRef>
+          <a:fillRef idx="0">
+            <a:schemeClr val="accent1"/>
+          </a:fillRef>
+          <a:effectRef idx="2">
+            <a:schemeClr val="accent1"/>
+          </a:effectRef>
+          <a:fontRef idx="minor">
+            <a:schemeClr val="tx1"/>
+          </a:fontRef>
+        </p:style>
+      </p:cxnSp>
+      <p:cxnSp>
+        <p:nvCxnSpPr>
+          <p:cNvPr id="25" name="Straight Arrow Connector 24"/>
+          <p:cNvCxnSpPr>
+            <a:stCxn id="17" idx="3"/>
+            <a:endCxn id="6" idx="3"/>
+          </p:cNvCxnSpPr>
+          <p:nvPr/>
+        </p:nvCxnSpPr>
+        <p:spPr>
+          <a:xfrm>
+            <a:off x="3261384" y="4654349"/>
+            <a:ext cx="2941988" cy="1310784"/>
+          </a:xfrm>
+          <a:prstGeom prst="straightConnector1">
+            <a:avLst/>
+          </a:prstGeom>
+          <a:ln>
+            <a:tailEnd type="triangle"/>
+          </a:ln>
+        </p:spPr>
+        <p:style>
+          <a:lnRef idx="3">
+            <a:schemeClr val="accent1"/>
+          </a:lnRef>
+          <a:fillRef idx="0">
+            <a:schemeClr val="accent1"/>
+          </a:fillRef>
+          <a:effectRef idx="2">
+            <a:schemeClr val="accent1"/>
+          </a:effectRef>
+          <a:fontRef idx="minor">
+            <a:schemeClr val="tx1"/>
+          </a:fontRef>
+        </p:style>
+      </p:cxnSp>
+      <p:cxnSp>
+        <p:nvCxnSpPr>
+          <p:cNvPr id="27" name="Straight Arrow Connector 26"/>
+          <p:cNvCxnSpPr>
+            <a:stCxn id="16" idx="2"/>
+            <a:endCxn id="17" idx="0"/>
+          </p:cNvCxnSpPr>
+          <p:nvPr/>
+        </p:nvCxnSpPr>
+        <p:spPr>
+          <a:xfrm>
+            <a:off x="1592127" y="3620181"/>
+            <a:ext cx="305745" cy="543068"/>
+          </a:xfrm>
+          <a:prstGeom prst="straightConnector1">
+            <a:avLst/>
+          </a:prstGeom>
+          <a:ln>
+            <a:tailEnd type="triangle"/>
+          </a:ln>
+        </p:spPr>
+        <p:style>
+          <a:lnRef idx="3">
+            <a:schemeClr val="accent1"/>
+          </a:lnRef>
+          <a:fillRef idx="0">
+            <a:schemeClr val="accent1"/>
+          </a:fillRef>
+          <a:effectRef idx="2">
+            <a:schemeClr val="accent1"/>
+          </a:effectRef>
+          <a:fontRef idx="minor">
+            <a:schemeClr val="tx1"/>
+          </a:fontRef>
+        </p:style>
+      </p:cxnSp>
+      <p:pic>
+        <p:nvPicPr>
+          <p:cNvPr id="34" name="Picture 33"/>
+          <p:cNvPicPr>
+            <a:picLocks noChangeAspect="1"/>
+          </p:cNvPicPr>
+          <p:nvPr/>
+        </p:nvPicPr>
+        <p:blipFill>
+          <a:blip r:embed="rId7" cstate="print">
+            <a:extLst>
+              <a:ext uri="{28A0092B-C50C-407E-A947-70E740481C1C}">
+                <a14:useLocalDpi xmlns:a14="http://schemas.microsoft.com/office/drawing/2010/main" val="0"/>
+              </a:ext>
+            </a:extLst>
+          </a:blip>
+          <a:stretch>
+            <a:fillRect/>
+          </a:stretch>
+        </p:blipFill>
+        <p:spPr>
+          <a:xfrm>
+            <a:off x="7435291" y="2605317"/>
+            <a:ext cx="2209696" cy="1472762"/>
+          </a:xfrm>
+          <a:prstGeom prst="rect">
+            <a:avLst/>
+          </a:prstGeom>
+        </p:spPr>
+      </p:pic>
+      <p:cxnSp>
+        <p:nvCxnSpPr>
+          <p:cNvPr id="36" name="Straight Arrow Connector 35"/>
+          <p:cNvCxnSpPr>
+            <a:stCxn id="34" idx="1"/>
+            <a:endCxn id="13" idx="3"/>
+          </p:cNvCxnSpPr>
+          <p:nvPr/>
+        </p:nvCxnSpPr>
+        <p:spPr>
+          <a:xfrm flipH="1">
+            <a:off x="6808135" y="3341698"/>
+            <a:ext cx="627156" cy="53864"/>
+          </a:xfrm>
+          <a:prstGeom prst="straightConnector1">
+            <a:avLst/>
+          </a:prstGeom>
+          <a:ln>
+            <a:headEnd type="triangle"/>
+            <a:tailEnd type="triangle"/>
+          </a:ln>
+        </p:spPr>
+        <p:style>
+          <a:lnRef idx="3">
+            <a:schemeClr val="accent1"/>
+          </a:lnRef>
+          <a:fillRef idx="0">
+            <a:schemeClr val="accent1"/>
+          </a:fillRef>
+          <a:effectRef idx="2">
+            <a:schemeClr val="accent1"/>
+          </a:effectRef>
+          <a:fontRef idx="minor">
+            <a:schemeClr val="tx1"/>
+          </a:fontRef>
+        </p:style>
+      </p:cxnSp>
+      <p:sp>
+        <p:nvSpPr>
+          <p:cNvPr id="37" name="TextBox 36"/>
+          <p:cNvSpPr txBox="1"/>
+          <p:nvPr/>
+        </p:nvSpPr>
+        <p:spPr>
+          <a:xfrm>
+            <a:off x="7483332" y="4331958"/>
+            <a:ext cx="2113613" cy="369332"/>
+          </a:xfrm>
+          <a:prstGeom prst="rect">
+            <a:avLst/>
+          </a:prstGeom>
+          <a:noFill/>
+        </p:spPr>
+        <p:txBody>
+          <a:bodyPr wrap="square" rtlCol="0">
+            <a:spAutoFit/>
+          </a:bodyPr>
+          <a:lstStyle/>
+          <a:p>
+            <a:r>
+              <a:rPr lang="en-US" dirty="0" smtClean="0"/>
+              <a:t>Your own cloud</a:t>
+            </a:r>
+            <a:endParaRPr lang="en-US" dirty="0"/>
+          </a:p>
+        </p:txBody>
+      </p:sp>
+    </p:spTree>
+    <p:extLst>
+      <p:ext uri="{BB962C8B-B14F-4D97-AF65-F5344CB8AC3E}">
+        <p14:creationId xmlns:p14="http://schemas.microsoft.com/office/powerpoint/2010/main" val="559745585"/>
+      </p:ext>
+    </p:extLst>
+  </p:cSld>
+  <p:clrMapOvr>
+    <a:masterClrMapping/>
+  </p:clrMapOvr>
+  <mc:AlternateContent xmlns:mc="http://schemas.openxmlformats.org/markup-compatibility/2006">
+    <mc:Choice xmlns:p14="http://schemas.microsoft.com/office/powerpoint/2010/main" Requires="p14">
+      <p:transition spd="med" p14:dur="700">
+        <p:fade/>
+      </p:transition>
+    </mc:Choice>
+    <mc:Fallback>
+      <p:transition spd="med">
+        <p:fade/>
+      </p:transition>
+    </mc:Fallback>
+  </mc:AlternateContent>
+  <p:timing>
+    <p:tnLst>
+      <p:par>
+        <p:cTn id="1" dur="indefinite" restart="never" nodeType="tmRoot"/>
+      </p:par>
+    </p:tnLst>
+  </p:timing>
+</p:sld>
+</file>
+
+<file path=ppt/slides/slide15.xml><?xml version="1.0" encoding="utf-8"?>
+<p:sld xmlns:a="http://schemas.openxmlformats.org/drawingml/2006/main" xmlns:r="http://schemas.openxmlformats.org/officeDocument/2006/relationships" xmlns:p="http://schemas.openxmlformats.org/presentationml/2006/main">
+  <p:cSld>
+    <p:spTree>
+      <p:nvGrpSpPr>
+        <p:cNvPr id="1" name=""/>
+        <p:cNvGrpSpPr/>
+        <p:nvPr/>
+      </p:nvGrpSpPr>
+      <p:grpSpPr>
+        <a:xfrm>
+          <a:off x="0" y="0"/>
+          <a:ext cx="0" cy="0"/>
+          <a:chOff x="0" y="0"/>
+          <a:chExt cx="0" cy="0"/>
+        </a:xfrm>
+      </p:grpSpPr>
+      <p:sp>
+        <p:nvSpPr>
+          <p:cNvPr id="2" name="Title 1"/>
+          <p:cNvSpPr>
+            <a:spLocks noGrp="1"/>
+          </p:cNvSpPr>
+          <p:nvPr>
+            <p:ph type="title"/>
+          </p:nvPr>
+        </p:nvSpPr>
+        <p:spPr/>
+        <p:txBody>
+          <a:bodyPr/>
+          <a:lstStyle/>
+          <a:p>
+            <a:r>
+              <a:rPr lang="en-US" dirty="0" smtClean="0"/>
+              <a:t>Point: The </a:t>
+            </a:r>
+            <a:r>
+              <a:rPr lang="en-US" i="1" dirty="0" smtClean="0"/>
+              <a:t>machines</a:t>
+            </a:r>
+            <a:r>
+              <a:rPr lang="en-US" dirty="0" smtClean="0"/>
+              <a:t> are one big machine</a:t>
+            </a:r>
+            <a:endParaRPr lang="en-US" dirty="0"/>
+          </a:p>
+        </p:txBody>
+      </p:sp>
+      <p:grpSp>
+        <p:nvGrpSpPr>
+          <p:cNvPr id="11" name="Group 10"/>
+          <p:cNvGrpSpPr/>
+          <p:nvPr/>
+        </p:nvGrpSpPr>
+        <p:grpSpPr>
+          <a:xfrm>
+            <a:off x="5348122" y="5888853"/>
+            <a:ext cx="1710499" cy="1334124"/>
+            <a:chOff x="1154242" y="2698230"/>
+            <a:chExt cx="2638269" cy="2038662"/>
+          </a:xfrm>
+          <a:solidFill>
+            <a:schemeClr val="tx1"/>
+          </a:solidFill>
+        </p:grpSpPr>
+        <p:sp>
+          <p:nvSpPr>
+            <p:cNvPr id="6" name="Cloud 5"/>
+            <p:cNvSpPr/>
+            <p:nvPr/>
+          </p:nvSpPr>
+          <p:spPr>
+            <a:xfrm>
+              <a:off x="1154242" y="2698230"/>
+              <a:ext cx="2638269" cy="2038662"/>
+            </a:xfrm>
+            <a:prstGeom prst="cloud">
+              <a:avLst/>
+            </a:prstGeom>
+            <a:grpFill/>
+          </p:spPr>
+          <p:style>
+            <a:lnRef idx="2">
+              <a:schemeClr val="accent1">
+                <a:shade val="50000"/>
+              </a:schemeClr>
+            </a:lnRef>
+            <a:fillRef idx="1">
+              <a:schemeClr val="accent1"/>
+            </a:fillRef>
+            <a:effectRef idx="0">
+              <a:schemeClr val="accent1"/>
+            </a:effectRef>
+            <a:fontRef idx="minor">
+              <a:schemeClr val="lt1"/>
+            </a:fontRef>
+          </p:style>
+          <p:txBody>
+            <a:bodyPr rtlCol="0" anchor="ctr"/>
+            <a:lstStyle/>
+            <a:p>
+              <a:pPr algn="ctr"/>
+              <a:endParaRPr lang="en-US"/>
+            </a:p>
+          </p:txBody>
+        </p:sp>
+        <p:pic>
+          <p:nvPicPr>
+            <p:cNvPr id="7" name="Picture 6"/>
+            <p:cNvPicPr>
+              <a:picLocks noChangeAspect="1"/>
+            </p:cNvPicPr>
+            <p:nvPr/>
+          </p:nvPicPr>
+          <p:blipFill>
+            <a:blip r:embed="rId2"/>
+            <a:stretch>
+              <a:fillRect/>
+            </a:stretch>
+          </p:blipFill>
+          <p:spPr>
+            <a:xfrm>
+              <a:off x="1770757" y="3441336"/>
+              <a:ext cx="1333500" cy="552450"/>
+            </a:xfrm>
+            <a:prstGeom prst="rect">
+              <a:avLst/>
+            </a:prstGeom>
+            <a:grpFill/>
+          </p:spPr>
+        </p:pic>
+      </p:grpSp>
+      <p:grpSp>
+        <p:nvGrpSpPr>
+          <p:cNvPr id="12" name="Group 11"/>
+          <p:cNvGrpSpPr/>
+          <p:nvPr/>
+        </p:nvGrpSpPr>
+        <p:grpSpPr>
+          <a:xfrm>
+            <a:off x="5419783" y="1418225"/>
+            <a:ext cx="1301647" cy="1069394"/>
+            <a:chOff x="6103495" y="1801319"/>
+            <a:chExt cx="2638269" cy="2038662"/>
+          </a:xfrm>
+          <a:solidFill>
+            <a:schemeClr val="tx1"/>
+          </a:solidFill>
+        </p:grpSpPr>
+        <p:sp>
+          <p:nvSpPr>
+            <p:cNvPr id="4" name="Cloud 3"/>
+            <p:cNvSpPr/>
+            <p:nvPr/>
+          </p:nvSpPr>
+          <p:spPr>
+            <a:xfrm>
+              <a:off x="6103495" y="1801319"/>
+              <a:ext cx="2638269" cy="2038662"/>
+            </a:xfrm>
+            <a:prstGeom prst="cloud">
+              <a:avLst/>
+            </a:prstGeom>
+            <a:grpFill/>
+          </p:spPr>
+          <p:style>
+            <a:lnRef idx="2">
+              <a:schemeClr val="accent1">
+                <a:shade val="50000"/>
+              </a:schemeClr>
+            </a:lnRef>
+            <a:fillRef idx="1">
+              <a:schemeClr val="accent1"/>
+            </a:fillRef>
+            <a:effectRef idx="0">
+              <a:schemeClr val="accent1"/>
+            </a:effectRef>
+            <a:fontRef idx="minor">
+              <a:schemeClr val="lt1"/>
+            </a:fontRef>
+          </p:style>
+          <p:txBody>
+            <a:bodyPr rtlCol="0" anchor="ctr"/>
+            <a:lstStyle/>
+            <a:p>
+              <a:pPr algn="ctr"/>
+              <a:endParaRPr lang="en-US"/>
+            </a:p>
+          </p:txBody>
+        </p:sp>
+        <p:pic>
+          <p:nvPicPr>
+            <p:cNvPr id="8" name="Picture 7"/>
+            <p:cNvPicPr>
+              <a:picLocks noChangeAspect="1"/>
+            </p:cNvPicPr>
+            <p:nvPr/>
+          </p:nvPicPr>
+          <p:blipFill>
+            <a:blip r:embed="rId3"/>
+            <a:stretch>
+              <a:fillRect/>
+            </a:stretch>
+          </p:blipFill>
+          <p:spPr>
+            <a:xfrm>
+              <a:off x="6435999" y="2443850"/>
+              <a:ext cx="1876425" cy="609600"/>
+            </a:xfrm>
+            <a:prstGeom prst="rect">
+              <a:avLst/>
+            </a:prstGeom>
+            <a:grpFill/>
+          </p:spPr>
+        </p:pic>
+      </p:grpSp>
+      <p:grpSp>
+        <p:nvGrpSpPr>
+          <p:cNvPr id="10" name="Group 9"/>
+          <p:cNvGrpSpPr/>
+          <p:nvPr/>
+        </p:nvGrpSpPr>
+        <p:grpSpPr>
+          <a:xfrm>
+            <a:off x="5306575" y="4342754"/>
+            <a:ext cx="1522138" cy="1191106"/>
+            <a:chOff x="3104255" y="4916775"/>
+            <a:chExt cx="2638269" cy="2038662"/>
+          </a:xfrm>
+          <a:solidFill>
+            <a:schemeClr val="tx1"/>
+          </a:solidFill>
+        </p:grpSpPr>
+        <p:sp>
+          <p:nvSpPr>
+            <p:cNvPr id="3" name="Cloud 2"/>
+            <p:cNvSpPr/>
+            <p:nvPr/>
+          </p:nvSpPr>
+          <p:spPr>
+            <a:xfrm>
+              <a:off x="3104255" y="4916775"/>
+              <a:ext cx="2638269" cy="2038662"/>
+            </a:xfrm>
+            <a:prstGeom prst="cloud">
+              <a:avLst/>
+            </a:prstGeom>
+            <a:grpFill/>
+          </p:spPr>
+          <p:style>
+            <a:lnRef idx="2">
+              <a:schemeClr val="accent1">
+                <a:shade val="50000"/>
+              </a:schemeClr>
+            </a:lnRef>
+            <a:fillRef idx="1">
+              <a:schemeClr val="accent1"/>
+            </a:fillRef>
+            <a:effectRef idx="0">
+              <a:schemeClr val="accent1"/>
+            </a:effectRef>
+            <a:fontRef idx="minor">
+              <a:schemeClr val="lt1"/>
+            </a:fontRef>
+          </p:style>
+          <p:txBody>
+            <a:bodyPr rtlCol="0" anchor="ctr"/>
+            <a:lstStyle/>
+            <a:p>
+              <a:pPr algn="ctr"/>
+              <a:endParaRPr lang="en-US"/>
+            </a:p>
+          </p:txBody>
+        </p:sp>
+        <p:pic>
+          <p:nvPicPr>
+            <p:cNvPr id="9" name="Picture 8"/>
+            <p:cNvPicPr>
+              <a:picLocks noChangeAspect="1"/>
+            </p:cNvPicPr>
+            <p:nvPr/>
+          </p:nvPicPr>
+          <p:blipFill>
+            <a:blip r:embed="rId4"/>
+            <a:stretch>
+              <a:fillRect/>
+            </a:stretch>
+          </p:blipFill>
+          <p:spPr>
+            <a:xfrm>
+              <a:off x="3418503" y="5530434"/>
+              <a:ext cx="2009775" cy="590550"/>
+            </a:xfrm>
+            <a:prstGeom prst="rect">
+              <a:avLst/>
+            </a:prstGeom>
+            <a:grpFill/>
+          </p:spPr>
+        </p:pic>
+      </p:grpSp>
+      <p:grpSp>
+        <p:nvGrpSpPr>
+          <p:cNvPr id="14" name="Group 13"/>
+          <p:cNvGrpSpPr/>
+          <p:nvPr/>
+        </p:nvGrpSpPr>
+        <p:grpSpPr>
+          <a:xfrm>
+            <a:off x="5306575" y="2821349"/>
+            <a:ext cx="1501560" cy="1166412"/>
+            <a:chOff x="6993290" y="4916775"/>
+            <a:chExt cx="2638269" cy="2038662"/>
+          </a:xfrm>
+          <a:solidFill>
+            <a:schemeClr val="tx1"/>
+          </a:solidFill>
+        </p:grpSpPr>
+        <p:sp>
+          <p:nvSpPr>
+            <p:cNvPr id="5" name="Cloud 4"/>
+            <p:cNvSpPr/>
+            <p:nvPr/>
+          </p:nvSpPr>
+          <p:spPr>
+            <a:xfrm>
+              <a:off x="6993290" y="4916775"/>
+              <a:ext cx="2638269" cy="2038662"/>
+            </a:xfrm>
+            <a:prstGeom prst="cloud">
+              <a:avLst/>
+            </a:prstGeom>
+            <a:grpFill/>
+          </p:spPr>
+          <p:style>
+            <a:lnRef idx="2">
+              <a:schemeClr val="accent1">
+                <a:shade val="50000"/>
+              </a:schemeClr>
+            </a:lnRef>
+            <a:fillRef idx="1">
+              <a:schemeClr val="accent1"/>
+            </a:fillRef>
+            <a:effectRef idx="0">
+              <a:schemeClr val="accent1"/>
+            </a:effectRef>
+            <a:fontRef idx="minor">
+              <a:schemeClr val="lt1"/>
+            </a:fontRef>
+          </p:style>
+          <p:txBody>
+            <a:bodyPr rtlCol="0" anchor="ctr"/>
+            <a:lstStyle/>
+            <a:p>
+              <a:pPr algn="ctr"/>
+              <a:endParaRPr lang="en-US"/>
+            </a:p>
+          </p:txBody>
+        </p:sp>
+        <p:pic>
+          <p:nvPicPr>
+            <p:cNvPr id="13" name="Picture 12"/>
+            <p:cNvPicPr>
+              <a:picLocks noChangeAspect="1"/>
+            </p:cNvPicPr>
+            <p:nvPr/>
+          </p:nvPicPr>
+          <p:blipFill>
+            <a:blip r:embed="rId5"/>
+            <a:stretch>
+              <a:fillRect/>
+            </a:stretch>
+          </p:blipFill>
+          <p:spPr>
+            <a:xfrm>
+              <a:off x="7066289" y="5628445"/>
+              <a:ext cx="2565270" cy="583886"/>
+            </a:xfrm>
+            <a:prstGeom prst="rect">
+              <a:avLst/>
+            </a:prstGeom>
+            <a:grpFill/>
+          </p:spPr>
+        </p:pic>
+      </p:grpSp>
+      <p:pic>
+        <p:nvPicPr>
+          <p:cNvPr id="16" name="Picture 15"/>
+          <p:cNvPicPr>
+            <a:picLocks noChangeAspect="1"/>
+          </p:cNvPicPr>
+          <p:nvPr/>
+        </p:nvPicPr>
+        <p:blipFill>
+          <a:blip r:embed="rId6">
+            <a:extLst>
+              <a:ext uri="{28A0092B-C50C-407E-A947-70E740481C1C}">
+                <a14:useLocalDpi xmlns:a14="http://schemas.microsoft.com/office/drawing/2010/main" val="0"/>
+              </a:ext>
+            </a:extLst>
+          </a:blip>
+          <a:stretch>
+            <a:fillRect/>
+          </a:stretch>
+        </p:blipFill>
+        <p:spPr>
+          <a:xfrm>
+            <a:off x="714258" y="1864443"/>
+            <a:ext cx="1755738" cy="1755738"/>
+          </a:xfrm>
+          <a:prstGeom prst="rect">
+            <a:avLst/>
+          </a:prstGeom>
+        </p:spPr>
+      </p:pic>
+      <p:sp>
+        <p:nvSpPr>
+          <p:cNvPr id="17" name="Rounded Rectangle 16"/>
+          <p:cNvSpPr/>
+          <p:nvPr/>
+        </p:nvSpPr>
+        <p:spPr>
+          <a:xfrm>
+            <a:off x="534359" y="4163249"/>
+            <a:ext cx="2727025" cy="982199"/>
+          </a:xfrm>
+          <a:prstGeom prst="roundRect">
+            <a:avLst/>
+          </a:prstGeom>
+        </p:spPr>
+        <p:style>
+          <a:lnRef idx="2">
+            <a:schemeClr val="accent1">
+              <a:shade val="50000"/>
+            </a:schemeClr>
+          </a:lnRef>
+          <a:fillRef idx="1">
+            <a:schemeClr val="accent1"/>
+          </a:fillRef>
+          <a:effectRef idx="0">
+            <a:schemeClr val="accent1"/>
+          </a:effectRef>
+          <a:fontRef idx="minor">
+            <a:schemeClr val="lt1"/>
+          </a:fontRef>
+        </p:style>
+        <p:txBody>
+          <a:bodyPr rtlCol="0" anchor="ctr"/>
+          <a:lstStyle/>
+          <a:p>
+            <a:pPr algn="ctr"/>
+            <a:r>
+              <a:rPr lang="en-US" dirty="0" smtClean="0"/>
+              <a:t>Docker Client</a:t>
+            </a:r>
+            <a:endParaRPr lang="en-US" dirty="0"/>
+          </a:p>
+        </p:txBody>
+      </p:sp>
+      <p:cxnSp>
+        <p:nvCxnSpPr>
+          <p:cNvPr id="19" name="Straight Arrow Connector 18"/>
+          <p:cNvCxnSpPr>
+            <a:stCxn id="17" idx="3"/>
+            <a:endCxn id="5" idx="2"/>
+          </p:cNvCxnSpPr>
+          <p:nvPr/>
+        </p:nvCxnSpPr>
+        <p:spPr>
+          <a:xfrm flipV="1">
+            <a:off x="3261384" y="3404555"/>
+            <a:ext cx="2049849" cy="1249794"/>
+          </a:xfrm>
+          <a:prstGeom prst="straightConnector1">
+            <a:avLst/>
+          </a:prstGeom>
+          <a:ln>
+            <a:tailEnd type="triangle"/>
+          </a:ln>
+        </p:spPr>
+        <p:style>
+          <a:lnRef idx="3">
+            <a:schemeClr val="accent1"/>
+          </a:lnRef>
+          <a:fillRef idx="0">
+            <a:schemeClr val="accent1"/>
+          </a:fillRef>
+          <a:effectRef idx="2">
+            <a:schemeClr val="accent1"/>
+          </a:effectRef>
+          <a:fontRef idx="minor">
+            <a:schemeClr val="tx1"/>
+          </a:fontRef>
+        </p:style>
+      </p:cxnSp>
+      <p:cxnSp>
+        <p:nvCxnSpPr>
+          <p:cNvPr id="21" name="Straight Arrow Connector 20"/>
+          <p:cNvCxnSpPr>
+            <a:stCxn id="17" idx="3"/>
+            <a:endCxn id="3" idx="2"/>
+          </p:cNvCxnSpPr>
+          <p:nvPr/>
+        </p:nvCxnSpPr>
+        <p:spPr>
+          <a:xfrm>
+            <a:off x="3261384" y="4654349"/>
+            <a:ext cx="2049912" cy="283958"/>
+          </a:xfrm>
+          <a:prstGeom prst="straightConnector1">
+            <a:avLst/>
+          </a:prstGeom>
+          <a:ln>
+            <a:tailEnd type="triangle"/>
+          </a:ln>
+        </p:spPr>
+        <p:style>
+          <a:lnRef idx="3">
+            <a:schemeClr val="accent1"/>
+          </a:lnRef>
+          <a:fillRef idx="0">
+            <a:schemeClr val="accent1"/>
+          </a:fillRef>
+          <a:effectRef idx="2">
+            <a:schemeClr val="accent1"/>
+          </a:effectRef>
+          <a:fontRef idx="minor">
+            <a:schemeClr val="tx1"/>
+          </a:fontRef>
+        </p:style>
+      </p:cxnSp>
+      <p:cxnSp>
+        <p:nvCxnSpPr>
+          <p:cNvPr id="23" name="Straight Arrow Connector 22"/>
+          <p:cNvCxnSpPr>
+            <a:stCxn id="17" idx="3"/>
+            <a:endCxn id="4" idx="2"/>
+          </p:cNvCxnSpPr>
+          <p:nvPr/>
+        </p:nvCxnSpPr>
+        <p:spPr>
+          <a:xfrm flipV="1">
+            <a:off x="3261384" y="1952922"/>
+            <a:ext cx="2162437" cy="2701427"/>
+          </a:xfrm>
+          <a:prstGeom prst="straightConnector1">
+            <a:avLst/>
+          </a:prstGeom>
+          <a:ln>
+            <a:tailEnd type="triangle"/>
+          </a:ln>
+        </p:spPr>
+        <p:style>
+          <a:lnRef idx="3">
+            <a:schemeClr val="accent1"/>
+          </a:lnRef>
+          <a:fillRef idx="0">
+            <a:schemeClr val="accent1"/>
+          </a:fillRef>
+          <a:effectRef idx="2">
+            <a:schemeClr val="accent1"/>
+          </a:effectRef>
+          <a:fontRef idx="minor">
+            <a:schemeClr val="tx1"/>
+          </a:fontRef>
+        </p:style>
+      </p:cxnSp>
+      <p:cxnSp>
+        <p:nvCxnSpPr>
+          <p:cNvPr id="25" name="Straight Arrow Connector 24"/>
+          <p:cNvCxnSpPr>
+            <a:stCxn id="17" idx="3"/>
+            <a:endCxn id="6" idx="3"/>
+          </p:cNvCxnSpPr>
+          <p:nvPr/>
+        </p:nvCxnSpPr>
+        <p:spPr>
+          <a:xfrm>
+            <a:off x="3261384" y="4654349"/>
+            <a:ext cx="2941988" cy="1310784"/>
+          </a:xfrm>
+          <a:prstGeom prst="straightConnector1">
+            <a:avLst/>
+          </a:prstGeom>
+          <a:ln>
+            <a:tailEnd type="triangle"/>
+          </a:ln>
+        </p:spPr>
+        <p:style>
+          <a:lnRef idx="3">
+            <a:schemeClr val="accent1"/>
+          </a:lnRef>
+          <a:fillRef idx="0">
+            <a:schemeClr val="accent1"/>
+          </a:fillRef>
+          <a:effectRef idx="2">
+            <a:schemeClr val="accent1"/>
+          </a:effectRef>
+          <a:fontRef idx="minor">
+            <a:schemeClr val="tx1"/>
+          </a:fontRef>
+        </p:style>
+      </p:cxnSp>
+      <p:cxnSp>
+        <p:nvCxnSpPr>
+          <p:cNvPr id="27" name="Straight Arrow Connector 26"/>
+          <p:cNvCxnSpPr>
+            <a:stCxn id="16" idx="2"/>
+            <a:endCxn id="17" idx="0"/>
+          </p:cNvCxnSpPr>
+          <p:nvPr/>
+        </p:nvCxnSpPr>
+        <p:spPr>
+          <a:xfrm>
+            <a:off x="1592127" y="3620181"/>
+            <a:ext cx="305745" cy="543068"/>
+          </a:xfrm>
+          <a:prstGeom prst="straightConnector1">
+            <a:avLst/>
+          </a:prstGeom>
+          <a:ln>
+            <a:tailEnd type="triangle"/>
+          </a:ln>
+        </p:spPr>
+        <p:style>
+          <a:lnRef idx="3">
+            <a:schemeClr val="accent1"/>
+          </a:lnRef>
+          <a:fillRef idx="0">
+            <a:schemeClr val="accent1"/>
+          </a:fillRef>
+          <a:effectRef idx="2">
+            <a:schemeClr val="accent1"/>
+          </a:effectRef>
+          <a:fontRef idx="minor">
+            <a:schemeClr val="tx1"/>
+          </a:fontRef>
+        </p:style>
+      </p:cxnSp>
+      <p:pic>
+        <p:nvPicPr>
+          <p:cNvPr id="34" name="Picture 33"/>
+          <p:cNvPicPr>
+            <a:picLocks noChangeAspect="1"/>
+          </p:cNvPicPr>
+          <p:nvPr/>
+        </p:nvPicPr>
+        <p:blipFill>
+          <a:blip r:embed="rId7" cstate="print">
+            <a:extLst>
+              <a:ext uri="{28A0092B-C50C-407E-A947-70E740481C1C}">
+                <a14:useLocalDpi xmlns:a14="http://schemas.microsoft.com/office/drawing/2010/main" val="0"/>
+              </a:ext>
+            </a:extLst>
+          </a:blip>
+          <a:stretch>
+            <a:fillRect/>
+          </a:stretch>
+        </p:blipFill>
+        <p:spPr>
+          <a:xfrm>
+            <a:off x="7435291" y="2605317"/>
+            <a:ext cx="2209696" cy="1472762"/>
+          </a:xfrm>
+          <a:prstGeom prst="rect">
+            <a:avLst/>
+          </a:prstGeom>
+        </p:spPr>
+      </p:pic>
+      <p:cxnSp>
+        <p:nvCxnSpPr>
+          <p:cNvPr id="36" name="Straight Arrow Connector 35"/>
+          <p:cNvCxnSpPr>
+            <a:stCxn id="34" idx="1"/>
+            <a:endCxn id="13" idx="3"/>
+          </p:cNvCxnSpPr>
+          <p:nvPr/>
+        </p:nvCxnSpPr>
+        <p:spPr>
+          <a:xfrm flipH="1">
+            <a:off x="6808135" y="3341698"/>
+            <a:ext cx="627156" cy="53864"/>
+          </a:xfrm>
+          <a:prstGeom prst="straightConnector1">
+            <a:avLst/>
+          </a:prstGeom>
+          <a:ln>
+            <a:headEnd type="triangle"/>
+            <a:tailEnd type="triangle"/>
+          </a:ln>
+        </p:spPr>
+        <p:style>
+          <a:lnRef idx="3">
+            <a:schemeClr val="accent1"/>
+          </a:lnRef>
+          <a:fillRef idx="0">
+            <a:schemeClr val="accent1"/>
+          </a:fillRef>
+          <a:effectRef idx="2">
+            <a:schemeClr val="accent1"/>
+          </a:effectRef>
+          <a:fontRef idx="minor">
+            <a:schemeClr val="tx1"/>
+          </a:fontRef>
+        </p:style>
+      </p:cxnSp>
+      <p:sp>
+        <p:nvSpPr>
+          <p:cNvPr id="37" name="TextBox 36"/>
+          <p:cNvSpPr txBox="1"/>
+          <p:nvPr/>
+        </p:nvSpPr>
+        <p:spPr>
+          <a:xfrm>
+            <a:off x="7483332" y="4331958"/>
+            <a:ext cx="2113613" cy="369332"/>
+          </a:xfrm>
+          <a:prstGeom prst="rect">
+            <a:avLst/>
+          </a:prstGeom>
+          <a:noFill/>
+        </p:spPr>
+        <p:txBody>
+          <a:bodyPr wrap="square" rtlCol="0">
+            <a:spAutoFit/>
+          </a:bodyPr>
+          <a:lstStyle/>
+          <a:p>
+            <a:r>
+              <a:rPr lang="en-US" dirty="0" smtClean="0"/>
+              <a:t>Your own cloud</a:t>
+            </a:r>
+            <a:endParaRPr lang="en-US" dirty="0"/>
+          </a:p>
+        </p:txBody>
+      </p:sp>
+      <p:pic>
+        <p:nvPicPr>
+          <p:cNvPr id="15" name="Picture 14"/>
+          <p:cNvPicPr>
+            <a:picLocks noChangeAspect="1"/>
+          </p:cNvPicPr>
+          <p:nvPr/>
+        </p:nvPicPr>
+        <p:blipFill>
+          <a:blip r:embed="rId8" cstate="print">
+            <a:extLst>
+              <a:ext uri="{28A0092B-C50C-407E-A947-70E740481C1C}">
+                <a14:useLocalDpi xmlns:a14="http://schemas.microsoft.com/office/drawing/2010/main" val="0"/>
+              </a:ext>
+            </a:extLst>
+          </a:blip>
+          <a:stretch>
+            <a:fillRect/>
+          </a:stretch>
+        </p:blipFill>
+        <p:spPr>
+          <a:xfrm>
+            <a:off x="404071" y="5888853"/>
+            <a:ext cx="1682436" cy="1264506"/>
+          </a:xfrm>
+          <a:prstGeom prst="rect">
+            <a:avLst/>
+          </a:prstGeom>
+        </p:spPr>
+      </p:pic>
+      <p:pic>
+        <p:nvPicPr>
+          <p:cNvPr id="26" name="Picture 25"/>
+          <p:cNvPicPr>
+            <a:picLocks noChangeAspect="1"/>
+          </p:cNvPicPr>
+          <p:nvPr/>
+        </p:nvPicPr>
+        <p:blipFill>
+          <a:blip r:embed="rId8" cstate="print">
+            <a:extLst>
+              <a:ext uri="{28A0092B-C50C-407E-A947-70E740481C1C}">
+                <a14:useLocalDpi xmlns:a14="http://schemas.microsoft.com/office/drawing/2010/main" val="0"/>
+              </a:ext>
+            </a:extLst>
+          </a:blip>
+          <a:stretch>
+            <a:fillRect/>
+          </a:stretch>
+        </p:blipFill>
+        <p:spPr>
+          <a:xfrm>
+            <a:off x="1468401" y="6182524"/>
+            <a:ext cx="1682436" cy="1264506"/>
+          </a:xfrm>
+          <a:prstGeom prst="rect">
+            <a:avLst/>
+          </a:prstGeom>
+        </p:spPr>
+      </p:pic>
+      <p:pic>
+        <p:nvPicPr>
+          <p:cNvPr id="28" name="Picture 27"/>
+          <p:cNvPicPr>
+            <a:picLocks noChangeAspect="1"/>
+          </p:cNvPicPr>
+          <p:nvPr/>
+        </p:nvPicPr>
+        <p:blipFill>
+          <a:blip r:embed="rId8" cstate="print">
+            <a:extLst>
+              <a:ext uri="{28A0092B-C50C-407E-A947-70E740481C1C}">
+                <a14:useLocalDpi xmlns:a14="http://schemas.microsoft.com/office/drawing/2010/main" val="0"/>
+              </a:ext>
+            </a:extLst>
+          </a:blip>
+          <a:stretch>
+            <a:fillRect/>
+          </a:stretch>
+        </p:blipFill>
+        <p:spPr>
+          <a:xfrm>
+            <a:off x="3145255" y="5640878"/>
+            <a:ext cx="1682436" cy="1264506"/>
+          </a:xfrm>
+          <a:prstGeom prst="rect">
+            <a:avLst/>
+          </a:prstGeom>
+        </p:spPr>
+      </p:pic>
+      <p:cxnSp>
+        <p:nvCxnSpPr>
+          <p:cNvPr id="20" name="Straight Arrow Connector 19"/>
+          <p:cNvCxnSpPr>
+            <a:stCxn id="17" idx="2"/>
+            <a:endCxn id="15" idx="0"/>
+          </p:cNvCxnSpPr>
+          <p:nvPr/>
+        </p:nvCxnSpPr>
+        <p:spPr>
+          <a:xfrm flipH="1">
+            <a:off x="1245289" y="5145448"/>
+            <a:ext cx="652583" cy="743405"/>
+          </a:xfrm>
+          <a:prstGeom prst="straightConnector1">
+            <a:avLst/>
+          </a:prstGeom>
+          <a:ln>
+            <a:tailEnd type="triangle"/>
+          </a:ln>
+        </p:spPr>
+        <p:style>
+          <a:lnRef idx="3">
+            <a:schemeClr val="accent1"/>
+          </a:lnRef>
+          <a:fillRef idx="0">
+            <a:schemeClr val="accent1"/>
+          </a:fillRef>
+          <a:effectRef idx="2">
+            <a:schemeClr val="accent1"/>
+          </a:effectRef>
+          <a:fontRef idx="minor">
+            <a:schemeClr val="tx1"/>
+          </a:fontRef>
+        </p:style>
+      </p:cxnSp>
+      <p:cxnSp>
+        <p:nvCxnSpPr>
+          <p:cNvPr id="30" name="Straight Arrow Connector 29"/>
+          <p:cNvCxnSpPr>
+            <a:stCxn id="17" idx="2"/>
+            <a:endCxn id="26" idx="0"/>
+          </p:cNvCxnSpPr>
+          <p:nvPr/>
+        </p:nvCxnSpPr>
+        <p:spPr>
+          <a:xfrm>
+            <a:off x="1897872" y="5145448"/>
+            <a:ext cx="411747" cy="1037076"/>
+          </a:xfrm>
+          <a:prstGeom prst="straightConnector1">
+            <a:avLst/>
+          </a:prstGeom>
+          <a:ln>
+            <a:tailEnd type="triangle"/>
+          </a:ln>
+        </p:spPr>
+        <p:style>
+          <a:lnRef idx="3">
+            <a:schemeClr val="accent1"/>
+          </a:lnRef>
+          <a:fillRef idx="0">
+            <a:schemeClr val="accent1"/>
+          </a:fillRef>
+          <a:effectRef idx="2">
+            <a:schemeClr val="accent1"/>
+          </a:effectRef>
+          <a:fontRef idx="minor">
+            <a:schemeClr val="tx1"/>
+          </a:fontRef>
+        </p:style>
+      </p:cxnSp>
+      <p:cxnSp>
+        <p:nvCxnSpPr>
+          <p:cNvPr id="31" name="Straight Arrow Connector 30"/>
+          <p:cNvCxnSpPr>
+            <a:stCxn id="17" idx="2"/>
+            <a:endCxn id="28" idx="0"/>
+          </p:cNvCxnSpPr>
+          <p:nvPr/>
+        </p:nvCxnSpPr>
+        <p:spPr>
+          <a:xfrm>
+            <a:off x="1897872" y="5145448"/>
+            <a:ext cx="2088601" cy="495430"/>
+          </a:xfrm>
+          <a:prstGeom prst="straightConnector1">
+            <a:avLst/>
+          </a:prstGeom>
+          <a:ln>
+            <a:tailEnd type="triangle"/>
+          </a:ln>
+        </p:spPr>
+        <p:style>
+          <a:lnRef idx="3">
+            <a:schemeClr val="accent1"/>
+          </a:lnRef>
+          <a:fillRef idx="0">
+            <a:schemeClr val="accent1"/>
+          </a:fillRef>
+          <a:effectRef idx="2">
+            <a:schemeClr val="accent1"/>
+          </a:effectRef>
+          <a:fontRef idx="minor">
+            <a:schemeClr val="tx1"/>
+          </a:fontRef>
+        </p:style>
+      </p:cxnSp>
+    </p:spTree>
+    <p:extLst>
+      <p:ext uri="{BB962C8B-B14F-4D97-AF65-F5344CB8AC3E}">
+        <p14:creationId xmlns:p14="http://schemas.microsoft.com/office/powerpoint/2010/main" val="538062569"/>
+      </p:ext>
+    </p:extLst>
+  </p:cSld>
+  <p:clrMapOvr>
+    <a:masterClrMapping/>
+  </p:clrMapOvr>
+  <mc:AlternateContent xmlns:mc="http://schemas.openxmlformats.org/markup-compatibility/2006">
+    <mc:Choice xmlns:p14="http://schemas.microsoft.com/office/powerpoint/2010/main" Requires="p14">
+      <p:transition spd="med" p14:dur="700">
+        <p:fade/>
+      </p:transition>
+    </mc:Choice>
+    <mc:Fallback>
+      <p:transition spd="med">
+        <p:fade/>
+      </p:transition>
+    </mc:Fallback>
+  </mc:AlternateContent>
+  <p:timing>
+    <p:tnLst>
+      <p:par>
+        <p:cTn id="1" dur="indefinite" restart="never" nodeType="tmRoot"/>
+      </p:par>
+    </p:tnLst>
+  </p:timing>
+</p:sld>
+</file>
+
+<file path=ppt/slides/slide16.xml><?xml version="1.0" encoding="utf-8"?>
+<p:sld xmlns:a="http://schemas.openxmlformats.org/drawingml/2006/main" xmlns:r="http://schemas.openxmlformats.org/officeDocument/2006/relationships" xmlns:p="http://schemas.openxmlformats.org/presentationml/2006/main">
+  <p:cSld>
+    <p:spTree>
+      <p:nvGrpSpPr>
+        <p:cNvPr id="1" name=""/>
+        <p:cNvGrpSpPr/>
+        <p:nvPr/>
+      </p:nvGrpSpPr>
+      <p:grpSpPr>
+        <a:xfrm>
+          <a:off x="0" y="0"/>
+          <a:ext cx="0" cy="0"/>
+          <a:chOff x="0" y="0"/>
+          <a:chExt cx="0" cy="0"/>
+        </a:xfrm>
+      </p:grpSpPr>
+      <p:sp>
+        <p:nvSpPr>
+          <p:cNvPr id="2" name="Title 1"/>
+          <p:cNvSpPr>
+            <a:spLocks noGrp="1"/>
+          </p:cNvSpPr>
+          <p:nvPr>
+            <p:ph type="title"/>
+          </p:nvPr>
+        </p:nvSpPr>
+        <p:spPr/>
+        <p:txBody>
+          <a:bodyPr/>
+          <a:lstStyle/>
+          <a:p>
+            <a:r>
+              <a:rPr lang="en-US" dirty="0" smtClean="0"/>
+              <a:t>Think I’m kidding?</a:t>
+            </a:r>
+            <a:endParaRPr lang="en-US" dirty="0"/>
+          </a:p>
+        </p:txBody>
+      </p:sp>
+      <p:pic>
+        <p:nvPicPr>
+          <p:cNvPr id="3" name="Picture 2"/>
+          <p:cNvPicPr>
+            <a:picLocks noChangeAspect="1"/>
+          </p:cNvPicPr>
+          <p:nvPr/>
+        </p:nvPicPr>
+        <p:blipFill>
+          <a:blip r:embed="rId2"/>
+          <a:stretch>
+            <a:fillRect/>
+          </a:stretch>
+        </p:blipFill>
+        <p:spPr>
+          <a:xfrm>
+            <a:off x="534359" y="1668109"/>
+            <a:ext cx="8700102" cy="4772208"/>
+          </a:xfrm>
+          <a:prstGeom prst="rect">
+            <a:avLst/>
+          </a:prstGeom>
+        </p:spPr>
+      </p:pic>
+      <p:sp>
+        <p:nvSpPr>
+          <p:cNvPr id="4" name="TextBox 3"/>
+          <p:cNvSpPr txBox="1"/>
+          <p:nvPr/>
+        </p:nvSpPr>
+        <p:spPr>
+          <a:xfrm>
+            <a:off x="354479" y="6865495"/>
+            <a:ext cx="9546266" cy="369332"/>
+          </a:xfrm>
+          <a:prstGeom prst="rect">
+            <a:avLst/>
+          </a:prstGeom>
+          <a:noFill/>
+        </p:spPr>
+        <p:txBody>
+          <a:bodyPr wrap="square" rtlCol="0">
+            <a:spAutoFit/>
+          </a:bodyPr>
+          <a:lstStyle/>
+          <a:p>
+            <a:r>
+              <a:rPr lang="en-US" dirty="0" smtClean="0"/>
+              <a:t>https://www.kickstarter.com/projects/1598272670/chip-the-worlds-first-9-computer</a:t>
+            </a:r>
+            <a:endParaRPr lang="en-US" dirty="0"/>
+          </a:p>
+        </p:txBody>
+      </p:sp>
+    </p:spTree>
+    <p:extLst>
+      <p:ext uri="{BB962C8B-B14F-4D97-AF65-F5344CB8AC3E}">
+        <p14:creationId xmlns:p14="http://schemas.microsoft.com/office/powerpoint/2010/main" val="3412816678"/>
+      </p:ext>
+    </p:extLst>
+  </p:cSld>
+  <p:clrMapOvr>
+    <a:masterClrMapping/>
+  </p:clrMapOvr>
+  <p:timing>
+    <p:tnLst>
+      <p:par>
+        <p:cTn id="1" dur="indefinite" restart="never" nodeType="tmRoot"/>
+      </p:par>
+    </p:tnLst>
+  </p:timing>
+</p:sld>
+</file>
+
 <file path=ppt/slides/slide2.xml><?xml version="1.0" encoding="utf-8"?>
 <p:sld xmlns:a="http://schemas.openxmlformats.org/drawingml/2006/main" xmlns:r="http://schemas.openxmlformats.org/officeDocument/2006/relationships" xmlns:p="http://schemas.openxmlformats.org/presentationml/2006/main">
   <p:cSld>
@@ -6602,16 +9755,21 @@
             <p:ph idx="1"/>
           </p:nvPr>
         </p:nvSpPr>
-        <p:spPr/>
+        <p:spPr>
+          <a:xfrm>
+            <a:off x="912482" y="1424066"/>
+            <a:ext cx="7399132" cy="5463645"/>
+          </a:xfrm>
+        </p:spPr>
         <p:txBody>
           <a:bodyPr>
-            <a:normAutofit fontScale="92500" lnSpcReduction="20000"/>
+            <a:normAutofit fontScale="92500" lnSpcReduction="10000"/>
           </a:bodyPr>
           <a:lstStyle/>
           <a:p>
             <a:r>
               <a:rPr lang="en-US" dirty="0" smtClean="0"/>
-              <a:t>You need to know the choices you face. We’ll do that.</a:t>
+              <a:t>You need to know the choices you face because everything is faster. We’ll do that.</a:t>
             </a:r>
           </a:p>
           <a:p>
@@ -6653,14 +9811,14 @@
           <a:p>
             <a:r>
               <a:rPr lang="en-US" dirty="0" smtClean="0"/>
-              <a:t>You’ll need to know how to navigate those choices. We’ll do that, too.</a:t>
+              <a:t>You’ll need to know how to navigate those choices. We’ll do that, too. Arguments welcome.</a:t>
             </a:r>
           </a:p>
           <a:p>
             <a:pPr lvl="1"/>
             <a:r>
               <a:rPr lang="en-US" dirty="0" smtClean="0"/>
-              <a:t>Migrate toward agile </a:t>
+              <a:t>Migrate – do not sprint -- toward agile </a:t>
             </a:r>
             <a:r>
               <a:rPr lang="en-US" dirty="0" err="1" smtClean="0"/>
@@ -6668,7 +9826,7 @@
             </a:r>
             <a:r>
               <a:rPr lang="en-US" dirty="0" smtClean="0"/>
-              <a:t> and </a:t>
+              <a:t> workflows and </a:t>
             </a:r>
             <a:r>
               <a:rPr lang="en-US" dirty="0" err="1" smtClean="0"/>
@@ -6676,14 +9834,14 @@
             </a:r>
             <a:r>
               <a:rPr lang="en-US" dirty="0" smtClean="0"/>
-              <a:t> approach</a:t>
+              <a:t> architecture approach</a:t>
             </a:r>
           </a:p>
           <a:p>
             <a:pPr lvl="1"/>
             <a:r>
               <a:rPr lang="en-US" dirty="0" smtClean="0"/>
-              <a:t>Automate, orchestrate, monitor.</a:t>
+              <a:t>Automate, orchestrate, monitor</a:t>
             </a:r>
           </a:p>
           <a:p>
@@ -6697,11 +9855,14 @@
             <a:pPr lvl="1"/>
             <a:r>
               <a:rPr lang="en-US" dirty="0" smtClean="0"/>
-              <a:t>Choose a great partner, but </a:t>
-            </a:r>
-            <a:r>
-              <a:rPr lang="en-US" smtClean="0"/>
-              <a:t>have several.</a:t>
+              <a:t>Choose a great partner, but have more than one</a:t>
+            </a:r>
+          </a:p>
+          <a:p>
+            <a:pPr lvl="1"/>
+            <a:r>
+              <a:rPr lang="en-US" dirty="0" smtClean="0"/>
+              <a:t>Security first</a:t>
             </a:r>
             <a:endParaRPr lang="en-US" dirty="0"/>
           </a:p>

--- a/Cloud and Distributed Architecture Overview.pptx
+++ b/Cloud and Distributed Architecture Overview.pptx
@@ -5,22 +5,7 @@
     <p:sldMasterId id="2147483673" r:id="rId1"/>
   </p:sldMasterIdLst>
   <p:sldIdLst>
-    <p:sldId id="256" r:id="rId2"/>
-    <p:sldId id="264" r:id="rId3"/>
-    <p:sldId id="257" r:id="rId4"/>
-    <p:sldId id="258" r:id="rId5"/>
-    <p:sldId id="259" r:id="rId6"/>
-    <p:sldId id="260" r:id="rId7"/>
-    <p:sldId id="261" r:id="rId8"/>
-    <p:sldId id="262" r:id="rId9"/>
-    <p:sldId id="263" r:id="rId10"/>
-    <p:sldId id="265" r:id="rId11"/>
-    <p:sldId id="266" r:id="rId12"/>
-    <p:sldId id="267" r:id="rId13"/>
-    <p:sldId id="268" r:id="rId14"/>
-    <p:sldId id="269" r:id="rId15"/>
-    <p:sldId id="270" r:id="rId16"/>
-    <p:sldId id="271" r:id="rId17"/>
+    <p:sldId id="264" r:id="rId2"/>
   </p:sldIdLst>
   <p:sldSz cx="10080625" cy="7559675"/>
   <p:notesSz cx="7772400" cy="10058400"/>
@@ -119,6 +104,11 @@
       </a:defRPr>
     </a:lvl9pPr>
   </p:defaultTextStyle>
+  <p:extLst>
+    <p:ext uri="{EFAFB233-063F-42B5-8137-9DF3F51BA10A}">
+      <p15:sldGuideLst xmlns:p15="http://schemas.microsoft.com/office/powerpoint/2012/main"/>
+    </p:ext>
+  </p:extLst>
 </p:presentation>
 </file>
 
@@ -308,7 +298,7 @@
           <a:p>
             <a:fld id="{E93B9923-E3EC-48CC-9721-9F39E972B268}" type="datetimeFigureOut">
               <a:rPr lang="en-US" smtClean="0"/>
-              <a:t>5/8/2015</a:t>
+              <a:t>5/9/2015</a:t>
             </a:fld>
             <a:endParaRPr lang="en-US"/>
           </a:p>
@@ -4639,7 +4629,7 @@
           <a:p>
             <a:fld id="{E93B9923-E3EC-48CC-9721-9F39E972B268}" type="datetimeFigureOut">
               <a:rPr lang="en-US" smtClean="0"/>
-              <a:t>5/8/2015</a:t>
+              <a:t>5/9/2015</a:t>
             </a:fld>
             <a:endParaRPr lang="en-US"/>
           </a:p>
@@ -6431,100 +6421,156 @@
       </p:grpSpPr>
       <p:sp>
         <p:nvSpPr>
-          <p:cNvPr id="39" name="TextShape 1"/>
-          <p:cNvSpPr txBox="1"/>
-          <p:nvPr/>
+          <p:cNvPr id="2" name="Title 1"/>
+          <p:cNvSpPr>
+            <a:spLocks noGrp="1"/>
+          </p:cNvSpPr>
+          <p:nvPr>
+            <p:ph type="title"/>
+          </p:nvPr>
+        </p:nvSpPr>
+        <p:spPr/>
+        <p:txBody>
+          <a:bodyPr/>
+          <a:lstStyle/>
+          <a:p>
+            <a:r>
+              <a:rPr lang="en-US" dirty="0" smtClean="0"/>
+              <a:t>Today’s Narrative</a:t>
+            </a:r>
+            <a:endParaRPr lang="en-US" dirty="0"/>
+          </a:p>
+        </p:txBody>
+      </p:sp>
+      <p:sp>
+        <p:nvSpPr>
+          <p:cNvPr id="3" name="Content Placeholder 2"/>
+          <p:cNvSpPr>
+            <a:spLocks noGrp="1"/>
+          </p:cNvSpPr>
+          <p:nvPr>
+            <p:ph idx="1"/>
+          </p:nvPr>
         </p:nvSpPr>
         <p:spPr>
           <a:xfrm>
-            <a:off x="504000" y="301320"/>
-            <a:ext cx="9071640" cy="1262160"/>
+            <a:off x="912482" y="1424066"/>
+            <a:ext cx="7399132" cy="5463645"/>
           </a:xfrm>
-          <a:prstGeom prst="rect">
-            <a:avLst/>
-          </a:prstGeom>
         </p:spPr>
         <p:txBody>
-          <a:bodyPr lIns="0" tIns="0" rIns="0" bIns="0" anchor="ctr"/>
+          <a:bodyPr>
+            <a:normAutofit fontScale="92500" lnSpcReduction="10000"/>
+          </a:bodyPr>
           <a:lstStyle/>
           <a:p>
-            <a:pPr algn="ctr"/>
-            <a:r>
-              <a:rPr lang="en-US" sz="4400">
-                <a:latin typeface="Arial"/>
-              </a:rPr>
-              <a:t>Today's Stuff</a:t>
-            </a:r>
-            <a:endParaRPr/>
-          </a:p>
-        </p:txBody>
-      </p:sp>
-      <p:sp>
-        <p:nvSpPr>
-          <p:cNvPr id="40" name="TextShape 2"/>
-          <p:cNvSpPr txBox="1"/>
-          <p:nvPr/>
-        </p:nvSpPr>
-        <p:spPr>
-          <a:xfrm>
-            <a:off x="504000" y="1769040"/>
-            <a:ext cx="9071640" cy="4384440"/>
-          </a:xfrm>
-          <a:prstGeom prst="rect">
-            <a:avLst/>
-          </a:prstGeom>
-        </p:spPr>
-        <p:txBody>
-          <a:bodyPr lIns="0" tIns="0" rIns="0" bIns="0" anchor="ctr"/>
-          <a:lstStyle/>
-          <a:p>
-            <a:r>
-              <a:rPr lang="en-US" sz="3200">
-                <a:latin typeface="Arial"/>
-              </a:rPr>
-              <a:t>9-10: clouds and distributed systems</a:t>
-            </a:r>
-            <a:endParaRPr/>
-          </a:p>
-          <a:p>
-            <a:r>
-              <a:rPr lang="en-US" sz="3200">
-                <a:latin typeface="Arial"/>
-              </a:rPr>
-              <a:t>10-12: microservices and containers</a:t>
-            </a:r>
-            <a:endParaRPr/>
-          </a:p>
-          <a:p>
-            <a:r>
-              <a:rPr lang="en-US" sz="3200">
-                <a:latin typeface="Arial"/>
-              </a:rPr>
-              <a:t>1-2: more on containers are orchestration and actor model/service fabric</a:t>
-            </a:r>
-            <a:endParaRPr/>
-          </a:p>
-          <a:p>
-            <a:r>
-              <a:rPr lang="en-US" sz="3200">
-                <a:latin typeface="Arial"/>
-              </a:rPr>
-              <a:t>2-3: architectural evolution with radical scale: massive online gaming</a:t>
-            </a:r>
-            <a:endParaRPr/>
-          </a:p>
-          <a:p>
-            <a:r>
-              <a:rPr lang="en-US" sz="3200">
-                <a:latin typeface="Arial"/>
-              </a:rPr>
-              <a:t>3-4: security and distributed systems, including IoT</a:t>
-            </a:r>
-            <a:endParaRPr/>
+            <a:r>
+              <a:rPr lang="en-US" dirty="0" smtClean="0"/>
+              <a:t>You need to know the choices you face because everything is faster. We’ll do that.</a:t>
+            </a:r>
+          </a:p>
+          <a:p>
+            <a:pPr lvl="1"/>
+            <a:r>
+              <a:rPr lang="en-US" dirty="0" err="1" smtClean="0"/>
+              <a:t>Microservices</a:t>
+            </a:r>
+            <a:endParaRPr lang="en-US" dirty="0" smtClean="0"/>
+          </a:p>
+          <a:p>
+            <a:pPr lvl="1"/>
+            <a:r>
+              <a:rPr lang="en-US" dirty="0" smtClean="0"/>
+              <a:t>Containers</a:t>
+            </a:r>
+          </a:p>
+          <a:p>
+            <a:pPr lvl="1"/>
+            <a:r>
+              <a:rPr lang="en-US" dirty="0" smtClean="0"/>
+              <a:t>Orchestration systems</a:t>
+            </a:r>
+          </a:p>
+          <a:p>
+            <a:pPr lvl="1"/>
+            <a:r>
+              <a:rPr lang="en-US" dirty="0" smtClean="0"/>
+              <a:t>Live monitoring and testing</a:t>
+            </a:r>
+          </a:p>
+          <a:p>
+            <a:pPr lvl="1"/>
+            <a:r>
+              <a:rPr lang="en-US" dirty="0" smtClean="0"/>
+              <a:t>Service Fabric and the Actor Model</a:t>
+            </a:r>
+          </a:p>
+          <a:p>
+            <a:r>
+              <a:rPr lang="en-US" dirty="0" smtClean="0"/>
+              <a:t>You’ll need to know how to navigate those choices. We’ll do that, too. Arguments welcome.</a:t>
+            </a:r>
+          </a:p>
+          <a:p>
+            <a:pPr lvl="1"/>
+            <a:r>
+              <a:rPr lang="en-US" dirty="0" smtClean="0"/>
+              <a:t>Migrate – do not sprint -- toward agile </a:t>
+            </a:r>
+            <a:r>
+              <a:rPr lang="en-US" dirty="0" err="1" smtClean="0"/>
+              <a:t>devops</a:t>
+            </a:r>
+            <a:r>
+              <a:rPr lang="en-US" dirty="0" smtClean="0"/>
+              <a:t> workflows and </a:t>
+            </a:r>
+            <a:r>
+              <a:rPr lang="en-US" dirty="0" err="1" smtClean="0"/>
+              <a:t>microservice</a:t>
+            </a:r>
+            <a:r>
+              <a:rPr lang="en-US" dirty="0" smtClean="0"/>
+              <a:t> architecture approach</a:t>
+            </a:r>
+          </a:p>
+          <a:p>
+            <a:pPr lvl="1"/>
+            <a:r>
+              <a:rPr lang="en-US" dirty="0" smtClean="0"/>
+              <a:t>Automate, orchestrate, monitor</a:t>
+            </a:r>
+          </a:p>
+          <a:p>
+            <a:pPr lvl="1"/>
+            <a:r>
+              <a:rPr lang="en-US" dirty="0" smtClean="0"/>
+              <a:t>Get the little things right</a:t>
+            </a:r>
+          </a:p>
+          <a:p>
+            <a:pPr lvl="1"/>
+            <a:r>
+              <a:rPr lang="en-US" dirty="0" smtClean="0"/>
+              <a:t>Choose a great partner, but have more than one</a:t>
+            </a:r>
+          </a:p>
+          <a:p>
+            <a:pPr lvl="1"/>
+            <a:r>
+              <a:rPr lang="en-US" dirty="0" smtClean="0"/>
+              <a:t>Security first</a:t>
+            </a:r>
+            <a:endParaRPr lang="en-US" dirty="0"/>
           </a:p>
         </p:txBody>
       </p:sp>
     </p:spTree>
+    <p:extLst>
+      <p:ext uri="{BB962C8B-B14F-4D97-AF65-F5344CB8AC3E}">
+        <p14:creationId xmlns:p14="http://schemas.microsoft.com/office/powerpoint/2010/main" val="617236935"/>
+      </p:ext>
+    </p:extLst>
   </p:cSld>
   <p:clrMapOvr>
     <a:masterClrMapping/>
@@ -6534,8 +6580,563 @@
       <p:par>
         <p:cTn id="1" dur="indefinite" restart="never" nodeType="tmRoot">
           <p:childTnLst>
-            <p:seq>
-              <p:cTn id="2" nodeType="mainSeq"/>
+            <p:seq concurrent="1" nextAc="seek">
+              <p:cTn id="2" dur="indefinite" nodeType="mainSeq">
+                <p:childTnLst>
+                  <p:par>
+                    <p:cTn id="3" fill="hold">
+                      <p:stCondLst>
+                        <p:cond delay="indefinite"/>
+                      </p:stCondLst>
+                      <p:childTnLst>
+                        <p:par>
+                          <p:cTn id="4" fill="hold">
+                            <p:stCondLst>
+                              <p:cond delay="0"/>
+                            </p:stCondLst>
+                            <p:childTnLst>
+                              <p:par>
+                                <p:cTn id="5" presetID="10" presetClass="entr" presetSubtype="0" fill="hold" grpId="0" nodeType="clickEffect">
+                                  <p:stCondLst>
+                                    <p:cond delay="0"/>
+                                  </p:stCondLst>
+                                  <p:childTnLst>
+                                    <p:set>
+                                      <p:cBhvr>
+                                        <p:cTn id="6" dur="1" fill="hold">
+                                          <p:stCondLst>
+                                            <p:cond delay="0"/>
+                                          </p:stCondLst>
+                                        </p:cTn>
+                                        <p:tgtEl>
+                                          <p:spTgt spid="3">
+                                            <p:txEl>
+                                              <p:pRg st="0" end="0"/>
+                                            </p:txEl>
+                                          </p:spTgt>
+                                        </p:tgtEl>
+                                        <p:attrNameLst>
+                                          <p:attrName>style.visibility</p:attrName>
+                                        </p:attrNameLst>
+                                      </p:cBhvr>
+                                      <p:to>
+                                        <p:strVal val="visible"/>
+                                      </p:to>
+                                    </p:set>
+                                    <p:animEffect transition="in" filter="fade">
+                                      <p:cBhvr>
+                                        <p:cTn id="7" dur="500"/>
+                                        <p:tgtEl>
+                                          <p:spTgt spid="3">
+                                            <p:txEl>
+                                              <p:pRg st="0" end="0"/>
+                                            </p:txEl>
+                                          </p:spTgt>
+                                        </p:tgtEl>
+                                      </p:cBhvr>
+                                    </p:animEffect>
+                                  </p:childTnLst>
+                                </p:cTn>
+                              </p:par>
+                              <p:par>
+                                <p:cTn id="8" presetID="10" presetClass="entr" presetSubtype="0" fill="hold" grpId="0" nodeType="withEffect">
+                                  <p:stCondLst>
+                                    <p:cond delay="0"/>
+                                  </p:stCondLst>
+                                  <p:childTnLst>
+                                    <p:set>
+                                      <p:cBhvr>
+                                        <p:cTn id="9" dur="1" fill="hold">
+                                          <p:stCondLst>
+                                            <p:cond delay="0"/>
+                                          </p:stCondLst>
+                                        </p:cTn>
+                                        <p:tgtEl>
+                                          <p:spTgt spid="3">
+                                            <p:txEl>
+                                              <p:pRg st="1" end="1"/>
+                                            </p:txEl>
+                                          </p:spTgt>
+                                        </p:tgtEl>
+                                        <p:attrNameLst>
+                                          <p:attrName>style.visibility</p:attrName>
+                                        </p:attrNameLst>
+                                      </p:cBhvr>
+                                      <p:to>
+                                        <p:strVal val="visible"/>
+                                      </p:to>
+                                    </p:set>
+                                    <p:animEffect transition="in" filter="fade">
+                                      <p:cBhvr>
+                                        <p:cTn id="10" dur="500"/>
+                                        <p:tgtEl>
+                                          <p:spTgt spid="3">
+                                            <p:txEl>
+                                              <p:pRg st="1" end="1"/>
+                                            </p:txEl>
+                                          </p:spTgt>
+                                        </p:tgtEl>
+                                      </p:cBhvr>
+                                    </p:animEffect>
+                                  </p:childTnLst>
+                                </p:cTn>
+                              </p:par>
+                              <p:par>
+                                <p:cTn id="11" presetID="10" presetClass="entr" presetSubtype="0" fill="hold" grpId="0" nodeType="withEffect">
+                                  <p:stCondLst>
+                                    <p:cond delay="0"/>
+                                  </p:stCondLst>
+                                  <p:childTnLst>
+                                    <p:set>
+                                      <p:cBhvr>
+                                        <p:cTn id="12" dur="1" fill="hold">
+                                          <p:stCondLst>
+                                            <p:cond delay="0"/>
+                                          </p:stCondLst>
+                                        </p:cTn>
+                                        <p:tgtEl>
+                                          <p:spTgt spid="3">
+                                            <p:txEl>
+                                              <p:pRg st="2" end="2"/>
+                                            </p:txEl>
+                                          </p:spTgt>
+                                        </p:tgtEl>
+                                        <p:attrNameLst>
+                                          <p:attrName>style.visibility</p:attrName>
+                                        </p:attrNameLst>
+                                      </p:cBhvr>
+                                      <p:to>
+                                        <p:strVal val="visible"/>
+                                      </p:to>
+                                    </p:set>
+                                    <p:animEffect transition="in" filter="fade">
+                                      <p:cBhvr>
+                                        <p:cTn id="13" dur="500"/>
+                                        <p:tgtEl>
+                                          <p:spTgt spid="3">
+                                            <p:txEl>
+                                              <p:pRg st="2" end="2"/>
+                                            </p:txEl>
+                                          </p:spTgt>
+                                        </p:tgtEl>
+                                      </p:cBhvr>
+                                    </p:animEffect>
+                                  </p:childTnLst>
+                                </p:cTn>
+                              </p:par>
+                              <p:par>
+                                <p:cTn id="14" presetID="10" presetClass="entr" presetSubtype="0" fill="hold" grpId="0" nodeType="withEffect">
+                                  <p:stCondLst>
+                                    <p:cond delay="0"/>
+                                  </p:stCondLst>
+                                  <p:childTnLst>
+                                    <p:set>
+                                      <p:cBhvr>
+                                        <p:cTn id="15" dur="1" fill="hold">
+                                          <p:stCondLst>
+                                            <p:cond delay="0"/>
+                                          </p:stCondLst>
+                                        </p:cTn>
+                                        <p:tgtEl>
+                                          <p:spTgt spid="3">
+                                            <p:txEl>
+                                              <p:pRg st="3" end="3"/>
+                                            </p:txEl>
+                                          </p:spTgt>
+                                        </p:tgtEl>
+                                        <p:attrNameLst>
+                                          <p:attrName>style.visibility</p:attrName>
+                                        </p:attrNameLst>
+                                      </p:cBhvr>
+                                      <p:to>
+                                        <p:strVal val="visible"/>
+                                      </p:to>
+                                    </p:set>
+                                    <p:animEffect transition="in" filter="fade">
+                                      <p:cBhvr>
+                                        <p:cTn id="16" dur="500"/>
+                                        <p:tgtEl>
+                                          <p:spTgt spid="3">
+                                            <p:txEl>
+                                              <p:pRg st="3" end="3"/>
+                                            </p:txEl>
+                                          </p:spTgt>
+                                        </p:tgtEl>
+                                      </p:cBhvr>
+                                    </p:animEffect>
+                                  </p:childTnLst>
+                                </p:cTn>
+                              </p:par>
+                              <p:par>
+                                <p:cTn id="17" presetID="10" presetClass="entr" presetSubtype="0" fill="hold" grpId="0" nodeType="withEffect">
+                                  <p:stCondLst>
+                                    <p:cond delay="0"/>
+                                  </p:stCondLst>
+                                  <p:childTnLst>
+                                    <p:set>
+                                      <p:cBhvr>
+                                        <p:cTn id="18" dur="1" fill="hold">
+                                          <p:stCondLst>
+                                            <p:cond delay="0"/>
+                                          </p:stCondLst>
+                                        </p:cTn>
+                                        <p:tgtEl>
+                                          <p:spTgt spid="3">
+                                            <p:txEl>
+                                              <p:pRg st="4" end="4"/>
+                                            </p:txEl>
+                                          </p:spTgt>
+                                        </p:tgtEl>
+                                        <p:attrNameLst>
+                                          <p:attrName>style.visibility</p:attrName>
+                                        </p:attrNameLst>
+                                      </p:cBhvr>
+                                      <p:to>
+                                        <p:strVal val="visible"/>
+                                      </p:to>
+                                    </p:set>
+                                    <p:animEffect transition="in" filter="fade">
+                                      <p:cBhvr>
+                                        <p:cTn id="19" dur="500"/>
+                                        <p:tgtEl>
+                                          <p:spTgt spid="3">
+                                            <p:txEl>
+                                              <p:pRg st="4" end="4"/>
+                                            </p:txEl>
+                                          </p:spTgt>
+                                        </p:tgtEl>
+                                      </p:cBhvr>
+                                    </p:animEffect>
+                                  </p:childTnLst>
+                                </p:cTn>
+                              </p:par>
+                              <p:par>
+                                <p:cTn id="20" presetID="10" presetClass="entr" presetSubtype="0" fill="hold" grpId="0" nodeType="withEffect">
+                                  <p:stCondLst>
+                                    <p:cond delay="0"/>
+                                  </p:stCondLst>
+                                  <p:childTnLst>
+                                    <p:set>
+                                      <p:cBhvr>
+                                        <p:cTn id="21" dur="1" fill="hold">
+                                          <p:stCondLst>
+                                            <p:cond delay="0"/>
+                                          </p:stCondLst>
+                                        </p:cTn>
+                                        <p:tgtEl>
+                                          <p:spTgt spid="3">
+                                            <p:txEl>
+                                              <p:pRg st="5" end="5"/>
+                                            </p:txEl>
+                                          </p:spTgt>
+                                        </p:tgtEl>
+                                        <p:attrNameLst>
+                                          <p:attrName>style.visibility</p:attrName>
+                                        </p:attrNameLst>
+                                      </p:cBhvr>
+                                      <p:to>
+                                        <p:strVal val="visible"/>
+                                      </p:to>
+                                    </p:set>
+                                    <p:animEffect transition="in" filter="fade">
+                                      <p:cBhvr>
+                                        <p:cTn id="22" dur="500"/>
+                                        <p:tgtEl>
+                                          <p:spTgt spid="3">
+                                            <p:txEl>
+                                              <p:pRg st="5" end="5"/>
+                                            </p:txEl>
+                                          </p:spTgt>
+                                        </p:tgtEl>
+                                      </p:cBhvr>
+                                    </p:animEffect>
+                                  </p:childTnLst>
+                                </p:cTn>
+                              </p:par>
+                            </p:childTnLst>
+                          </p:cTn>
+                        </p:par>
+                      </p:childTnLst>
+                    </p:cTn>
+                  </p:par>
+                  <p:par>
+                    <p:cTn id="23" fill="hold">
+                      <p:stCondLst>
+                        <p:cond delay="indefinite"/>
+                      </p:stCondLst>
+                      <p:childTnLst>
+                        <p:par>
+                          <p:cTn id="24" fill="hold">
+                            <p:stCondLst>
+                              <p:cond delay="0"/>
+                            </p:stCondLst>
+                            <p:childTnLst>
+                              <p:par>
+                                <p:cTn id="25" presetID="10" presetClass="entr" presetSubtype="0" fill="hold" grpId="0" nodeType="clickEffect">
+                                  <p:stCondLst>
+                                    <p:cond delay="0"/>
+                                  </p:stCondLst>
+                                  <p:childTnLst>
+                                    <p:set>
+                                      <p:cBhvr>
+                                        <p:cTn id="26" dur="1" fill="hold">
+                                          <p:stCondLst>
+                                            <p:cond delay="0"/>
+                                          </p:stCondLst>
+                                        </p:cTn>
+                                        <p:tgtEl>
+                                          <p:spTgt spid="3">
+                                            <p:txEl>
+                                              <p:pRg st="6" end="6"/>
+                                            </p:txEl>
+                                          </p:spTgt>
+                                        </p:tgtEl>
+                                        <p:attrNameLst>
+                                          <p:attrName>style.visibility</p:attrName>
+                                        </p:attrNameLst>
+                                      </p:cBhvr>
+                                      <p:to>
+                                        <p:strVal val="visible"/>
+                                      </p:to>
+                                    </p:set>
+                                    <p:animEffect transition="in" filter="fade">
+                                      <p:cBhvr>
+                                        <p:cTn id="27" dur="500"/>
+                                        <p:tgtEl>
+                                          <p:spTgt spid="3">
+                                            <p:txEl>
+                                              <p:pRg st="6" end="6"/>
+                                            </p:txEl>
+                                          </p:spTgt>
+                                        </p:tgtEl>
+                                      </p:cBhvr>
+                                    </p:animEffect>
+                                  </p:childTnLst>
+                                </p:cTn>
+                              </p:par>
+                              <p:par>
+                                <p:cTn id="28" presetID="10" presetClass="entr" presetSubtype="0" fill="hold" grpId="0" nodeType="withEffect">
+                                  <p:stCondLst>
+                                    <p:cond delay="0"/>
+                                  </p:stCondLst>
+                                  <p:childTnLst>
+                                    <p:set>
+                                      <p:cBhvr>
+                                        <p:cTn id="29" dur="1" fill="hold">
+                                          <p:stCondLst>
+                                            <p:cond delay="0"/>
+                                          </p:stCondLst>
+                                        </p:cTn>
+                                        <p:tgtEl>
+                                          <p:spTgt spid="3">
+                                            <p:txEl>
+                                              <p:pRg st="7" end="7"/>
+                                            </p:txEl>
+                                          </p:spTgt>
+                                        </p:tgtEl>
+                                        <p:attrNameLst>
+                                          <p:attrName>style.visibility</p:attrName>
+                                        </p:attrNameLst>
+                                      </p:cBhvr>
+                                      <p:to>
+                                        <p:strVal val="visible"/>
+                                      </p:to>
+                                    </p:set>
+                                    <p:animEffect transition="in" filter="fade">
+                                      <p:cBhvr>
+                                        <p:cTn id="30" dur="500"/>
+                                        <p:tgtEl>
+                                          <p:spTgt spid="3">
+                                            <p:txEl>
+                                              <p:pRg st="7" end="7"/>
+                                            </p:txEl>
+                                          </p:spTgt>
+                                        </p:tgtEl>
+                                      </p:cBhvr>
+                                    </p:animEffect>
+                                  </p:childTnLst>
+                                </p:cTn>
+                              </p:par>
+                              <p:par>
+                                <p:cTn id="31" presetID="10" presetClass="entr" presetSubtype="0" fill="hold" grpId="0" nodeType="withEffect">
+                                  <p:stCondLst>
+                                    <p:cond delay="0"/>
+                                  </p:stCondLst>
+                                  <p:childTnLst>
+                                    <p:set>
+                                      <p:cBhvr>
+                                        <p:cTn id="32" dur="1" fill="hold">
+                                          <p:stCondLst>
+                                            <p:cond delay="0"/>
+                                          </p:stCondLst>
+                                        </p:cTn>
+                                        <p:tgtEl>
+                                          <p:spTgt spid="3">
+                                            <p:txEl>
+                                              <p:pRg st="8" end="8"/>
+                                            </p:txEl>
+                                          </p:spTgt>
+                                        </p:tgtEl>
+                                        <p:attrNameLst>
+                                          <p:attrName>style.visibility</p:attrName>
+                                        </p:attrNameLst>
+                                      </p:cBhvr>
+                                      <p:to>
+                                        <p:strVal val="visible"/>
+                                      </p:to>
+                                    </p:set>
+                                    <p:animEffect transition="in" filter="fade">
+                                      <p:cBhvr>
+                                        <p:cTn id="33" dur="500"/>
+                                        <p:tgtEl>
+                                          <p:spTgt spid="3">
+                                            <p:txEl>
+                                              <p:pRg st="8" end="8"/>
+                                            </p:txEl>
+                                          </p:spTgt>
+                                        </p:tgtEl>
+                                      </p:cBhvr>
+                                    </p:animEffect>
+                                  </p:childTnLst>
+                                </p:cTn>
+                              </p:par>
+                              <p:par>
+                                <p:cTn id="34" presetID="10" presetClass="entr" presetSubtype="0" fill="hold" grpId="0" nodeType="withEffect">
+                                  <p:stCondLst>
+                                    <p:cond delay="0"/>
+                                  </p:stCondLst>
+                                  <p:childTnLst>
+                                    <p:set>
+                                      <p:cBhvr>
+                                        <p:cTn id="35" dur="1" fill="hold">
+                                          <p:stCondLst>
+                                            <p:cond delay="0"/>
+                                          </p:stCondLst>
+                                        </p:cTn>
+                                        <p:tgtEl>
+                                          <p:spTgt spid="3">
+                                            <p:txEl>
+                                              <p:pRg st="9" end="9"/>
+                                            </p:txEl>
+                                          </p:spTgt>
+                                        </p:tgtEl>
+                                        <p:attrNameLst>
+                                          <p:attrName>style.visibility</p:attrName>
+                                        </p:attrNameLst>
+                                      </p:cBhvr>
+                                      <p:to>
+                                        <p:strVal val="visible"/>
+                                      </p:to>
+                                    </p:set>
+                                    <p:animEffect transition="in" filter="fade">
+                                      <p:cBhvr>
+                                        <p:cTn id="36" dur="500"/>
+                                        <p:tgtEl>
+                                          <p:spTgt spid="3">
+                                            <p:txEl>
+                                              <p:pRg st="9" end="9"/>
+                                            </p:txEl>
+                                          </p:spTgt>
+                                        </p:tgtEl>
+                                      </p:cBhvr>
+                                    </p:animEffect>
+                                  </p:childTnLst>
+                                </p:cTn>
+                              </p:par>
+                              <p:par>
+                                <p:cTn id="37" presetID="10" presetClass="entr" presetSubtype="0" fill="hold" grpId="0" nodeType="withEffect">
+                                  <p:stCondLst>
+                                    <p:cond delay="0"/>
+                                  </p:stCondLst>
+                                  <p:childTnLst>
+                                    <p:set>
+                                      <p:cBhvr>
+                                        <p:cTn id="38" dur="1" fill="hold">
+                                          <p:stCondLst>
+                                            <p:cond delay="0"/>
+                                          </p:stCondLst>
+                                        </p:cTn>
+                                        <p:tgtEl>
+                                          <p:spTgt spid="3">
+                                            <p:txEl>
+                                              <p:pRg st="10" end="10"/>
+                                            </p:txEl>
+                                          </p:spTgt>
+                                        </p:tgtEl>
+                                        <p:attrNameLst>
+                                          <p:attrName>style.visibility</p:attrName>
+                                        </p:attrNameLst>
+                                      </p:cBhvr>
+                                      <p:to>
+                                        <p:strVal val="visible"/>
+                                      </p:to>
+                                    </p:set>
+                                    <p:animEffect transition="in" filter="fade">
+                                      <p:cBhvr>
+                                        <p:cTn id="39" dur="500"/>
+                                        <p:tgtEl>
+                                          <p:spTgt spid="3">
+                                            <p:txEl>
+                                              <p:pRg st="10" end="10"/>
+                                            </p:txEl>
+                                          </p:spTgt>
+                                        </p:tgtEl>
+                                      </p:cBhvr>
+                                    </p:animEffect>
+                                  </p:childTnLst>
+                                </p:cTn>
+                              </p:par>
+                              <p:par>
+                                <p:cTn id="40" presetID="10" presetClass="entr" presetSubtype="0" fill="hold" grpId="0" nodeType="withEffect">
+                                  <p:stCondLst>
+                                    <p:cond delay="0"/>
+                                  </p:stCondLst>
+                                  <p:childTnLst>
+                                    <p:set>
+                                      <p:cBhvr>
+                                        <p:cTn id="41" dur="1" fill="hold">
+                                          <p:stCondLst>
+                                            <p:cond delay="0"/>
+                                          </p:stCondLst>
+                                        </p:cTn>
+                                        <p:tgtEl>
+                                          <p:spTgt spid="3">
+                                            <p:txEl>
+                                              <p:pRg st="11" end="11"/>
+                                            </p:txEl>
+                                          </p:spTgt>
+                                        </p:tgtEl>
+                                        <p:attrNameLst>
+                                          <p:attrName>style.visibility</p:attrName>
+                                        </p:attrNameLst>
+                                      </p:cBhvr>
+                                      <p:to>
+                                        <p:strVal val="visible"/>
+                                      </p:to>
+                                    </p:set>
+                                    <p:animEffect transition="in" filter="fade">
+                                      <p:cBhvr>
+                                        <p:cTn id="42" dur="500"/>
+                                        <p:tgtEl>
+                                          <p:spTgt spid="3">
+                                            <p:txEl>
+                                              <p:pRg st="11" end="11"/>
+                                            </p:txEl>
+                                          </p:spTgt>
+                                        </p:tgtEl>
+                                      </p:cBhvr>
+                                    </p:animEffect>
+                                  </p:childTnLst>
+                                </p:cTn>
+                              </p:par>
+                            </p:childTnLst>
+                          </p:cTn>
+                        </p:par>
+                      </p:childTnLst>
+                    </p:cTn>
+                  </p:par>
+                </p:childTnLst>
+              </p:cTn>
               <p:prevCondLst>
                 <p:cond evt="onPrev" delay="0">
                   <p:tgtEl>
@@ -6555,4153 +7156,9 @@
         </p:cTn>
       </p:par>
     </p:tnLst>
-  </p:timing>
-</p:sld>
-</file>
-
-<file path=ppt/slides/slide10.xml><?xml version="1.0" encoding="utf-8"?>
-<p:sld xmlns:a="http://schemas.openxmlformats.org/drawingml/2006/main" xmlns:r="http://schemas.openxmlformats.org/officeDocument/2006/relationships" xmlns:p="http://schemas.openxmlformats.org/presentationml/2006/main">
-  <p:cSld>
-    <p:spTree>
-      <p:nvGrpSpPr>
-        <p:cNvPr id="1" name=""/>
-        <p:cNvGrpSpPr/>
-        <p:nvPr/>
-      </p:nvGrpSpPr>
-      <p:grpSpPr>
-        <a:xfrm>
-          <a:off x="0" y="0"/>
-          <a:ext cx="0" cy="0"/>
-          <a:chOff x="0" y="0"/>
-          <a:chExt cx="0" cy="0"/>
-        </a:xfrm>
-      </p:grpSpPr>
-      <p:sp>
-        <p:nvSpPr>
-          <p:cNvPr id="2" name="Title 1"/>
-          <p:cNvSpPr>
-            <a:spLocks noGrp="1"/>
-          </p:cNvSpPr>
-          <p:nvPr>
-            <p:ph type="title"/>
-          </p:nvPr>
-        </p:nvSpPr>
-        <p:spPr/>
-        <p:txBody>
-          <a:bodyPr/>
-          <a:lstStyle/>
-          <a:p>
-            <a:r>
-              <a:rPr lang="en-US" dirty="0" smtClean="0"/>
-              <a:t>The Chaos Monkey Lives!!!</a:t>
-            </a:r>
-            <a:endParaRPr lang="en-US" dirty="0"/>
-          </a:p>
-        </p:txBody>
-      </p:sp>
-      <p:pic>
-        <p:nvPicPr>
-          <p:cNvPr id="1026" name="Picture 2"/>
-          <p:cNvPicPr>
-            <a:picLocks noChangeAspect="1" noChangeArrowheads="1"/>
-          </p:cNvPicPr>
-          <p:nvPr/>
-        </p:nvPicPr>
-        <p:blipFill>
-          <a:blip r:embed="rId2">
-            <a:extLst>
-              <a:ext uri="{28A0092B-C50C-407E-A947-70E740481C1C}">
-                <a14:useLocalDpi xmlns:a14="http://schemas.microsoft.com/office/drawing/2010/main" val="0"/>
-              </a:ext>
-            </a:extLst>
-          </a:blip>
-          <a:srcRect/>
-          <a:stretch>
-            <a:fillRect/>
-          </a:stretch>
-        </p:blipFill>
-        <p:spPr bwMode="auto">
-          <a:xfrm>
-            <a:off x="1302473" y="1695678"/>
-            <a:ext cx="7475679" cy="4168321"/>
-          </a:xfrm>
-          <a:prstGeom prst="rect">
-            <a:avLst/>
-          </a:prstGeom>
-          <a:noFill/>
-          <a:ln>
-            <a:noFill/>
-          </a:ln>
-          <a:effectLst/>
-          <a:extLst>
-            <a:ext uri="{909E8E84-426E-40DD-AFC4-6F175D3DCCD1}">
-              <a14:hiddenFill xmlns:a14="http://schemas.microsoft.com/office/drawing/2010/main">
-                <a:solidFill>
-                  <a:schemeClr val="accent1"/>
-                </a:solidFill>
-              </a14:hiddenFill>
-            </a:ext>
-            <a:ext uri="{91240B29-F687-4F45-9708-019B960494DF}">
-              <a14:hiddenLine xmlns:a14="http://schemas.microsoft.com/office/drawing/2010/main" w="9525">
-                <a:solidFill>
-                  <a:schemeClr val="tx1"/>
-                </a:solidFill>
-                <a:miter lim="800000"/>
-                <a:headEnd/>
-                <a:tailEnd/>
-              </a14:hiddenLine>
-            </a:ext>
-            <a:ext uri="{AF507438-7753-43E0-B8FC-AC1667EBCBE1}">
-              <a14:hiddenEffects xmlns:a14="http://schemas.microsoft.com/office/drawing/2010/main">
-                <a:effectLst>
-                  <a:outerShdw dist="35921" dir="2700000" algn="ctr" rotWithShape="0">
-                    <a:schemeClr val="bg2"/>
-                  </a:outerShdw>
-                </a:effectLst>
-              </a14:hiddenEffects>
-            </a:ext>
-          </a:extLst>
-        </p:spPr>
-      </p:pic>
-    </p:spTree>
-    <p:extLst>
-      <p:ext uri="{BB962C8B-B14F-4D97-AF65-F5344CB8AC3E}">
-        <p14:creationId xmlns:p14="http://schemas.microsoft.com/office/powerpoint/2010/main" val="811675509"/>
-      </p:ext>
-    </p:extLst>
-  </p:cSld>
-  <p:clrMapOvr>
-    <a:masterClrMapping/>
-  </p:clrMapOvr>
-  <mc:AlternateContent xmlns:mc="http://schemas.openxmlformats.org/markup-compatibility/2006">
-    <mc:Choice xmlns:p14="http://schemas.microsoft.com/office/powerpoint/2010/main" Requires="p14">
-      <p:transition spd="slow" p14:dur="2000"/>
-    </mc:Choice>
-    <mc:Fallback>
-      <p:transition spd="slow"/>
-    </mc:Fallback>
-  </mc:AlternateContent>
-  <p:timing>
-    <p:tnLst>
-      <p:par>
-        <p:cTn id="1" dur="indefinite" restart="never" nodeType="tmRoot"/>
-      </p:par>
-    </p:tnLst>
-  </p:timing>
-</p:sld>
-</file>
-
-<file path=ppt/slides/slide11.xml><?xml version="1.0" encoding="utf-8"?>
-<p:sld xmlns:a="http://schemas.openxmlformats.org/drawingml/2006/main" xmlns:r="http://schemas.openxmlformats.org/officeDocument/2006/relationships" xmlns:p="http://schemas.openxmlformats.org/presentationml/2006/main">
-  <p:cSld>
-    <p:spTree>
-      <p:nvGrpSpPr>
-        <p:cNvPr id="1" name=""/>
-        <p:cNvGrpSpPr/>
-        <p:nvPr/>
-      </p:nvGrpSpPr>
-      <p:grpSpPr>
-        <a:xfrm>
-          <a:off x="0" y="0"/>
-          <a:ext cx="0" cy="0"/>
-          <a:chOff x="0" y="0"/>
-          <a:chExt cx="0" cy="0"/>
-        </a:xfrm>
-      </p:grpSpPr>
-      <p:pic>
-        <p:nvPicPr>
-          <p:cNvPr id="1026" name="Picture 2"/>
-          <p:cNvPicPr>
-            <a:picLocks noChangeAspect="1" noChangeArrowheads="1"/>
-          </p:cNvPicPr>
-          <p:nvPr/>
-        </p:nvPicPr>
-        <p:blipFill>
-          <a:blip r:embed="rId2">
-            <a:extLst>
-              <a:ext uri="{28A0092B-C50C-407E-A947-70E740481C1C}">
-                <a14:useLocalDpi xmlns:a14="http://schemas.microsoft.com/office/drawing/2010/main" val="0"/>
-              </a:ext>
-            </a:extLst>
-          </a:blip>
-          <a:srcRect/>
-          <a:stretch>
-            <a:fillRect/>
-          </a:stretch>
-        </p:blipFill>
-        <p:spPr bwMode="auto">
-          <a:xfrm>
-            <a:off x="142274" y="488230"/>
-            <a:ext cx="9796079" cy="6583217"/>
-          </a:xfrm>
-          <a:prstGeom prst="rect">
-            <a:avLst/>
-          </a:prstGeom>
-          <a:noFill/>
-          <a:ln>
-            <a:noFill/>
-          </a:ln>
-          <a:effectLst/>
-          <a:extLst>
-            <a:ext uri="{909E8E84-426E-40DD-AFC4-6F175D3DCCD1}">
-              <a14:hiddenFill xmlns:a14="http://schemas.microsoft.com/office/drawing/2010/main">
-                <a:solidFill>
-                  <a:schemeClr val="accent1"/>
-                </a:solidFill>
-              </a14:hiddenFill>
-            </a:ext>
-            <a:ext uri="{91240B29-F687-4F45-9708-019B960494DF}">
-              <a14:hiddenLine xmlns:a14="http://schemas.microsoft.com/office/drawing/2010/main" w="9525">
-                <a:solidFill>
-                  <a:schemeClr val="tx1"/>
-                </a:solidFill>
-                <a:miter lim="800000"/>
-                <a:headEnd/>
-                <a:tailEnd/>
-              </a14:hiddenLine>
-            </a:ext>
-            <a:ext uri="{AF507438-7753-43E0-B8FC-AC1667EBCBE1}">
-              <a14:hiddenEffects xmlns:a14="http://schemas.microsoft.com/office/drawing/2010/main">
-                <a:effectLst>
-                  <a:outerShdw dist="35921" dir="2700000" algn="ctr" rotWithShape="0">
-                    <a:schemeClr val="bg2"/>
-                  </a:outerShdw>
-                </a:effectLst>
-              </a14:hiddenEffects>
-            </a:ext>
-          </a:extLst>
-        </p:spPr>
-      </p:pic>
-    </p:spTree>
-    <p:extLst>
-      <p:ext uri="{BB962C8B-B14F-4D97-AF65-F5344CB8AC3E}">
-        <p14:creationId xmlns:p14="http://schemas.microsoft.com/office/powerpoint/2010/main" val="3620993328"/>
-      </p:ext>
-    </p:extLst>
-  </p:cSld>
-  <p:clrMapOvr>
-    <a:masterClrMapping/>
-  </p:clrMapOvr>
-  <mc:AlternateContent xmlns:mc="http://schemas.openxmlformats.org/markup-compatibility/2006">
-    <mc:Choice xmlns:p14="http://schemas.microsoft.com/office/powerpoint/2010/main" Requires="p14">
-      <p:transition spd="slow" p14:dur="2000"/>
-    </mc:Choice>
-    <mc:Fallback>
-      <p:transition spd="slow"/>
-    </mc:Fallback>
-  </mc:AlternateContent>
-  <p:timing>
-    <p:tnLst>
-      <p:par>
-        <p:cTn id="1" dur="indefinite" restart="never" nodeType="tmRoot"/>
-      </p:par>
-    </p:tnLst>
-  </p:timing>
-</p:sld>
-</file>
-
-<file path=ppt/slides/slide12.xml><?xml version="1.0" encoding="utf-8"?>
-<p:sld xmlns:a="http://schemas.openxmlformats.org/drawingml/2006/main" xmlns:r="http://schemas.openxmlformats.org/officeDocument/2006/relationships" xmlns:p="http://schemas.openxmlformats.org/presentationml/2006/main">
-  <p:cSld>
-    <p:spTree>
-      <p:nvGrpSpPr>
-        <p:cNvPr id="1" name=""/>
-        <p:cNvGrpSpPr/>
-        <p:nvPr/>
-      </p:nvGrpSpPr>
-      <p:grpSpPr>
-        <a:xfrm>
-          <a:off x="0" y="0"/>
-          <a:ext cx="0" cy="0"/>
-          <a:chOff x="0" y="0"/>
-          <a:chExt cx="0" cy="0"/>
-        </a:xfrm>
-      </p:grpSpPr>
-      <p:sp>
-        <p:nvSpPr>
-          <p:cNvPr id="2" name="Title 1"/>
-          <p:cNvSpPr>
-            <a:spLocks noGrp="1"/>
-          </p:cNvSpPr>
-          <p:nvPr>
-            <p:ph type="title"/>
-          </p:nvPr>
-        </p:nvSpPr>
-        <p:spPr/>
-        <p:txBody>
-          <a:bodyPr/>
-          <a:lstStyle/>
-          <a:p>
-            <a:r>
-              <a:rPr lang="en-US" dirty="0" smtClean="0"/>
-              <a:t>Point: The Clouds are one big machine</a:t>
-            </a:r>
-            <a:endParaRPr lang="en-US" dirty="0"/>
-          </a:p>
-        </p:txBody>
-      </p:sp>
-      <p:grpSp>
-        <p:nvGrpSpPr>
-          <p:cNvPr id="11" name="Group 10"/>
-          <p:cNvGrpSpPr/>
-          <p:nvPr/>
-        </p:nvGrpSpPr>
-        <p:grpSpPr>
-          <a:xfrm>
-            <a:off x="308862" y="4916775"/>
-            <a:ext cx="2638269" cy="2038662"/>
-            <a:chOff x="1154242" y="2698230"/>
-            <a:chExt cx="2638269" cy="2038662"/>
-          </a:xfrm>
-          <a:solidFill>
-            <a:schemeClr val="tx1"/>
-          </a:solidFill>
-        </p:grpSpPr>
-        <p:sp>
-          <p:nvSpPr>
-            <p:cNvPr id="6" name="Cloud 5"/>
-            <p:cNvSpPr/>
-            <p:nvPr/>
-          </p:nvSpPr>
-          <p:spPr>
-            <a:xfrm>
-              <a:off x="1154242" y="2698230"/>
-              <a:ext cx="2638269" cy="2038662"/>
-            </a:xfrm>
-            <a:prstGeom prst="cloud">
-              <a:avLst/>
-            </a:prstGeom>
-            <a:grpFill/>
-          </p:spPr>
-          <p:style>
-            <a:lnRef idx="2">
-              <a:schemeClr val="accent1">
-                <a:shade val="50000"/>
-              </a:schemeClr>
-            </a:lnRef>
-            <a:fillRef idx="1">
-              <a:schemeClr val="accent1"/>
-            </a:fillRef>
-            <a:effectRef idx="0">
-              <a:schemeClr val="accent1"/>
-            </a:effectRef>
-            <a:fontRef idx="minor">
-              <a:schemeClr val="lt1"/>
-            </a:fontRef>
-          </p:style>
-          <p:txBody>
-            <a:bodyPr rtlCol="0" anchor="ctr"/>
-            <a:lstStyle/>
-            <a:p>
-              <a:pPr algn="ctr"/>
-              <a:endParaRPr lang="en-US"/>
-            </a:p>
-          </p:txBody>
-        </p:sp>
-        <p:pic>
-          <p:nvPicPr>
-            <p:cNvPr id="7" name="Picture 6"/>
-            <p:cNvPicPr>
-              <a:picLocks noChangeAspect="1"/>
-            </p:cNvPicPr>
-            <p:nvPr/>
-          </p:nvPicPr>
-          <p:blipFill>
-            <a:blip r:embed="rId2"/>
-            <a:stretch>
-              <a:fillRect/>
-            </a:stretch>
-          </p:blipFill>
-          <p:spPr>
-            <a:xfrm>
-              <a:off x="1770757" y="3441336"/>
-              <a:ext cx="1333500" cy="552450"/>
-            </a:xfrm>
-            <a:prstGeom prst="rect">
-              <a:avLst/>
-            </a:prstGeom>
-            <a:grpFill/>
-          </p:spPr>
-        </p:pic>
-      </p:grpSp>
-      <p:grpSp>
-        <p:nvGrpSpPr>
-          <p:cNvPr id="12" name="Group 11"/>
-          <p:cNvGrpSpPr/>
-          <p:nvPr/>
-        </p:nvGrpSpPr>
-        <p:grpSpPr>
-          <a:xfrm>
-            <a:off x="7010778" y="2042863"/>
-            <a:ext cx="2638269" cy="2038662"/>
-            <a:chOff x="6103495" y="1801319"/>
-            <a:chExt cx="2638269" cy="2038662"/>
-          </a:xfrm>
-          <a:solidFill>
-            <a:schemeClr val="tx1"/>
-          </a:solidFill>
-        </p:grpSpPr>
-        <p:sp>
-          <p:nvSpPr>
-            <p:cNvPr id="4" name="Cloud 3"/>
-            <p:cNvSpPr/>
-            <p:nvPr/>
-          </p:nvSpPr>
-          <p:spPr>
-            <a:xfrm>
-              <a:off x="6103495" y="1801319"/>
-              <a:ext cx="2638269" cy="2038662"/>
-            </a:xfrm>
-            <a:prstGeom prst="cloud">
-              <a:avLst/>
-            </a:prstGeom>
-            <a:grpFill/>
-          </p:spPr>
-          <p:style>
-            <a:lnRef idx="2">
-              <a:schemeClr val="accent1">
-                <a:shade val="50000"/>
-              </a:schemeClr>
-            </a:lnRef>
-            <a:fillRef idx="1">
-              <a:schemeClr val="accent1"/>
-            </a:fillRef>
-            <a:effectRef idx="0">
-              <a:schemeClr val="accent1"/>
-            </a:effectRef>
-            <a:fontRef idx="minor">
-              <a:schemeClr val="lt1"/>
-            </a:fontRef>
-          </p:style>
-          <p:txBody>
-            <a:bodyPr rtlCol="0" anchor="ctr"/>
-            <a:lstStyle/>
-            <a:p>
-              <a:pPr algn="ctr"/>
-              <a:endParaRPr lang="en-US"/>
-            </a:p>
-          </p:txBody>
-        </p:sp>
-        <p:pic>
-          <p:nvPicPr>
-            <p:cNvPr id="8" name="Picture 7"/>
-            <p:cNvPicPr>
-              <a:picLocks noChangeAspect="1"/>
-            </p:cNvPicPr>
-            <p:nvPr/>
-          </p:nvPicPr>
-          <p:blipFill>
-            <a:blip r:embed="rId3"/>
-            <a:stretch>
-              <a:fillRect/>
-            </a:stretch>
-          </p:blipFill>
-          <p:spPr>
-            <a:xfrm>
-              <a:off x="6435999" y="2443850"/>
-              <a:ext cx="1876425" cy="609600"/>
-            </a:xfrm>
-            <a:prstGeom prst="rect">
-              <a:avLst/>
-            </a:prstGeom>
-            <a:grpFill/>
-          </p:spPr>
-        </p:pic>
-      </p:grpSp>
-      <p:grpSp>
-        <p:nvGrpSpPr>
-          <p:cNvPr id="10" name="Group 9"/>
-          <p:cNvGrpSpPr/>
-          <p:nvPr/>
-        </p:nvGrpSpPr>
-        <p:grpSpPr>
-          <a:xfrm>
-            <a:off x="3563646" y="4916775"/>
-            <a:ext cx="2638269" cy="2038662"/>
-            <a:chOff x="3104255" y="4916775"/>
-            <a:chExt cx="2638269" cy="2038662"/>
-          </a:xfrm>
-          <a:solidFill>
-            <a:schemeClr val="tx1"/>
-          </a:solidFill>
-        </p:grpSpPr>
-        <p:sp>
-          <p:nvSpPr>
-            <p:cNvPr id="3" name="Cloud 2"/>
-            <p:cNvSpPr/>
-            <p:nvPr/>
-          </p:nvSpPr>
-          <p:spPr>
-            <a:xfrm>
-              <a:off x="3104255" y="4916775"/>
-              <a:ext cx="2638269" cy="2038662"/>
-            </a:xfrm>
-            <a:prstGeom prst="cloud">
-              <a:avLst/>
-            </a:prstGeom>
-            <a:grpFill/>
-          </p:spPr>
-          <p:style>
-            <a:lnRef idx="2">
-              <a:schemeClr val="accent1">
-                <a:shade val="50000"/>
-              </a:schemeClr>
-            </a:lnRef>
-            <a:fillRef idx="1">
-              <a:schemeClr val="accent1"/>
-            </a:fillRef>
-            <a:effectRef idx="0">
-              <a:schemeClr val="accent1"/>
-            </a:effectRef>
-            <a:fontRef idx="minor">
-              <a:schemeClr val="lt1"/>
-            </a:fontRef>
-          </p:style>
-          <p:txBody>
-            <a:bodyPr rtlCol="0" anchor="ctr"/>
-            <a:lstStyle/>
-            <a:p>
-              <a:pPr algn="ctr"/>
-              <a:endParaRPr lang="en-US"/>
-            </a:p>
-          </p:txBody>
-        </p:sp>
-        <p:pic>
-          <p:nvPicPr>
-            <p:cNvPr id="9" name="Picture 8"/>
-            <p:cNvPicPr>
-              <a:picLocks noChangeAspect="1"/>
-            </p:cNvPicPr>
-            <p:nvPr/>
-          </p:nvPicPr>
-          <p:blipFill>
-            <a:blip r:embed="rId4"/>
-            <a:stretch>
-              <a:fillRect/>
-            </a:stretch>
-          </p:blipFill>
-          <p:spPr>
-            <a:xfrm>
-              <a:off x="3418503" y="5530434"/>
-              <a:ext cx="2009775" cy="590550"/>
-            </a:xfrm>
-            <a:prstGeom prst="rect">
-              <a:avLst/>
-            </a:prstGeom>
-            <a:grpFill/>
-          </p:spPr>
-        </p:pic>
-      </p:grpSp>
-      <p:grpSp>
-        <p:nvGrpSpPr>
-          <p:cNvPr id="14" name="Group 13"/>
-          <p:cNvGrpSpPr/>
-          <p:nvPr/>
-        </p:nvGrpSpPr>
-        <p:grpSpPr>
-          <a:xfrm>
-            <a:off x="6993290" y="4916775"/>
-            <a:ext cx="2638269" cy="2038662"/>
-            <a:chOff x="6993290" y="4916775"/>
-            <a:chExt cx="2638269" cy="2038662"/>
-          </a:xfrm>
-          <a:solidFill>
-            <a:schemeClr val="tx1"/>
-          </a:solidFill>
-        </p:grpSpPr>
-        <p:sp>
-          <p:nvSpPr>
-            <p:cNvPr id="5" name="Cloud 4"/>
-            <p:cNvSpPr/>
-            <p:nvPr/>
-          </p:nvSpPr>
-          <p:spPr>
-            <a:xfrm>
-              <a:off x="6993290" y="4916775"/>
-              <a:ext cx="2638269" cy="2038662"/>
-            </a:xfrm>
-            <a:prstGeom prst="cloud">
-              <a:avLst/>
-            </a:prstGeom>
-            <a:grpFill/>
-          </p:spPr>
-          <p:style>
-            <a:lnRef idx="2">
-              <a:schemeClr val="accent1">
-                <a:shade val="50000"/>
-              </a:schemeClr>
-            </a:lnRef>
-            <a:fillRef idx="1">
-              <a:schemeClr val="accent1"/>
-            </a:fillRef>
-            <a:effectRef idx="0">
-              <a:schemeClr val="accent1"/>
-            </a:effectRef>
-            <a:fontRef idx="minor">
-              <a:schemeClr val="lt1"/>
-            </a:fontRef>
-          </p:style>
-          <p:txBody>
-            <a:bodyPr rtlCol="0" anchor="ctr"/>
-            <a:lstStyle/>
-            <a:p>
-              <a:pPr algn="ctr"/>
-              <a:endParaRPr lang="en-US"/>
-            </a:p>
-          </p:txBody>
-        </p:sp>
-        <p:pic>
-          <p:nvPicPr>
-            <p:cNvPr id="13" name="Picture 12"/>
-            <p:cNvPicPr>
-              <a:picLocks noChangeAspect="1"/>
-            </p:cNvPicPr>
-            <p:nvPr/>
-          </p:nvPicPr>
-          <p:blipFill>
-            <a:blip r:embed="rId5"/>
-            <a:stretch>
-              <a:fillRect/>
-            </a:stretch>
-          </p:blipFill>
-          <p:spPr>
-            <a:xfrm>
-              <a:off x="7066289" y="5628445"/>
-              <a:ext cx="2565270" cy="583886"/>
-            </a:xfrm>
-            <a:prstGeom prst="rect">
-              <a:avLst/>
-            </a:prstGeom>
-            <a:grpFill/>
-          </p:spPr>
-        </p:pic>
-      </p:grpSp>
-    </p:spTree>
-    <p:extLst>
-      <p:ext uri="{BB962C8B-B14F-4D97-AF65-F5344CB8AC3E}">
-        <p14:creationId xmlns:p14="http://schemas.microsoft.com/office/powerpoint/2010/main" val="2218060397"/>
-      </p:ext>
-    </p:extLst>
-  </p:cSld>
-  <p:clrMapOvr>
-    <a:masterClrMapping/>
-  </p:clrMapOvr>
-  <mc:AlternateContent xmlns:mc="http://schemas.openxmlformats.org/markup-compatibility/2006">
-    <mc:Choice xmlns:p14="http://schemas.microsoft.com/office/powerpoint/2010/main" Requires="p14">
-      <p:transition spd="med" p14:dur="700">
-        <p:fade/>
-      </p:transition>
-    </mc:Choice>
-    <mc:Fallback>
-      <p:transition spd="med">
-        <p:fade/>
-      </p:transition>
-    </mc:Fallback>
-  </mc:AlternateContent>
-  <p:timing>
-    <p:tnLst>
-      <p:par>
-        <p:cTn id="1" dur="indefinite" restart="never" nodeType="tmRoot"/>
-      </p:par>
-    </p:tnLst>
-  </p:timing>
-</p:sld>
-</file>
-
-<file path=ppt/slides/slide13.xml><?xml version="1.0" encoding="utf-8"?>
-<p:sld xmlns:a="http://schemas.openxmlformats.org/drawingml/2006/main" xmlns:r="http://schemas.openxmlformats.org/officeDocument/2006/relationships" xmlns:p="http://schemas.openxmlformats.org/presentationml/2006/main">
-  <p:cSld>
-    <p:spTree>
-      <p:nvGrpSpPr>
-        <p:cNvPr id="1" name=""/>
-        <p:cNvGrpSpPr/>
-        <p:nvPr/>
-      </p:nvGrpSpPr>
-      <p:grpSpPr>
-        <a:xfrm>
-          <a:off x="0" y="0"/>
-          <a:ext cx="0" cy="0"/>
-          <a:chOff x="0" y="0"/>
-          <a:chExt cx="0" cy="0"/>
-        </a:xfrm>
-      </p:grpSpPr>
-      <p:sp>
-        <p:nvSpPr>
-          <p:cNvPr id="2" name="Title 1"/>
-          <p:cNvSpPr>
-            <a:spLocks noGrp="1"/>
-          </p:cNvSpPr>
-          <p:nvPr>
-            <p:ph type="title"/>
-          </p:nvPr>
-        </p:nvSpPr>
-        <p:spPr/>
-        <p:txBody>
-          <a:bodyPr/>
-          <a:lstStyle/>
-          <a:p>
-            <a:r>
-              <a:rPr lang="en-US" dirty="0" smtClean="0"/>
-              <a:t>Point: The Clouds are one big machine</a:t>
-            </a:r>
-            <a:endParaRPr lang="en-US" dirty="0"/>
-          </a:p>
-        </p:txBody>
-      </p:sp>
-      <p:grpSp>
-        <p:nvGrpSpPr>
-          <p:cNvPr id="11" name="Group 10"/>
-          <p:cNvGrpSpPr/>
-          <p:nvPr/>
-        </p:nvGrpSpPr>
-        <p:grpSpPr>
-          <a:xfrm>
-            <a:off x="308862" y="4916775"/>
-            <a:ext cx="2638269" cy="2038662"/>
-            <a:chOff x="1154242" y="2698230"/>
-            <a:chExt cx="2638269" cy="2038662"/>
-          </a:xfrm>
-          <a:solidFill>
-            <a:schemeClr val="tx1"/>
-          </a:solidFill>
-        </p:grpSpPr>
-        <p:sp>
-          <p:nvSpPr>
-            <p:cNvPr id="6" name="Cloud 5"/>
-            <p:cNvSpPr/>
-            <p:nvPr/>
-          </p:nvSpPr>
-          <p:spPr>
-            <a:xfrm>
-              <a:off x="1154242" y="2698230"/>
-              <a:ext cx="2638269" cy="2038662"/>
-            </a:xfrm>
-            <a:prstGeom prst="cloud">
-              <a:avLst/>
-            </a:prstGeom>
-            <a:grpFill/>
-          </p:spPr>
-          <p:style>
-            <a:lnRef idx="2">
-              <a:schemeClr val="accent1">
-                <a:shade val="50000"/>
-              </a:schemeClr>
-            </a:lnRef>
-            <a:fillRef idx="1">
-              <a:schemeClr val="accent1"/>
-            </a:fillRef>
-            <a:effectRef idx="0">
-              <a:schemeClr val="accent1"/>
-            </a:effectRef>
-            <a:fontRef idx="minor">
-              <a:schemeClr val="lt1"/>
-            </a:fontRef>
-          </p:style>
-          <p:txBody>
-            <a:bodyPr rtlCol="0" anchor="ctr"/>
-            <a:lstStyle/>
-            <a:p>
-              <a:pPr algn="ctr"/>
-              <a:endParaRPr lang="en-US"/>
-            </a:p>
-          </p:txBody>
-        </p:sp>
-        <p:pic>
-          <p:nvPicPr>
-            <p:cNvPr id="7" name="Picture 6"/>
-            <p:cNvPicPr>
-              <a:picLocks noChangeAspect="1"/>
-            </p:cNvPicPr>
-            <p:nvPr/>
-          </p:nvPicPr>
-          <p:blipFill>
-            <a:blip r:embed="rId2"/>
-            <a:stretch>
-              <a:fillRect/>
-            </a:stretch>
-          </p:blipFill>
-          <p:spPr>
-            <a:xfrm>
-              <a:off x="1770757" y="3441336"/>
-              <a:ext cx="1333500" cy="552450"/>
-            </a:xfrm>
-            <a:prstGeom prst="rect">
-              <a:avLst/>
-            </a:prstGeom>
-            <a:grpFill/>
-          </p:spPr>
-        </p:pic>
-      </p:grpSp>
-      <p:grpSp>
-        <p:nvGrpSpPr>
-          <p:cNvPr id="12" name="Group 11"/>
-          <p:cNvGrpSpPr/>
-          <p:nvPr/>
-        </p:nvGrpSpPr>
-        <p:grpSpPr>
-          <a:xfrm>
-            <a:off x="7010778" y="2042863"/>
-            <a:ext cx="2638269" cy="2038662"/>
-            <a:chOff x="6103495" y="1801319"/>
-            <a:chExt cx="2638269" cy="2038662"/>
-          </a:xfrm>
-          <a:solidFill>
-            <a:schemeClr val="tx1"/>
-          </a:solidFill>
-        </p:grpSpPr>
-        <p:sp>
-          <p:nvSpPr>
-            <p:cNvPr id="4" name="Cloud 3"/>
-            <p:cNvSpPr/>
-            <p:nvPr/>
-          </p:nvSpPr>
-          <p:spPr>
-            <a:xfrm>
-              <a:off x="6103495" y="1801319"/>
-              <a:ext cx="2638269" cy="2038662"/>
-            </a:xfrm>
-            <a:prstGeom prst="cloud">
-              <a:avLst/>
-            </a:prstGeom>
-            <a:grpFill/>
-          </p:spPr>
-          <p:style>
-            <a:lnRef idx="2">
-              <a:schemeClr val="accent1">
-                <a:shade val="50000"/>
-              </a:schemeClr>
-            </a:lnRef>
-            <a:fillRef idx="1">
-              <a:schemeClr val="accent1"/>
-            </a:fillRef>
-            <a:effectRef idx="0">
-              <a:schemeClr val="accent1"/>
-            </a:effectRef>
-            <a:fontRef idx="minor">
-              <a:schemeClr val="lt1"/>
-            </a:fontRef>
-          </p:style>
-          <p:txBody>
-            <a:bodyPr rtlCol="0" anchor="ctr"/>
-            <a:lstStyle/>
-            <a:p>
-              <a:pPr algn="ctr"/>
-              <a:endParaRPr lang="en-US"/>
-            </a:p>
-          </p:txBody>
-        </p:sp>
-        <p:pic>
-          <p:nvPicPr>
-            <p:cNvPr id="8" name="Picture 7"/>
-            <p:cNvPicPr>
-              <a:picLocks noChangeAspect="1"/>
-            </p:cNvPicPr>
-            <p:nvPr/>
-          </p:nvPicPr>
-          <p:blipFill>
-            <a:blip r:embed="rId3"/>
-            <a:stretch>
-              <a:fillRect/>
-            </a:stretch>
-          </p:blipFill>
-          <p:spPr>
-            <a:xfrm>
-              <a:off x="6435999" y="2443850"/>
-              <a:ext cx="1876425" cy="609600"/>
-            </a:xfrm>
-            <a:prstGeom prst="rect">
-              <a:avLst/>
-            </a:prstGeom>
-            <a:grpFill/>
-          </p:spPr>
-        </p:pic>
-      </p:grpSp>
-      <p:grpSp>
-        <p:nvGrpSpPr>
-          <p:cNvPr id="10" name="Group 9"/>
-          <p:cNvGrpSpPr/>
-          <p:nvPr/>
-        </p:nvGrpSpPr>
-        <p:grpSpPr>
-          <a:xfrm>
-            <a:off x="3563646" y="4916775"/>
-            <a:ext cx="2638269" cy="2038662"/>
-            <a:chOff x="3104255" y="4916775"/>
-            <a:chExt cx="2638269" cy="2038662"/>
-          </a:xfrm>
-          <a:solidFill>
-            <a:schemeClr val="tx1"/>
-          </a:solidFill>
-        </p:grpSpPr>
-        <p:sp>
-          <p:nvSpPr>
-            <p:cNvPr id="3" name="Cloud 2"/>
-            <p:cNvSpPr/>
-            <p:nvPr/>
-          </p:nvSpPr>
-          <p:spPr>
-            <a:xfrm>
-              <a:off x="3104255" y="4916775"/>
-              <a:ext cx="2638269" cy="2038662"/>
-            </a:xfrm>
-            <a:prstGeom prst="cloud">
-              <a:avLst/>
-            </a:prstGeom>
-            <a:grpFill/>
-          </p:spPr>
-          <p:style>
-            <a:lnRef idx="2">
-              <a:schemeClr val="accent1">
-                <a:shade val="50000"/>
-              </a:schemeClr>
-            </a:lnRef>
-            <a:fillRef idx="1">
-              <a:schemeClr val="accent1"/>
-            </a:fillRef>
-            <a:effectRef idx="0">
-              <a:schemeClr val="accent1"/>
-            </a:effectRef>
-            <a:fontRef idx="minor">
-              <a:schemeClr val="lt1"/>
-            </a:fontRef>
-          </p:style>
-          <p:txBody>
-            <a:bodyPr rtlCol="0" anchor="ctr"/>
-            <a:lstStyle/>
-            <a:p>
-              <a:pPr algn="ctr"/>
-              <a:endParaRPr lang="en-US"/>
-            </a:p>
-          </p:txBody>
-        </p:sp>
-        <p:pic>
-          <p:nvPicPr>
-            <p:cNvPr id="9" name="Picture 8"/>
-            <p:cNvPicPr>
-              <a:picLocks noChangeAspect="1"/>
-            </p:cNvPicPr>
-            <p:nvPr/>
-          </p:nvPicPr>
-          <p:blipFill>
-            <a:blip r:embed="rId4"/>
-            <a:stretch>
-              <a:fillRect/>
-            </a:stretch>
-          </p:blipFill>
-          <p:spPr>
-            <a:xfrm>
-              <a:off x="3418503" y="5530434"/>
-              <a:ext cx="2009775" cy="590550"/>
-            </a:xfrm>
-            <a:prstGeom prst="rect">
-              <a:avLst/>
-            </a:prstGeom>
-            <a:grpFill/>
-          </p:spPr>
-        </p:pic>
-      </p:grpSp>
-      <p:grpSp>
-        <p:nvGrpSpPr>
-          <p:cNvPr id="14" name="Group 13"/>
-          <p:cNvGrpSpPr/>
-          <p:nvPr/>
-        </p:nvGrpSpPr>
-        <p:grpSpPr>
-          <a:xfrm>
-            <a:off x="6993290" y="4916775"/>
-            <a:ext cx="2638269" cy="2038662"/>
-            <a:chOff x="6993290" y="4916775"/>
-            <a:chExt cx="2638269" cy="2038662"/>
-          </a:xfrm>
-          <a:solidFill>
-            <a:schemeClr val="tx1"/>
-          </a:solidFill>
-        </p:grpSpPr>
-        <p:sp>
-          <p:nvSpPr>
-            <p:cNvPr id="5" name="Cloud 4"/>
-            <p:cNvSpPr/>
-            <p:nvPr/>
-          </p:nvSpPr>
-          <p:spPr>
-            <a:xfrm>
-              <a:off x="6993290" y="4916775"/>
-              <a:ext cx="2638269" cy="2038662"/>
-            </a:xfrm>
-            <a:prstGeom prst="cloud">
-              <a:avLst/>
-            </a:prstGeom>
-            <a:grpFill/>
-          </p:spPr>
-          <p:style>
-            <a:lnRef idx="2">
-              <a:schemeClr val="accent1">
-                <a:shade val="50000"/>
-              </a:schemeClr>
-            </a:lnRef>
-            <a:fillRef idx="1">
-              <a:schemeClr val="accent1"/>
-            </a:fillRef>
-            <a:effectRef idx="0">
-              <a:schemeClr val="accent1"/>
-            </a:effectRef>
-            <a:fontRef idx="minor">
-              <a:schemeClr val="lt1"/>
-            </a:fontRef>
-          </p:style>
-          <p:txBody>
-            <a:bodyPr rtlCol="0" anchor="ctr"/>
-            <a:lstStyle/>
-            <a:p>
-              <a:pPr algn="ctr"/>
-              <a:endParaRPr lang="en-US"/>
-            </a:p>
-          </p:txBody>
-        </p:sp>
-        <p:pic>
-          <p:nvPicPr>
-            <p:cNvPr id="13" name="Picture 12"/>
-            <p:cNvPicPr>
-              <a:picLocks noChangeAspect="1"/>
-            </p:cNvPicPr>
-            <p:nvPr/>
-          </p:nvPicPr>
-          <p:blipFill>
-            <a:blip r:embed="rId5"/>
-            <a:stretch>
-              <a:fillRect/>
-            </a:stretch>
-          </p:blipFill>
-          <p:spPr>
-            <a:xfrm>
-              <a:off x="7066289" y="5628445"/>
-              <a:ext cx="2565270" cy="583886"/>
-            </a:xfrm>
-            <a:prstGeom prst="rect">
-              <a:avLst/>
-            </a:prstGeom>
-            <a:grpFill/>
-          </p:spPr>
-        </p:pic>
-      </p:grpSp>
-      <p:pic>
-        <p:nvPicPr>
-          <p:cNvPr id="16" name="Picture 15"/>
-          <p:cNvPicPr>
-            <a:picLocks noChangeAspect="1"/>
-          </p:cNvPicPr>
-          <p:nvPr/>
-        </p:nvPicPr>
-        <p:blipFill>
-          <a:blip r:embed="rId6">
-            <a:extLst>
-              <a:ext uri="{28A0092B-C50C-407E-A947-70E740481C1C}">
-                <a14:useLocalDpi xmlns:a14="http://schemas.microsoft.com/office/drawing/2010/main" val="0"/>
-              </a:ext>
-            </a:extLst>
-          </a:blip>
-          <a:stretch>
-            <a:fillRect/>
-          </a:stretch>
-        </p:blipFill>
-        <p:spPr>
-          <a:xfrm>
-            <a:off x="714258" y="1864443"/>
-            <a:ext cx="1755738" cy="1755738"/>
-          </a:xfrm>
-          <a:prstGeom prst="rect">
-            <a:avLst/>
-          </a:prstGeom>
-        </p:spPr>
-      </p:pic>
-      <p:sp>
-        <p:nvSpPr>
-          <p:cNvPr id="17" name="Rounded Rectangle 16"/>
-          <p:cNvSpPr/>
-          <p:nvPr/>
-        </p:nvSpPr>
-        <p:spPr>
-          <a:xfrm>
-            <a:off x="2947131" y="2990194"/>
-            <a:ext cx="2727025" cy="982199"/>
-          </a:xfrm>
-          <a:prstGeom prst="roundRect">
-            <a:avLst/>
-          </a:prstGeom>
-        </p:spPr>
-        <p:style>
-          <a:lnRef idx="2">
-            <a:schemeClr val="accent1">
-              <a:shade val="50000"/>
-            </a:schemeClr>
-          </a:lnRef>
-          <a:fillRef idx="1">
-            <a:schemeClr val="accent1"/>
-          </a:fillRef>
-          <a:effectRef idx="0">
-            <a:schemeClr val="accent1"/>
-          </a:effectRef>
-          <a:fontRef idx="minor">
-            <a:schemeClr val="lt1"/>
-          </a:fontRef>
-        </p:style>
-        <p:txBody>
-          <a:bodyPr rtlCol="0" anchor="ctr"/>
-          <a:lstStyle/>
-          <a:p>
-            <a:pPr algn="ctr"/>
-            <a:r>
-              <a:rPr lang="en-US" dirty="0" smtClean="0"/>
-              <a:t>Docker Client</a:t>
-            </a:r>
-            <a:endParaRPr lang="en-US" dirty="0"/>
-          </a:p>
-        </p:txBody>
-      </p:sp>
-      <p:cxnSp>
-        <p:nvCxnSpPr>
-          <p:cNvPr id="19" name="Straight Arrow Connector 18"/>
-          <p:cNvCxnSpPr>
-            <a:stCxn id="17" idx="3"/>
-          </p:cNvCxnSpPr>
-          <p:nvPr/>
-        </p:nvCxnSpPr>
-        <p:spPr>
-          <a:xfrm>
-            <a:off x="5674156" y="3481294"/>
-            <a:ext cx="1392133" cy="26404"/>
-          </a:xfrm>
-          <a:prstGeom prst="straightConnector1">
-            <a:avLst/>
-          </a:prstGeom>
-          <a:ln>
-            <a:tailEnd type="triangle"/>
-          </a:ln>
-        </p:spPr>
-        <p:style>
-          <a:lnRef idx="3">
-            <a:schemeClr val="accent1"/>
-          </a:lnRef>
-          <a:fillRef idx="0">
-            <a:schemeClr val="accent1"/>
-          </a:fillRef>
-          <a:effectRef idx="2">
-            <a:schemeClr val="accent1"/>
-          </a:effectRef>
-          <a:fontRef idx="minor">
-            <a:schemeClr val="tx1"/>
-          </a:fontRef>
-        </p:style>
-      </p:cxnSp>
-      <p:cxnSp>
-        <p:nvCxnSpPr>
-          <p:cNvPr id="21" name="Straight Arrow Connector 20"/>
-          <p:cNvCxnSpPr>
-            <a:stCxn id="17" idx="3"/>
-          </p:cNvCxnSpPr>
-          <p:nvPr/>
-        </p:nvCxnSpPr>
-        <p:spPr>
-          <a:xfrm>
-            <a:off x="5674156" y="3481294"/>
-            <a:ext cx="1775955" cy="1680103"/>
-          </a:xfrm>
-          <a:prstGeom prst="straightConnector1">
-            <a:avLst/>
-          </a:prstGeom>
-          <a:ln>
-            <a:tailEnd type="triangle"/>
-          </a:ln>
-        </p:spPr>
-        <p:style>
-          <a:lnRef idx="3">
-            <a:schemeClr val="accent1"/>
-          </a:lnRef>
-          <a:fillRef idx="0">
-            <a:schemeClr val="accent1"/>
-          </a:fillRef>
-          <a:effectRef idx="2">
-            <a:schemeClr val="accent1"/>
-          </a:effectRef>
-          <a:fontRef idx="minor">
-            <a:schemeClr val="tx1"/>
-          </a:fontRef>
-        </p:style>
-      </p:cxnSp>
-      <p:cxnSp>
-        <p:nvCxnSpPr>
-          <p:cNvPr id="23" name="Straight Arrow Connector 22"/>
-          <p:cNvCxnSpPr>
-            <a:stCxn id="17" idx="2"/>
-            <a:endCxn id="3" idx="3"/>
-          </p:cNvCxnSpPr>
-          <p:nvPr/>
-        </p:nvCxnSpPr>
-        <p:spPr>
-          <a:xfrm>
-            <a:off x="4310644" y="3972393"/>
-            <a:ext cx="572137" cy="1060944"/>
-          </a:xfrm>
-          <a:prstGeom prst="straightConnector1">
-            <a:avLst/>
-          </a:prstGeom>
-          <a:ln>
-            <a:tailEnd type="triangle"/>
-          </a:ln>
-        </p:spPr>
-        <p:style>
-          <a:lnRef idx="3">
-            <a:schemeClr val="accent1"/>
-          </a:lnRef>
-          <a:fillRef idx="0">
-            <a:schemeClr val="accent1"/>
-          </a:fillRef>
-          <a:effectRef idx="2">
-            <a:schemeClr val="accent1"/>
-          </a:effectRef>
-          <a:fontRef idx="minor">
-            <a:schemeClr val="tx1"/>
-          </a:fontRef>
-        </p:style>
-      </p:cxnSp>
-      <p:cxnSp>
-        <p:nvCxnSpPr>
-          <p:cNvPr id="25" name="Straight Arrow Connector 24"/>
-          <p:cNvCxnSpPr>
-            <a:stCxn id="17" idx="2"/>
-            <a:endCxn id="6" idx="3"/>
-          </p:cNvCxnSpPr>
-          <p:nvPr/>
-        </p:nvCxnSpPr>
-        <p:spPr>
-          <a:xfrm flipH="1">
-            <a:off x="1627997" y="3972393"/>
-            <a:ext cx="2682647" cy="1060944"/>
-          </a:xfrm>
-          <a:prstGeom prst="straightConnector1">
-            <a:avLst/>
-          </a:prstGeom>
-          <a:ln>
-            <a:tailEnd type="triangle"/>
-          </a:ln>
-        </p:spPr>
-        <p:style>
-          <a:lnRef idx="3">
-            <a:schemeClr val="accent1"/>
-          </a:lnRef>
-          <a:fillRef idx="0">
-            <a:schemeClr val="accent1"/>
-          </a:fillRef>
-          <a:effectRef idx="2">
-            <a:schemeClr val="accent1"/>
-          </a:effectRef>
-          <a:fontRef idx="minor">
-            <a:schemeClr val="tx1"/>
-          </a:fontRef>
-        </p:style>
-      </p:cxnSp>
-      <p:cxnSp>
-        <p:nvCxnSpPr>
-          <p:cNvPr id="27" name="Straight Arrow Connector 26"/>
-          <p:cNvCxnSpPr>
-            <a:stCxn id="16" idx="3"/>
-          </p:cNvCxnSpPr>
-          <p:nvPr/>
-        </p:nvCxnSpPr>
-        <p:spPr>
-          <a:xfrm>
-            <a:off x="2469996" y="2742312"/>
-            <a:ext cx="477135" cy="247882"/>
-          </a:xfrm>
-          <a:prstGeom prst="straightConnector1">
-            <a:avLst/>
-          </a:prstGeom>
-          <a:ln>
-            <a:tailEnd type="triangle"/>
-          </a:ln>
-        </p:spPr>
-        <p:style>
-          <a:lnRef idx="3">
-            <a:schemeClr val="accent1"/>
-          </a:lnRef>
-          <a:fillRef idx="0">
-            <a:schemeClr val="accent1"/>
-          </a:fillRef>
-          <a:effectRef idx="2">
-            <a:schemeClr val="accent1"/>
-          </a:effectRef>
-          <a:fontRef idx="minor">
-            <a:schemeClr val="tx1"/>
-          </a:fontRef>
-        </p:style>
-      </p:cxnSp>
-    </p:spTree>
-    <p:extLst>
-      <p:ext uri="{BB962C8B-B14F-4D97-AF65-F5344CB8AC3E}">
-        <p14:creationId xmlns:p14="http://schemas.microsoft.com/office/powerpoint/2010/main" val="4177043815"/>
-      </p:ext>
-    </p:extLst>
-  </p:cSld>
-  <p:clrMapOvr>
-    <a:masterClrMapping/>
-  </p:clrMapOvr>
-  <mc:AlternateContent xmlns:mc="http://schemas.openxmlformats.org/markup-compatibility/2006">
-    <mc:Choice xmlns:p14="http://schemas.microsoft.com/office/powerpoint/2010/main" Requires="p14">
-      <p:transition spd="med" p14:dur="700">
-        <p:fade/>
-      </p:transition>
-    </mc:Choice>
-    <mc:Fallback>
-      <p:transition spd="med">
-        <p:fade/>
-      </p:transition>
-    </mc:Fallback>
-  </mc:AlternateContent>
-  <p:timing>
-    <p:tnLst>
-      <p:par>
-        <p:cTn id="1" dur="indefinite" restart="never" nodeType="tmRoot"/>
-      </p:par>
-    </p:tnLst>
-  </p:timing>
-</p:sld>
-</file>
-
-<file path=ppt/slides/slide14.xml><?xml version="1.0" encoding="utf-8"?>
-<p:sld xmlns:a="http://schemas.openxmlformats.org/drawingml/2006/main" xmlns:r="http://schemas.openxmlformats.org/officeDocument/2006/relationships" xmlns:p="http://schemas.openxmlformats.org/presentationml/2006/main">
-  <p:cSld>
-    <p:spTree>
-      <p:nvGrpSpPr>
-        <p:cNvPr id="1" name=""/>
-        <p:cNvGrpSpPr/>
-        <p:nvPr/>
-      </p:nvGrpSpPr>
-      <p:grpSpPr>
-        <a:xfrm>
-          <a:off x="0" y="0"/>
-          <a:ext cx="0" cy="0"/>
-          <a:chOff x="0" y="0"/>
-          <a:chExt cx="0" cy="0"/>
-        </a:xfrm>
-      </p:grpSpPr>
-      <p:sp>
-        <p:nvSpPr>
-          <p:cNvPr id="2" name="Title 1"/>
-          <p:cNvSpPr>
-            <a:spLocks noGrp="1"/>
-          </p:cNvSpPr>
-          <p:nvPr>
-            <p:ph type="title"/>
-          </p:nvPr>
-        </p:nvSpPr>
-        <p:spPr/>
-        <p:txBody>
-          <a:bodyPr/>
-          <a:lstStyle/>
-          <a:p>
-            <a:r>
-              <a:rPr lang="en-US" dirty="0" smtClean="0"/>
-              <a:t>Point: The Clouds are one big machine</a:t>
-            </a:r>
-            <a:endParaRPr lang="en-US" dirty="0"/>
-          </a:p>
-        </p:txBody>
-      </p:sp>
-      <p:grpSp>
-        <p:nvGrpSpPr>
-          <p:cNvPr id="11" name="Group 10"/>
-          <p:cNvGrpSpPr/>
-          <p:nvPr/>
-        </p:nvGrpSpPr>
-        <p:grpSpPr>
-          <a:xfrm>
-            <a:off x="5348122" y="5888853"/>
-            <a:ext cx="1710499" cy="1334124"/>
-            <a:chOff x="1154242" y="2698230"/>
-            <a:chExt cx="2638269" cy="2038662"/>
-          </a:xfrm>
-          <a:solidFill>
-            <a:schemeClr val="tx1"/>
-          </a:solidFill>
-        </p:grpSpPr>
-        <p:sp>
-          <p:nvSpPr>
-            <p:cNvPr id="6" name="Cloud 5"/>
-            <p:cNvSpPr/>
-            <p:nvPr/>
-          </p:nvSpPr>
-          <p:spPr>
-            <a:xfrm>
-              <a:off x="1154242" y="2698230"/>
-              <a:ext cx="2638269" cy="2038662"/>
-            </a:xfrm>
-            <a:prstGeom prst="cloud">
-              <a:avLst/>
-            </a:prstGeom>
-            <a:grpFill/>
-          </p:spPr>
-          <p:style>
-            <a:lnRef idx="2">
-              <a:schemeClr val="accent1">
-                <a:shade val="50000"/>
-              </a:schemeClr>
-            </a:lnRef>
-            <a:fillRef idx="1">
-              <a:schemeClr val="accent1"/>
-            </a:fillRef>
-            <a:effectRef idx="0">
-              <a:schemeClr val="accent1"/>
-            </a:effectRef>
-            <a:fontRef idx="minor">
-              <a:schemeClr val="lt1"/>
-            </a:fontRef>
-          </p:style>
-          <p:txBody>
-            <a:bodyPr rtlCol="0" anchor="ctr"/>
-            <a:lstStyle/>
-            <a:p>
-              <a:pPr algn="ctr"/>
-              <a:endParaRPr lang="en-US"/>
-            </a:p>
-          </p:txBody>
-        </p:sp>
-        <p:pic>
-          <p:nvPicPr>
-            <p:cNvPr id="7" name="Picture 6"/>
-            <p:cNvPicPr>
-              <a:picLocks noChangeAspect="1"/>
-            </p:cNvPicPr>
-            <p:nvPr/>
-          </p:nvPicPr>
-          <p:blipFill>
-            <a:blip r:embed="rId2"/>
-            <a:stretch>
-              <a:fillRect/>
-            </a:stretch>
-          </p:blipFill>
-          <p:spPr>
-            <a:xfrm>
-              <a:off x="1770757" y="3441336"/>
-              <a:ext cx="1333500" cy="552450"/>
-            </a:xfrm>
-            <a:prstGeom prst="rect">
-              <a:avLst/>
-            </a:prstGeom>
-            <a:grpFill/>
-          </p:spPr>
-        </p:pic>
-      </p:grpSp>
-      <p:grpSp>
-        <p:nvGrpSpPr>
-          <p:cNvPr id="12" name="Group 11"/>
-          <p:cNvGrpSpPr/>
-          <p:nvPr/>
-        </p:nvGrpSpPr>
-        <p:grpSpPr>
-          <a:xfrm>
-            <a:off x="5419783" y="1418225"/>
-            <a:ext cx="1301647" cy="1069394"/>
-            <a:chOff x="6103495" y="1801319"/>
-            <a:chExt cx="2638269" cy="2038662"/>
-          </a:xfrm>
-          <a:solidFill>
-            <a:schemeClr val="tx1"/>
-          </a:solidFill>
-        </p:grpSpPr>
-        <p:sp>
-          <p:nvSpPr>
-            <p:cNvPr id="4" name="Cloud 3"/>
-            <p:cNvSpPr/>
-            <p:nvPr/>
-          </p:nvSpPr>
-          <p:spPr>
-            <a:xfrm>
-              <a:off x="6103495" y="1801319"/>
-              <a:ext cx="2638269" cy="2038662"/>
-            </a:xfrm>
-            <a:prstGeom prst="cloud">
-              <a:avLst/>
-            </a:prstGeom>
-            <a:grpFill/>
-          </p:spPr>
-          <p:style>
-            <a:lnRef idx="2">
-              <a:schemeClr val="accent1">
-                <a:shade val="50000"/>
-              </a:schemeClr>
-            </a:lnRef>
-            <a:fillRef idx="1">
-              <a:schemeClr val="accent1"/>
-            </a:fillRef>
-            <a:effectRef idx="0">
-              <a:schemeClr val="accent1"/>
-            </a:effectRef>
-            <a:fontRef idx="minor">
-              <a:schemeClr val="lt1"/>
-            </a:fontRef>
-          </p:style>
-          <p:txBody>
-            <a:bodyPr rtlCol="0" anchor="ctr"/>
-            <a:lstStyle/>
-            <a:p>
-              <a:pPr algn="ctr"/>
-              <a:endParaRPr lang="en-US"/>
-            </a:p>
-          </p:txBody>
-        </p:sp>
-        <p:pic>
-          <p:nvPicPr>
-            <p:cNvPr id="8" name="Picture 7"/>
-            <p:cNvPicPr>
-              <a:picLocks noChangeAspect="1"/>
-            </p:cNvPicPr>
-            <p:nvPr/>
-          </p:nvPicPr>
-          <p:blipFill>
-            <a:blip r:embed="rId3"/>
-            <a:stretch>
-              <a:fillRect/>
-            </a:stretch>
-          </p:blipFill>
-          <p:spPr>
-            <a:xfrm>
-              <a:off x="6435999" y="2443850"/>
-              <a:ext cx="1876425" cy="609600"/>
-            </a:xfrm>
-            <a:prstGeom prst="rect">
-              <a:avLst/>
-            </a:prstGeom>
-            <a:grpFill/>
-          </p:spPr>
-        </p:pic>
-      </p:grpSp>
-      <p:grpSp>
-        <p:nvGrpSpPr>
-          <p:cNvPr id="10" name="Group 9"/>
-          <p:cNvGrpSpPr/>
-          <p:nvPr/>
-        </p:nvGrpSpPr>
-        <p:grpSpPr>
-          <a:xfrm>
-            <a:off x="5306575" y="4342754"/>
-            <a:ext cx="1522138" cy="1191106"/>
-            <a:chOff x="3104255" y="4916775"/>
-            <a:chExt cx="2638269" cy="2038662"/>
-          </a:xfrm>
-          <a:solidFill>
-            <a:schemeClr val="tx1"/>
-          </a:solidFill>
-        </p:grpSpPr>
-        <p:sp>
-          <p:nvSpPr>
-            <p:cNvPr id="3" name="Cloud 2"/>
-            <p:cNvSpPr/>
-            <p:nvPr/>
-          </p:nvSpPr>
-          <p:spPr>
-            <a:xfrm>
-              <a:off x="3104255" y="4916775"/>
-              <a:ext cx="2638269" cy="2038662"/>
-            </a:xfrm>
-            <a:prstGeom prst="cloud">
-              <a:avLst/>
-            </a:prstGeom>
-            <a:grpFill/>
-          </p:spPr>
-          <p:style>
-            <a:lnRef idx="2">
-              <a:schemeClr val="accent1">
-                <a:shade val="50000"/>
-              </a:schemeClr>
-            </a:lnRef>
-            <a:fillRef idx="1">
-              <a:schemeClr val="accent1"/>
-            </a:fillRef>
-            <a:effectRef idx="0">
-              <a:schemeClr val="accent1"/>
-            </a:effectRef>
-            <a:fontRef idx="minor">
-              <a:schemeClr val="lt1"/>
-            </a:fontRef>
-          </p:style>
-          <p:txBody>
-            <a:bodyPr rtlCol="0" anchor="ctr"/>
-            <a:lstStyle/>
-            <a:p>
-              <a:pPr algn="ctr"/>
-              <a:endParaRPr lang="en-US"/>
-            </a:p>
-          </p:txBody>
-        </p:sp>
-        <p:pic>
-          <p:nvPicPr>
-            <p:cNvPr id="9" name="Picture 8"/>
-            <p:cNvPicPr>
-              <a:picLocks noChangeAspect="1"/>
-            </p:cNvPicPr>
-            <p:nvPr/>
-          </p:nvPicPr>
-          <p:blipFill>
-            <a:blip r:embed="rId4"/>
-            <a:stretch>
-              <a:fillRect/>
-            </a:stretch>
-          </p:blipFill>
-          <p:spPr>
-            <a:xfrm>
-              <a:off x="3418503" y="5530434"/>
-              <a:ext cx="2009775" cy="590550"/>
-            </a:xfrm>
-            <a:prstGeom prst="rect">
-              <a:avLst/>
-            </a:prstGeom>
-            <a:grpFill/>
-          </p:spPr>
-        </p:pic>
-      </p:grpSp>
-      <p:grpSp>
-        <p:nvGrpSpPr>
-          <p:cNvPr id="14" name="Group 13"/>
-          <p:cNvGrpSpPr/>
-          <p:nvPr/>
-        </p:nvGrpSpPr>
-        <p:grpSpPr>
-          <a:xfrm>
-            <a:off x="5306575" y="2821349"/>
-            <a:ext cx="1501560" cy="1166412"/>
-            <a:chOff x="6993290" y="4916775"/>
-            <a:chExt cx="2638269" cy="2038662"/>
-          </a:xfrm>
-          <a:solidFill>
-            <a:schemeClr val="tx1"/>
-          </a:solidFill>
-        </p:grpSpPr>
-        <p:sp>
-          <p:nvSpPr>
-            <p:cNvPr id="5" name="Cloud 4"/>
-            <p:cNvSpPr/>
-            <p:nvPr/>
-          </p:nvSpPr>
-          <p:spPr>
-            <a:xfrm>
-              <a:off x="6993290" y="4916775"/>
-              <a:ext cx="2638269" cy="2038662"/>
-            </a:xfrm>
-            <a:prstGeom prst="cloud">
-              <a:avLst/>
-            </a:prstGeom>
-            <a:grpFill/>
-          </p:spPr>
-          <p:style>
-            <a:lnRef idx="2">
-              <a:schemeClr val="accent1">
-                <a:shade val="50000"/>
-              </a:schemeClr>
-            </a:lnRef>
-            <a:fillRef idx="1">
-              <a:schemeClr val="accent1"/>
-            </a:fillRef>
-            <a:effectRef idx="0">
-              <a:schemeClr val="accent1"/>
-            </a:effectRef>
-            <a:fontRef idx="minor">
-              <a:schemeClr val="lt1"/>
-            </a:fontRef>
-          </p:style>
-          <p:txBody>
-            <a:bodyPr rtlCol="0" anchor="ctr"/>
-            <a:lstStyle/>
-            <a:p>
-              <a:pPr algn="ctr"/>
-              <a:endParaRPr lang="en-US"/>
-            </a:p>
-          </p:txBody>
-        </p:sp>
-        <p:pic>
-          <p:nvPicPr>
-            <p:cNvPr id="13" name="Picture 12"/>
-            <p:cNvPicPr>
-              <a:picLocks noChangeAspect="1"/>
-            </p:cNvPicPr>
-            <p:nvPr/>
-          </p:nvPicPr>
-          <p:blipFill>
-            <a:blip r:embed="rId5"/>
-            <a:stretch>
-              <a:fillRect/>
-            </a:stretch>
-          </p:blipFill>
-          <p:spPr>
-            <a:xfrm>
-              <a:off x="7066289" y="5628445"/>
-              <a:ext cx="2565270" cy="583886"/>
-            </a:xfrm>
-            <a:prstGeom prst="rect">
-              <a:avLst/>
-            </a:prstGeom>
-            <a:grpFill/>
-          </p:spPr>
-        </p:pic>
-      </p:grpSp>
-      <p:pic>
-        <p:nvPicPr>
-          <p:cNvPr id="16" name="Picture 15"/>
-          <p:cNvPicPr>
-            <a:picLocks noChangeAspect="1"/>
-          </p:cNvPicPr>
-          <p:nvPr/>
-        </p:nvPicPr>
-        <p:blipFill>
-          <a:blip r:embed="rId6">
-            <a:extLst>
-              <a:ext uri="{28A0092B-C50C-407E-A947-70E740481C1C}">
-                <a14:useLocalDpi xmlns:a14="http://schemas.microsoft.com/office/drawing/2010/main" val="0"/>
-              </a:ext>
-            </a:extLst>
-          </a:blip>
-          <a:stretch>
-            <a:fillRect/>
-          </a:stretch>
-        </p:blipFill>
-        <p:spPr>
-          <a:xfrm>
-            <a:off x="714258" y="1864443"/>
-            <a:ext cx="1755738" cy="1755738"/>
-          </a:xfrm>
-          <a:prstGeom prst="rect">
-            <a:avLst/>
-          </a:prstGeom>
-        </p:spPr>
-      </p:pic>
-      <p:sp>
-        <p:nvSpPr>
-          <p:cNvPr id="17" name="Rounded Rectangle 16"/>
-          <p:cNvSpPr/>
-          <p:nvPr/>
-        </p:nvSpPr>
-        <p:spPr>
-          <a:xfrm>
-            <a:off x="534359" y="4163249"/>
-            <a:ext cx="2727025" cy="982199"/>
-          </a:xfrm>
-          <a:prstGeom prst="roundRect">
-            <a:avLst/>
-          </a:prstGeom>
-        </p:spPr>
-        <p:style>
-          <a:lnRef idx="2">
-            <a:schemeClr val="accent1">
-              <a:shade val="50000"/>
-            </a:schemeClr>
-          </a:lnRef>
-          <a:fillRef idx="1">
-            <a:schemeClr val="accent1"/>
-          </a:fillRef>
-          <a:effectRef idx="0">
-            <a:schemeClr val="accent1"/>
-          </a:effectRef>
-          <a:fontRef idx="minor">
-            <a:schemeClr val="lt1"/>
-          </a:fontRef>
-        </p:style>
-        <p:txBody>
-          <a:bodyPr rtlCol="0" anchor="ctr"/>
-          <a:lstStyle/>
-          <a:p>
-            <a:pPr algn="ctr"/>
-            <a:r>
-              <a:rPr lang="en-US" dirty="0" smtClean="0"/>
-              <a:t>Docker Client</a:t>
-            </a:r>
-            <a:endParaRPr lang="en-US" dirty="0"/>
-          </a:p>
-        </p:txBody>
-      </p:sp>
-      <p:cxnSp>
-        <p:nvCxnSpPr>
-          <p:cNvPr id="19" name="Straight Arrow Connector 18"/>
-          <p:cNvCxnSpPr>
-            <a:stCxn id="17" idx="3"/>
-            <a:endCxn id="5" idx="2"/>
-          </p:cNvCxnSpPr>
-          <p:nvPr/>
-        </p:nvCxnSpPr>
-        <p:spPr>
-          <a:xfrm flipV="1">
-            <a:off x="3261384" y="3404555"/>
-            <a:ext cx="2049849" cy="1249794"/>
-          </a:xfrm>
-          <a:prstGeom prst="straightConnector1">
-            <a:avLst/>
-          </a:prstGeom>
-          <a:ln>
-            <a:tailEnd type="triangle"/>
-          </a:ln>
-        </p:spPr>
-        <p:style>
-          <a:lnRef idx="3">
-            <a:schemeClr val="accent1"/>
-          </a:lnRef>
-          <a:fillRef idx="0">
-            <a:schemeClr val="accent1"/>
-          </a:fillRef>
-          <a:effectRef idx="2">
-            <a:schemeClr val="accent1"/>
-          </a:effectRef>
-          <a:fontRef idx="minor">
-            <a:schemeClr val="tx1"/>
-          </a:fontRef>
-        </p:style>
-      </p:cxnSp>
-      <p:cxnSp>
-        <p:nvCxnSpPr>
-          <p:cNvPr id="21" name="Straight Arrow Connector 20"/>
-          <p:cNvCxnSpPr>
-            <a:stCxn id="17" idx="3"/>
-            <a:endCxn id="3" idx="2"/>
-          </p:cNvCxnSpPr>
-          <p:nvPr/>
-        </p:nvCxnSpPr>
-        <p:spPr>
-          <a:xfrm>
-            <a:off x="3261384" y="4654349"/>
-            <a:ext cx="2049912" cy="283958"/>
-          </a:xfrm>
-          <a:prstGeom prst="straightConnector1">
-            <a:avLst/>
-          </a:prstGeom>
-          <a:ln>
-            <a:tailEnd type="triangle"/>
-          </a:ln>
-        </p:spPr>
-        <p:style>
-          <a:lnRef idx="3">
-            <a:schemeClr val="accent1"/>
-          </a:lnRef>
-          <a:fillRef idx="0">
-            <a:schemeClr val="accent1"/>
-          </a:fillRef>
-          <a:effectRef idx="2">
-            <a:schemeClr val="accent1"/>
-          </a:effectRef>
-          <a:fontRef idx="minor">
-            <a:schemeClr val="tx1"/>
-          </a:fontRef>
-        </p:style>
-      </p:cxnSp>
-      <p:cxnSp>
-        <p:nvCxnSpPr>
-          <p:cNvPr id="23" name="Straight Arrow Connector 22"/>
-          <p:cNvCxnSpPr>
-            <a:stCxn id="17" idx="3"/>
-            <a:endCxn id="4" idx="2"/>
-          </p:cNvCxnSpPr>
-          <p:nvPr/>
-        </p:nvCxnSpPr>
-        <p:spPr>
-          <a:xfrm flipV="1">
-            <a:off x="3261384" y="1952922"/>
-            <a:ext cx="2162437" cy="2701427"/>
-          </a:xfrm>
-          <a:prstGeom prst="straightConnector1">
-            <a:avLst/>
-          </a:prstGeom>
-          <a:ln>
-            <a:tailEnd type="triangle"/>
-          </a:ln>
-        </p:spPr>
-        <p:style>
-          <a:lnRef idx="3">
-            <a:schemeClr val="accent1"/>
-          </a:lnRef>
-          <a:fillRef idx="0">
-            <a:schemeClr val="accent1"/>
-          </a:fillRef>
-          <a:effectRef idx="2">
-            <a:schemeClr val="accent1"/>
-          </a:effectRef>
-          <a:fontRef idx="minor">
-            <a:schemeClr val="tx1"/>
-          </a:fontRef>
-        </p:style>
-      </p:cxnSp>
-      <p:cxnSp>
-        <p:nvCxnSpPr>
-          <p:cNvPr id="25" name="Straight Arrow Connector 24"/>
-          <p:cNvCxnSpPr>
-            <a:stCxn id="17" idx="3"/>
-            <a:endCxn id="6" idx="3"/>
-          </p:cNvCxnSpPr>
-          <p:nvPr/>
-        </p:nvCxnSpPr>
-        <p:spPr>
-          <a:xfrm>
-            <a:off x="3261384" y="4654349"/>
-            <a:ext cx="2941988" cy="1310784"/>
-          </a:xfrm>
-          <a:prstGeom prst="straightConnector1">
-            <a:avLst/>
-          </a:prstGeom>
-          <a:ln>
-            <a:tailEnd type="triangle"/>
-          </a:ln>
-        </p:spPr>
-        <p:style>
-          <a:lnRef idx="3">
-            <a:schemeClr val="accent1"/>
-          </a:lnRef>
-          <a:fillRef idx="0">
-            <a:schemeClr val="accent1"/>
-          </a:fillRef>
-          <a:effectRef idx="2">
-            <a:schemeClr val="accent1"/>
-          </a:effectRef>
-          <a:fontRef idx="minor">
-            <a:schemeClr val="tx1"/>
-          </a:fontRef>
-        </p:style>
-      </p:cxnSp>
-      <p:cxnSp>
-        <p:nvCxnSpPr>
-          <p:cNvPr id="27" name="Straight Arrow Connector 26"/>
-          <p:cNvCxnSpPr>
-            <a:stCxn id="16" idx="2"/>
-            <a:endCxn id="17" idx="0"/>
-          </p:cNvCxnSpPr>
-          <p:nvPr/>
-        </p:nvCxnSpPr>
-        <p:spPr>
-          <a:xfrm>
-            <a:off x="1592127" y="3620181"/>
-            <a:ext cx="305745" cy="543068"/>
-          </a:xfrm>
-          <a:prstGeom prst="straightConnector1">
-            <a:avLst/>
-          </a:prstGeom>
-          <a:ln>
-            <a:tailEnd type="triangle"/>
-          </a:ln>
-        </p:spPr>
-        <p:style>
-          <a:lnRef idx="3">
-            <a:schemeClr val="accent1"/>
-          </a:lnRef>
-          <a:fillRef idx="0">
-            <a:schemeClr val="accent1"/>
-          </a:fillRef>
-          <a:effectRef idx="2">
-            <a:schemeClr val="accent1"/>
-          </a:effectRef>
-          <a:fontRef idx="minor">
-            <a:schemeClr val="tx1"/>
-          </a:fontRef>
-        </p:style>
-      </p:cxnSp>
-      <p:pic>
-        <p:nvPicPr>
-          <p:cNvPr id="34" name="Picture 33"/>
-          <p:cNvPicPr>
-            <a:picLocks noChangeAspect="1"/>
-          </p:cNvPicPr>
-          <p:nvPr/>
-        </p:nvPicPr>
-        <p:blipFill>
-          <a:blip r:embed="rId7" cstate="print">
-            <a:extLst>
-              <a:ext uri="{28A0092B-C50C-407E-A947-70E740481C1C}">
-                <a14:useLocalDpi xmlns:a14="http://schemas.microsoft.com/office/drawing/2010/main" val="0"/>
-              </a:ext>
-            </a:extLst>
-          </a:blip>
-          <a:stretch>
-            <a:fillRect/>
-          </a:stretch>
-        </p:blipFill>
-        <p:spPr>
-          <a:xfrm>
-            <a:off x="7435291" y="2605317"/>
-            <a:ext cx="2209696" cy="1472762"/>
-          </a:xfrm>
-          <a:prstGeom prst="rect">
-            <a:avLst/>
-          </a:prstGeom>
-        </p:spPr>
-      </p:pic>
-      <p:cxnSp>
-        <p:nvCxnSpPr>
-          <p:cNvPr id="36" name="Straight Arrow Connector 35"/>
-          <p:cNvCxnSpPr>
-            <a:stCxn id="34" idx="1"/>
-            <a:endCxn id="13" idx="3"/>
-          </p:cNvCxnSpPr>
-          <p:nvPr/>
-        </p:nvCxnSpPr>
-        <p:spPr>
-          <a:xfrm flipH="1">
-            <a:off x="6808135" y="3341698"/>
-            <a:ext cx="627156" cy="53864"/>
-          </a:xfrm>
-          <a:prstGeom prst="straightConnector1">
-            <a:avLst/>
-          </a:prstGeom>
-          <a:ln>
-            <a:headEnd type="triangle"/>
-            <a:tailEnd type="triangle"/>
-          </a:ln>
-        </p:spPr>
-        <p:style>
-          <a:lnRef idx="3">
-            <a:schemeClr val="accent1"/>
-          </a:lnRef>
-          <a:fillRef idx="0">
-            <a:schemeClr val="accent1"/>
-          </a:fillRef>
-          <a:effectRef idx="2">
-            <a:schemeClr val="accent1"/>
-          </a:effectRef>
-          <a:fontRef idx="minor">
-            <a:schemeClr val="tx1"/>
-          </a:fontRef>
-        </p:style>
-      </p:cxnSp>
-      <p:sp>
-        <p:nvSpPr>
-          <p:cNvPr id="37" name="TextBox 36"/>
-          <p:cNvSpPr txBox="1"/>
-          <p:nvPr/>
-        </p:nvSpPr>
-        <p:spPr>
-          <a:xfrm>
-            <a:off x="7483332" y="4331958"/>
-            <a:ext cx="2113613" cy="369332"/>
-          </a:xfrm>
-          <a:prstGeom prst="rect">
-            <a:avLst/>
-          </a:prstGeom>
-          <a:noFill/>
-        </p:spPr>
-        <p:txBody>
-          <a:bodyPr wrap="square" rtlCol="0">
-            <a:spAutoFit/>
-          </a:bodyPr>
-          <a:lstStyle/>
-          <a:p>
-            <a:r>
-              <a:rPr lang="en-US" dirty="0" smtClean="0"/>
-              <a:t>Your own cloud</a:t>
-            </a:r>
-            <a:endParaRPr lang="en-US" dirty="0"/>
-          </a:p>
-        </p:txBody>
-      </p:sp>
-    </p:spTree>
-    <p:extLst>
-      <p:ext uri="{BB962C8B-B14F-4D97-AF65-F5344CB8AC3E}">
-        <p14:creationId xmlns:p14="http://schemas.microsoft.com/office/powerpoint/2010/main" val="559745585"/>
-      </p:ext>
-    </p:extLst>
-  </p:cSld>
-  <p:clrMapOvr>
-    <a:masterClrMapping/>
-  </p:clrMapOvr>
-  <mc:AlternateContent xmlns:mc="http://schemas.openxmlformats.org/markup-compatibility/2006">
-    <mc:Choice xmlns:p14="http://schemas.microsoft.com/office/powerpoint/2010/main" Requires="p14">
-      <p:transition spd="med" p14:dur="700">
-        <p:fade/>
-      </p:transition>
-    </mc:Choice>
-    <mc:Fallback>
-      <p:transition spd="med">
-        <p:fade/>
-      </p:transition>
-    </mc:Fallback>
-  </mc:AlternateContent>
-  <p:timing>
-    <p:tnLst>
-      <p:par>
-        <p:cTn id="1" dur="indefinite" restart="never" nodeType="tmRoot"/>
-      </p:par>
-    </p:tnLst>
-  </p:timing>
-</p:sld>
-</file>
-
-<file path=ppt/slides/slide15.xml><?xml version="1.0" encoding="utf-8"?>
-<p:sld xmlns:a="http://schemas.openxmlformats.org/drawingml/2006/main" xmlns:r="http://schemas.openxmlformats.org/officeDocument/2006/relationships" xmlns:p="http://schemas.openxmlformats.org/presentationml/2006/main">
-  <p:cSld>
-    <p:spTree>
-      <p:nvGrpSpPr>
-        <p:cNvPr id="1" name=""/>
-        <p:cNvGrpSpPr/>
-        <p:nvPr/>
-      </p:nvGrpSpPr>
-      <p:grpSpPr>
-        <a:xfrm>
-          <a:off x="0" y="0"/>
-          <a:ext cx="0" cy="0"/>
-          <a:chOff x="0" y="0"/>
-          <a:chExt cx="0" cy="0"/>
-        </a:xfrm>
-      </p:grpSpPr>
-      <p:sp>
-        <p:nvSpPr>
-          <p:cNvPr id="2" name="Title 1"/>
-          <p:cNvSpPr>
-            <a:spLocks noGrp="1"/>
-          </p:cNvSpPr>
-          <p:nvPr>
-            <p:ph type="title"/>
-          </p:nvPr>
-        </p:nvSpPr>
-        <p:spPr/>
-        <p:txBody>
-          <a:bodyPr/>
-          <a:lstStyle/>
-          <a:p>
-            <a:r>
-              <a:rPr lang="en-US" dirty="0" smtClean="0"/>
-              <a:t>Point: The </a:t>
-            </a:r>
-            <a:r>
-              <a:rPr lang="en-US" i="1" dirty="0" smtClean="0"/>
-              <a:t>machines</a:t>
-            </a:r>
-            <a:r>
-              <a:rPr lang="en-US" dirty="0" smtClean="0"/>
-              <a:t> are one big machine</a:t>
-            </a:r>
-            <a:endParaRPr lang="en-US" dirty="0"/>
-          </a:p>
-        </p:txBody>
-      </p:sp>
-      <p:grpSp>
-        <p:nvGrpSpPr>
-          <p:cNvPr id="11" name="Group 10"/>
-          <p:cNvGrpSpPr/>
-          <p:nvPr/>
-        </p:nvGrpSpPr>
-        <p:grpSpPr>
-          <a:xfrm>
-            <a:off x="5348122" y="5888853"/>
-            <a:ext cx="1710499" cy="1334124"/>
-            <a:chOff x="1154242" y="2698230"/>
-            <a:chExt cx="2638269" cy="2038662"/>
-          </a:xfrm>
-          <a:solidFill>
-            <a:schemeClr val="tx1"/>
-          </a:solidFill>
-        </p:grpSpPr>
-        <p:sp>
-          <p:nvSpPr>
-            <p:cNvPr id="6" name="Cloud 5"/>
-            <p:cNvSpPr/>
-            <p:nvPr/>
-          </p:nvSpPr>
-          <p:spPr>
-            <a:xfrm>
-              <a:off x="1154242" y="2698230"/>
-              <a:ext cx="2638269" cy="2038662"/>
-            </a:xfrm>
-            <a:prstGeom prst="cloud">
-              <a:avLst/>
-            </a:prstGeom>
-            <a:grpFill/>
-          </p:spPr>
-          <p:style>
-            <a:lnRef idx="2">
-              <a:schemeClr val="accent1">
-                <a:shade val="50000"/>
-              </a:schemeClr>
-            </a:lnRef>
-            <a:fillRef idx="1">
-              <a:schemeClr val="accent1"/>
-            </a:fillRef>
-            <a:effectRef idx="0">
-              <a:schemeClr val="accent1"/>
-            </a:effectRef>
-            <a:fontRef idx="minor">
-              <a:schemeClr val="lt1"/>
-            </a:fontRef>
-          </p:style>
-          <p:txBody>
-            <a:bodyPr rtlCol="0" anchor="ctr"/>
-            <a:lstStyle/>
-            <a:p>
-              <a:pPr algn="ctr"/>
-              <a:endParaRPr lang="en-US"/>
-            </a:p>
-          </p:txBody>
-        </p:sp>
-        <p:pic>
-          <p:nvPicPr>
-            <p:cNvPr id="7" name="Picture 6"/>
-            <p:cNvPicPr>
-              <a:picLocks noChangeAspect="1"/>
-            </p:cNvPicPr>
-            <p:nvPr/>
-          </p:nvPicPr>
-          <p:blipFill>
-            <a:blip r:embed="rId2"/>
-            <a:stretch>
-              <a:fillRect/>
-            </a:stretch>
-          </p:blipFill>
-          <p:spPr>
-            <a:xfrm>
-              <a:off x="1770757" y="3441336"/>
-              <a:ext cx="1333500" cy="552450"/>
-            </a:xfrm>
-            <a:prstGeom prst="rect">
-              <a:avLst/>
-            </a:prstGeom>
-            <a:grpFill/>
-          </p:spPr>
-        </p:pic>
-      </p:grpSp>
-      <p:grpSp>
-        <p:nvGrpSpPr>
-          <p:cNvPr id="12" name="Group 11"/>
-          <p:cNvGrpSpPr/>
-          <p:nvPr/>
-        </p:nvGrpSpPr>
-        <p:grpSpPr>
-          <a:xfrm>
-            <a:off x="5419783" y="1418225"/>
-            <a:ext cx="1301647" cy="1069394"/>
-            <a:chOff x="6103495" y="1801319"/>
-            <a:chExt cx="2638269" cy="2038662"/>
-          </a:xfrm>
-          <a:solidFill>
-            <a:schemeClr val="tx1"/>
-          </a:solidFill>
-        </p:grpSpPr>
-        <p:sp>
-          <p:nvSpPr>
-            <p:cNvPr id="4" name="Cloud 3"/>
-            <p:cNvSpPr/>
-            <p:nvPr/>
-          </p:nvSpPr>
-          <p:spPr>
-            <a:xfrm>
-              <a:off x="6103495" y="1801319"/>
-              <a:ext cx="2638269" cy="2038662"/>
-            </a:xfrm>
-            <a:prstGeom prst="cloud">
-              <a:avLst/>
-            </a:prstGeom>
-            <a:grpFill/>
-          </p:spPr>
-          <p:style>
-            <a:lnRef idx="2">
-              <a:schemeClr val="accent1">
-                <a:shade val="50000"/>
-              </a:schemeClr>
-            </a:lnRef>
-            <a:fillRef idx="1">
-              <a:schemeClr val="accent1"/>
-            </a:fillRef>
-            <a:effectRef idx="0">
-              <a:schemeClr val="accent1"/>
-            </a:effectRef>
-            <a:fontRef idx="minor">
-              <a:schemeClr val="lt1"/>
-            </a:fontRef>
-          </p:style>
-          <p:txBody>
-            <a:bodyPr rtlCol="0" anchor="ctr"/>
-            <a:lstStyle/>
-            <a:p>
-              <a:pPr algn="ctr"/>
-              <a:endParaRPr lang="en-US"/>
-            </a:p>
-          </p:txBody>
-        </p:sp>
-        <p:pic>
-          <p:nvPicPr>
-            <p:cNvPr id="8" name="Picture 7"/>
-            <p:cNvPicPr>
-              <a:picLocks noChangeAspect="1"/>
-            </p:cNvPicPr>
-            <p:nvPr/>
-          </p:nvPicPr>
-          <p:blipFill>
-            <a:blip r:embed="rId3"/>
-            <a:stretch>
-              <a:fillRect/>
-            </a:stretch>
-          </p:blipFill>
-          <p:spPr>
-            <a:xfrm>
-              <a:off x="6435999" y="2443850"/>
-              <a:ext cx="1876425" cy="609600"/>
-            </a:xfrm>
-            <a:prstGeom prst="rect">
-              <a:avLst/>
-            </a:prstGeom>
-            <a:grpFill/>
-          </p:spPr>
-        </p:pic>
-      </p:grpSp>
-      <p:grpSp>
-        <p:nvGrpSpPr>
-          <p:cNvPr id="10" name="Group 9"/>
-          <p:cNvGrpSpPr/>
-          <p:nvPr/>
-        </p:nvGrpSpPr>
-        <p:grpSpPr>
-          <a:xfrm>
-            <a:off x="5306575" y="4342754"/>
-            <a:ext cx="1522138" cy="1191106"/>
-            <a:chOff x="3104255" y="4916775"/>
-            <a:chExt cx="2638269" cy="2038662"/>
-          </a:xfrm>
-          <a:solidFill>
-            <a:schemeClr val="tx1"/>
-          </a:solidFill>
-        </p:grpSpPr>
-        <p:sp>
-          <p:nvSpPr>
-            <p:cNvPr id="3" name="Cloud 2"/>
-            <p:cNvSpPr/>
-            <p:nvPr/>
-          </p:nvSpPr>
-          <p:spPr>
-            <a:xfrm>
-              <a:off x="3104255" y="4916775"/>
-              <a:ext cx="2638269" cy="2038662"/>
-            </a:xfrm>
-            <a:prstGeom prst="cloud">
-              <a:avLst/>
-            </a:prstGeom>
-            <a:grpFill/>
-          </p:spPr>
-          <p:style>
-            <a:lnRef idx="2">
-              <a:schemeClr val="accent1">
-                <a:shade val="50000"/>
-              </a:schemeClr>
-            </a:lnRef>
-            <a:fillRef idx="1">
-              <a:schemeClr val="accent1"/>
-            </a:fillRef>
-            <a:effectRef idx="0">
-              <a:schemeClr val="accent1"/>
-            </a:effectRef>
-            <a:fontRef idx="minor">
-              <a:schemeClr val="lt1"/>
-            </a:fontRef>
-          </p:style>
-          <p:txBody>
-            <a:bodyPr rtlCol="0" anchor="ctr"/>
-            <a:lstStyle/>
-            <a:p>
-              <a:pPr algn="ctr"/>
-              <a:endParaRPr lang="en-US"/>
-            </a:p>
-          </p:txBody>
-        </p:sp>
-        <p:pic>
-          <p:nvPicPr>
-            <p:cNvPr id="9" name="Picture 8"/>
-            <p:cNvPicPr>
-              <a:picLocks noChangeAspect="1"/>
-            </p:cNvPicPr>
-            <p:nvPr/>
-          </p:nvPicPr>
-          <p:blipFill>
-            <a:blip r:embed="rId4"/>
-            <a:stretch>
-              <a:fillRect/>
-            </a:stretch>
-          </p:blipFill>
-          <p:spPr>
-            <a:xfrm>
-              <a:off x="3418503" y="5530434"/>
-              <a:ext cx="2009775" cy="590550"/>
-            </a:xfrm>
-            <a:prstGeom prst="rect">
-              <a:avLst/>
-            </a:prstGeom>
-            <a:grpFill/>
-          </p:spPr>
-        </p:pic>
-      </p:grpSp>
-      <p:grpSp>
-        <p:nvGrpSpPr>
-          <p:cNvPr id="14" name="Group 13"/>
-          <p:cNvGrpSpPr/>
-          <p:nvPr/>
-        </p:nvGrpSpPr>
-        <p:grpSpPr>
-          <a:xfrm>
-            <a:off x="5306575" y="2821349"/>
-            <a:ext cx="1501560" cy="1166412"/>
-            <a:chOff x="6993290" y="4916775"/>
-            <a:chExt cx="2638269" cy="2038662"/>
-          </a:xfrm>
-          <a:solidFill>
-            <a:schemeClr val="tx1"/>
-          </a:solidFill>
-        </p:grpSpPr>
-        <p:sp>
-          <p:nvSpPr>
-            <p:cNvPr id="5" name="Cloud 4"/>
-            <p:cNvSpPr/>
-            <p:nvPr/>
-          </p:nvSpPr>
-          <p:spPr>
-            <a:xfrm>
-              <a:off x="6993290" y="4916775"/>
-              <a:ext cx="2638269" cy="2038662"/>
-            </a:xfrm>
-            <a:prstGeom prst="cloud">
-              <a:avLst/>
-            </a:prstGeom>
-            <a:grpFill/>
-          </p:spPr>
-          <p:style>
-            <a:lnRef idx="2">
-              <a:schemeClr val="accent1">
-                <a:shade val="50000"/>
-              </a:schemeClr>
-            </a:lnRef>
-            <a:fillRef idx="1">
-              <a:schemeClr val="accent1"/>
-            </a:fillRef>
-            <a:effectRef idx="0">
-              <a:schemeClr val="accent1"/>
-            </a:effectRef>
-            <a:fontRef idx="minor">
-              <a:schemeClr val="lt1"/>
-            </a:fontRef>
-          </p:style>
-          <p:txBody>
-            <a:bodyPr rtlCol="0" anchor="ctr"/>
-            <a:lstStyle/>
-            <a:p>
-              <a:pPr algn="ctr"/>
-              <a:endParaRPr lang="en-US"/>
-            </a:p>
-          </p:txBody>
-        </p:sp>
-        <p:pic>
-          <p:nvPicPr>
-            <p:cNvPr id="13" name="Picture 12"/>
-            <p:cNvPicPr>
-              <a:picLocks noChangeAspect="1"/>
-            </p:cNvPicPr>
-            <p:nvPr/>
-          </p:nvPicPr>
-          <p:blipFill>
-            <a:blip r:embed="rId5"/>
-            <a:stretch>
-              <a:fillRect/>
-            </a:stretch>
-          </p:blipFill>
-          <p:spPr>
-            <a:xfrm>
-              <a:off x="7066289" y="5628445"/>
-              <a:ext cx="2565270" cy="583886"/>
-            </a:xfrm>
-            <a:prstGeom prst="rect">
-              <a:avLst/>
-            </a:prstGeom>
-            <a:grpFill/>
-          </p:spPr>
-        </p:pic>
-      </p:grpSp>
-      <p:pic>
-        <p:nvPicPr>
-          <p:cNvPr id="16" name="Picture 15"/>
-          <p:cNvPicPr>
-            <a:picLocks noChangeAspect="1"/>
-          </p:cNvPicPr>
-          <p:nvPr/>
-        </p:nvPicPr>
-        <p:blipFill>
-          <a:blip r:embed="rId6">
-            <a:extLst>
-              <a:ext uri="{28A0092B-C50C-407E-A947-70E740481C1C}">
-                <a14:useLocalDpi xmlns:a14="http://schemas.microsoft.com/office/drawing/2010/main" val="0"/>
-              </a:ext>
-            </a:extLst>
-          </a:blip>
-          <a:stretch>
-            <a:fillRect/>
-          </a:stretch>
-        </p:blipFill>
-        <p:spPr>
-          <a:xfrm>
-            <a:off x="714258" y="1864443"/>
-            <a:ext cx="1755738" cy="1755738"/>
-          </a:xfrm>
-          <a:prstGeom prst="rect">
-            <a:avLst/>
-          </a:prstGeom>
-        </p:spPr>
-      </p:pic>
-      <p:sp>
-        <p:nvSpPr>
-          <p:cNvPr id="17" name="Rounded Rectangle 16"/>
-          <p:cNvSpPr/>
-          <p:nvPr/>
-        </p:nvSpPr>
-        <p:spPr>
-          <a:xfrm>
-            <a:off x="534359" y="4163249"/>
-            <a:ext cx="2727025" cy="982199"/>
-          </a:xfrm>
-          <a:prstGeom prst="roundRect">
-            <a:avLst/>
-          </a:prstGeom>
-        </p:spPr>
-        <p:style>
-          <a:lnRef idx="2">
-            <a:schemeClr val="accent1">
-              <a:shade val="50000"/>
-            </a:schemeClr>
-          </a:lnRef>
-          <a:fillRef idx="1">
-            <a:schemeClr val="accent1"/>
-          </a:fillRef>
-          <a:effectRef idx="0">
-            <a:schemeClr val="accent1"/>
-          </a:effectRef>
-          <a:fontRef idx="minor">
-            <a:schemeClr val="lt1"/>
-          </a:fontRef>
-        </p:style>
-        <p:txBody>
-          <a:bodyPr rtlCol="0" anchor="ctr"/>
-          <a:lstStyle/>
-          <a:p>
-            <a:pPr algn="ctr"/>
-            <a:r>
-              <a:rPr lang="en-US" dirty="0" smtClean="0"/>
-              <a:t>Docker Client</a:t>
-            </a:r>
-            <a:endParaRPr lang="en-US" dirty="0"/>
-          </a:p>
-        </p:txBody>
-      </p:sp>
-      <p:cxnSp>
-        <p:nvCxnSpPr>
-          <p:cNvPr id="19" name="Straight Arrow Connector 18"/>
-          <p:cNvCxnSpPr>
-            <a:stCxn id="17" idx="3"/>
-            <a:endCxn id="5" idx="2"/>
-          </p:cNvCxnSpPr>
-          <p:nvPr/>
-        </p:nvCxnSpPr>
-        <p:spPr>
-          <a:xfrm flipV="1">
-            <a:off x="3261384" y="3404555"/>
-            <a:ext cx="2049849" cy="1249794"/>
-          </a:xfrm>
-          <a:prstGeom prst="straightConnector1">
-            <a:avLst/>
-          </a:prstGeom>
-          <a:ln>
-            <a:tailEnd type="triangle"/>
-          </a:ln>
-        </p:spPr>
-        <p:style>
-          <a:lnRef idx="3">
-            <a:schemeClr val="accent1"/>
-          </a:lnRef>
-          <a:fillRef idx="0">
-            <a:schemeClr val="accent1"/>
-          </a:fillRef>
-          <a:effectRef idx="2">
-            <a:schemeClr val="accent1"/>
-          </a:effectRef>
-          <a:fontRef idx="minor">
-            <a:schemeClr val="tx1"/>
-          </a:fontRef>
-        </p:style>
-      </p:cxnSp>
-      <p:cxnSp>
-        <p:nvCxnSpPr>
-          <p:cNvPr id="21" name="Straight Arrow Connector 20"/>
-          <p:cNvCxnSpPr>
-            <a:stCxn id="17" idx="3"/>
-            <a:endCxn id="3" idx="2"/>
-          </p:cNvCxnSpPr>
-          <p:nvPr/>
-        </p:nvCxnSpPr>
-        <p:spPr>
-          <a:xfrm>
-            <a:off x="3261384" y="4654349"/>
-            <a:ext cx="2049912" cy="283958"/>
-          </a:xfrm>
-          <a:prstGeom prst="straightConnector1">
-            <a:avLst/>
-          </a:prstGeom>
-          <a:ln>
-            <a:tailEnd type="triangle"/>
-          </a:ln>
-        </p:spPr>
-        <p:style>
-          <a:lnRef idx="3">
-            <a:schemeClr val="accent1"/>
-          </a:lnRef>
-          <a:fillRef idx="0">
-            <a:schemeClr val="accent1"/>
-          </a:fillRef>
-          <a:effectRef idx="2">
-            <a:schemeClr val="accent1"/>
-          </a:effectRef>
-          <a:fontRef idx="minor">
-            <a:schemeClr val="tx1"/>
-          </a:fontRef>
-        </p:style>
-      </p:cxnSp>
-      <p:cxnSp>
-        <p:nvCxnSpPr>
-          <p:cNvPr id="23" name="Straight Arrow Connector 22"/>
-          <p:cNvCxnSpPr>
-            <a:stCxn id="17" idx="3"/>
-            <a:endCxn id="4" idx="2"/>
-          </p:cNvCxnSpPr>
-          <p:nvPr/>
-        </p:nvCxnSpPr>
-        <p:spPr>
-          <a:xfrm flipV="1">
-            <a:off x="3261384" y="1952922"/>
-            <a:ext cx="2162437" cy="2701427"/>
-          </a:xfrm>
-          <a:prstGeom prst="straightConnector1">
-            <a:avLst/>
-          </a:prstGeom>
-          <a:ln>
-            <a:tailEnd type="triangle"/>
-          </a:ln>
-        </p:spPr>
-        <p:style>
-          <a:lnRef idx="3">
-            <a:schemeClr val="accent1"/>
-          </a:lnRef>
-          <a:fillRef idx="0">
-            <a:schemeClr val="accent1"/>
-          </a:fillRef>
-          <a:effectRef idx="2">
-            <a:schemeClr val="accent1"/>
-          </a:effectRef>
-          <a:fontRef idx="minor">
-            <a:schemeClr val="tx1"/>
-          </a:fontRef>
-        </p:style>
-      </p:cxnSp>
-      <p:cxnSp>
-        <p:nvCxnSpPr>
-          <p:cNvPr id="25" name="Straight Arrow Connector 24"/>
-          <p:cNvCxnSpPr>
-            <a:stCxn id="17" idx="3"/>
-            <a:endCxn id="6" idx="3"/>
-          </p:cNvCxnSpPr>
-          <p:nvPr/>
-        </p:nvCxnSpPr>
-        <p:spPr>
-          <a:xfrm>
-            <a:off x="3261384" y="4654349"/>
-            <a:ext cx="2941988" cy="1310784"/>
-          </a:xfrm>
-          <a:prstGeom prst="straightConnector1">
-            <a:avLst/>
-          </a:prstGeom>
-          <a:ln>
-            <a:tailEnd type="triangle"/>
-          </a:ln>
-        </p:spPr>
-        <p:style>
-          <a:lnRef idx="3">
-            <a:schemeClr val="accent1"/>
-          </a:lnRef>
-          <a:fillRef idx="0">
-            <a:schemeClr val="accent1"/>
-          </a:fillRef>
-          <a:effectRef idx="2">
-            <a:schemeClr val="accent1"/>
-          </a:effectRef>
-          <a:fontRef idx="minor">
-            <a:schemeClr val="tx1"/>
-          </a:fontRef>
-        </p:style>
-      </p:cxnSp>
-      <p:cxnSp>
-        <p:nvCxnSpPr>
-          <p:cNvPr id="27" name="Straight Arrow Connector 26"/>
-          <p:cNvCxnSpPr>
-            <a:stCxn id="16" idx="2"/>
-            <a:endCxn id="17" idx="0"/>
-          </p:cNvCxnSpPr>
-          <p:nvPr/>
-        </p:nvCxnSpPr>
-        <p:spPr>
-          <a:xfrm>
-            <a:off x="1592127" y="3620181"/>
-            <a:ext cx="305745" cy="543068"/>
-          </a:xfrm>
-          <a:prstGeom prst="straightConnector1">
-            <a:avLst/>
-          </a:prstGeom>
-          <a:ln>
-            <a:tailEnd type="triangle"/>
-          </a:ln>
-        </p:spPr>
-        <p:style>
-          <a:lnRef idx="3">
-            <a:schemeClr val="accent1"/>
-          </a:lnRef>
-          <a:fillRef idx="0">
-            <a:schemeClr val="accent1"/>
-          </a:fillRef>
-          <a:effectRef idx="2">
-            <a:schemeClr val="accent1"/>
-          </a:effectRef>
-          <a:fontRef idx="minor">
-            <a:schemeClr val="tx1"/>
-          </a:fontRef>
-        </p:style>
-      </p:cxnSp>
-      <p:pic>
-        <p:nvPicPr>
-          <p:cNvPr id="34" name="Picture 33"/>
-          <p:cNvPicPr>
-            <a:picLocks noChangeAspect="1"/>
-          </p:cNvPicPr>
-          <p:nvPr/>
-        </p:nvPicPr>
-        <p:blipFill>
-          <a:blip r:embed="rId7" cstate="print">
-            <a:extLst>
-              <a:ext uri="{28A0092B-C50C-407E-A947-70E740481C1C}">
-                <a14:useLocalDpi xmlns:a14="http://schemas.microsoft.com/office/drawing/2010/main" val="0"/>
-              </a:ext>
-            </a:extLst>
-          </a:blip>
-          <a:stretch>
-            <a:fillRect/>
-          </a:stretch>
-        </p:blipFill>
-        <p:spPr>
-          <a:xfrm>
-            <a:off x="7435291" y="2605317"/>
-            <a:ext cx="2209696" cy="1472762"/>
-          </a:xfrm>
-          <a:prstGeom prst="rect">
-            <a:avLst/>
-          </a:prstGeom>
-        </p:spPr>
-      </p:pic>
-      <p:cxnSp>
-        <p:nvCxnSpPr>
-          <p:cNvPr id="36" name="Straight Arrow Connector 35"/>
-          <p:cNvCxnSpPr>
-            <a:stCxn id="34" idx="1"/>
-            <a:endCxn id="13" idx="3"/>
-          </p:cNvCxnSpPr>
-          <p:nvPr/>
-        </p:nvCxnSpPr>
-        <p:spPr>
-          <a:xfrm flipH="1">
-            <a:off x="6808135" y="3341698"/>
-            <a:ext cx="627156" cy="53864"/>
-          </a:xfrm>
-          <a:prstGeom prst="straightConnector1">
-            <a:avLst/>
-          </a:prstGeom>
-          <a:ln>
-            <a:headEnd type="triangle"/>
-            <a:tailEnd type="triangle"/>
-          </a:ln>
-        </p:spPr>
-        <p:style>
-          <a:lnRef idx="3">
-            <a:schemeClr val="accent1"/>
-          </a:lnRef>
-          <a:fillRef idx="0">
-            <a:schemeClr val="accent1"/>
-          </a:fillRef>
-          <a:effectRef idx="2">
-            <a:schemeClr val="accent1"/>
-          </a:effectRef>
-          <a:fontRef idx="minor">
-            <a:schemeClr val="tx1"/>
-          </a:fontRef>
-        </p:style>
-      </p:cxnSp>
-      <p:sp>
-        <p:nvSpPr>
-          <p:cNvPr id="37" name="TextBox 36"/>
-          <p:cNvSpPr txBox="1"/>
-          <p:nvPr/>
-        </p:nvSpPr>
-        <p:spPr>
-          <a:xfrm>
-            <a:off x="7483332" y="4331958"/>
-            <a:ext cx="2113613" cy="369332"/>
-          </a:xfrm>
-          <a:prstGeom prst="rect">
-            <a:avLst/>
-          </a:prstGeom>
-          <a:noFill/>
-        </p:spPr>
-        <p:txBody>
-          <a:bodyPr wrap="square" rtlCol="0">
-            <a:spAutoFit/>
-          </a:bodyPr>
-          <a:lstStyle/>
-          <a:p>
-            <a:r>
-              <a:rPr lang="en-US" dirty="0" smtClean="0"/>
-              <a:t>Your own cloud</a:t>
-            </a:r>
-            <a:endParaRPr lang="en-US" dirty="0"/>
-          </a:p>
-        </p:txBody>
-      </p:sp>
-      <p:pic>
-        <p:nvPicPr>
-          <p:cNvPr id="15" name="Picture 14"/>
-          <p:cNvPicPr>
-            <a:picLocks noChangeAspect="1"/>
-          </p:cNvPicPr>
-          <p:nvPr/>
-        </p:nvPicPr>
-        <p:blipFill>
-          <a:blip r:embed="rId8" cstate="print">
-            <a:extLst>
-              <a:ext uri="{28A0092B-C50C-407E-A947-70E740481C1C}">
-                <a14:useLocalDpi xmlns:a14="http://schemas.microsoft.com/office/drawing/2010/main" val="0"/>
-              </a:ext>
-            </a:extLst>
-          </a:blip>
-          <a:stretch>
-            <a:fillRect/>
-          </a:stretch>
-        </p:blipFill>
-        <p:spPr>
-          <a:xfrm>
-            <a:off x="404071" y="5888853"/>
-            <a:ext cx="1682436" cy="1264506"/>
-          </a:xfrm>
-          <a:prstGeom prst="rect">
-            <a:avLst/>
-          </a:prstGeom>
-        </p:spPr>
-      </p:pic>
-      <p:pic>
-        <p:nvPicPr>
-          <p:cNvPr id="26" name="Picture 25"/>
-          <p:cNvPicPr>
-            <a:picLocks noChangeAspect="1"/>
-          </p:cNvPicPr>
-          <p:nvPr/>
-        </p:nvPicPr>
-        <p:blipFill>
-          <a:blip r:embed="rId8" cstate="print">
-            <a:extLst>
-              <a:ext uri="{28A0092B-C50C-407E-A947-70E740481C1C}">
-                <a14:useLocalDpi xmlns:a14="http://schemas.microsoft.com/office/drawing/2010/main" val="0"/>
-              </a:ext>
-            </a:extLst>
-          </a:blip>
-          <a:stretch>
-            <a:fillRect/>
-          </a:stretch>
-        </p:blipFill>
-        <p:spPr>
-          <a:xfrm>
-            <a:off x="1468401" y="6182524"/>
-            <a:ext cx="1682436" cy="1264506"/>
-          </a:xfrm>
-          <a:prstGeom prst="rect">
-            <a:avLst/>
-          </a:prstGeom>
-        </p:spPr>
-      </p:pic>
-      <p:pic>
-        <p:nvPicPr>
-          <p:cNvPr id="28" name="Picture 27"/>
-          <p:cNvPicPr>
-            <a:picLocks noChangeAspect="1"/>
-          </p:cNvPicPr>
-          <p:nvPr/>
-        </p:nvPicPr>
-        <p:blipFill>
-          <a:blip r:embed="rId8" cstate="print">
-            <a:extLst>
-              <a:ext uri="{28A0092B-C50C-407E-A947-70E740481C1C}">
-                <a14:useLocalDpi xmlns:a14="http://schemas.microsoft.com/office/drawing/2010/main" val="0"/>
-              </a:ext>
-            </a:extLst>
-          </a:blip>
-          <a:stretch>
-            <a:fillRect/>
-          </a:stretch>
-        </p:blipFill>
-        <p:spPr>
-          <a:xfrm>
-            <a:off x="3145255" y="5640878"/>
-            <a:ext cx="1682436" cy="1264506"/>
-          </a:xfrm>
-          <a:prstGeom prst="rect">
-            <a:avLst/>
-          </a:prstGeom>
-        </p:spPr>
-      </p:pic>
-      <p:cxnSp>
-        <p:nvCxnSpPr>
-          <p:cNvPr id="20" name="Straight Arrow Connector 19"/>
-          <p:cNvCxnSpPr>
-            <a:stCxn id="17" idx="2"/>
-            <a:endCxn id="15" idx="0"/>
-          </p:cNvCxnSpPr>
-          <p:nvPr/>
-        </p:nvCxnSpPr>
-        <p:spPr>
-          <a:xfrm flipH="1">
-            <a:off x="1245289" y="5145448"/>
-            <a:ext cx="652583" cy="743405"/>
-          </a:xfrm>
-          <a:prstGeom prst="straightConnector1">
-            <a:avLst/>
-          </a:prstGeom>
-          <a:ln>
-            <a:tailEnd type="triangle"/>
-          </a:ln>
-        </p:spPr>
-        <p:style>
-          <a:lnRef idx="3">
-            <a:schemeClr val="accent1"/>
-          </a:lnRef>
-          <a:fillRef idx="0">
-            <a:schemeClr val="accent1"/>
-          </a:fillRef>
-          <a:effectRef idx="2">
-            <a:schemeClr val="accent1"/>
-          </a:effectRef>
-          <a:fontRef idx="minor">
-            <a:schemeClr val="tx1"/>
-          </a:fontRef>
-        </p:style>
-      </p:cxnSp>
-      <p:cxnSp>
-        <p:nvCxnSpPr>
-          <p:cNvPr id="30" name="Straight Arrow Connector 29"/>
-          <p:cNvCxnSpPr>
-            <a:stCxn id="17" idx="2"/>
-            <a:endCxn id="26" idx="0"/>
-          </p:cNvCxnSpPr>
-          <p:nvPr/>
-        </p:nvCxnSpPr>
-        <p:spPr>
-          <a:xfrm>
-            <a:off x="1897872" y="5145448"/>
-            <a:ext cx="411747" cy="1037076"/>
-          </a:xfrm>
-          <a:prstGeom prst="straightConnector1">
-            <a:avLst/>
-          </a:prstGeom>
-          <a:ln>
-            <a:tailEnd type="triangle"/>
-          </a:ln>
-        </p:spPr>
-        <p:style>
-          <a:lnRef idx="3">
-            <a:schemeClr val="accent1"/>
-          </a:lnRef>
-          <a:fillRef idx="0">
-            <a:schemeClr val="accent1"/>
-          </a:fillRef>
-          <a:effectRef idx="2">
-            <a:schemeClr val="accent1"/>
-          </a:effectRef>
-          <a:fontRef idx="minor">
-            <a:schemeClr val="tx1"/>
-          </a:fontRef>
-        </p:style>
-      </p:cxnSp>
-      <p:cxnSp>
-        <p:nvCxnSpPr>
-          <p:cNvPr id="31" name="Straight Arrow Connector 30"/>
-          <p:cNvCxnSpPr>
-            <a:stCxn id="17" idx="2"/>
-            <a:endCxn id="28" idx="0"/>
-          </p:cNvCxnSpPr>
-          <p:nvPr/>
-        </p:nvCxnSpPr>
-        <p:spPr>
-          <a:xfrm>
-            <a:off x="1897872" y="5145448"/>
-            <a:ext cx="2088601" cy="495430"/>
-          </a:xfrm>
-          <a:prstGeom prst="straightConnector1">
-            <a:avLst/>
-          </a:prstGeom>
-          <a:ln>
-            <a:tailEnd type="triangle"/>
-          </a:ln>
-        </p:spPr>
-        <p:style>
-          <a:lnRef idx="3">
-            <a:schemeClr val="accent1"/>
-          </a:lnRef>
-          <a:fillRef idx="0">
-            <a:schemeClr val="accent1"/>
-          </a:fillRef>
-          <a:effectRef idx="2">
-            <a:schemeClr val="accent1"/>
-          </a:effectRef>
-          <a:fontRef idx="minor">
-            <a:schemeClr val="tx1"/>
-          </a:fontRef>
-        </p:style>
-      </p:cxnSp>
-    </p:spTree>
-    <p:extLst>
-      <p:ext uri="{BB962C8B-B14F-4D97-AF65-F5344CB8AC3E}">
-        <p14:creationId xmlns:p14="http://schemas.microsoft.com/office/powerpoint/2010/main" val="538062569"/>
-      </p:ext>
-    </p:extLst>
-  </p:cSld>
-  <p:clrMapOvr>
-    <a:masterClrMapping/>
-  </p:clrMapOvr>
-  <mc:AlternateContent xmlns:mc="http://schemas.openxmlformats.org/markup-compatibility/2006">
-    <mc:Choice xmlns:p14="http://schemas.microsoft.com/office/powerpoint/2010/main" Requires="p14">
-      <p:transition spd="med" p14:dur="700">
-        <p:fade/>
-      </p:transition>
-    </mc:Choice>
-    <mc:Fallback>
-      <p:transition spd="med">
-        <p:fade/>
-      </p:transition>
-    </mc:Fallback>
-  </mc:AlternateContent>
-  <p:timing>
-    <p:tnLst>
-      <p:par>
-        <p:cTn id="1" dur="indefinite" restart="never" nodeType="tmRoot"/>
-      </p:par>
-    </p:tnLst>
-  </p:timing>
-</p:sld>
-</file>
-
-<file path=ppt/slides/slide16.xml><?xml version="1.0" encoding="utf-8"?>
-<p:sld xmlns:a="http://schemas.openxmlformats.org/drawingml/2006/main" xmlns:r="http://schemas.openxmlformats.org/officeDocument/2006/relationships" xmlns:p="http://schemas.openxmlformats.org/presentationml/2006/main">
-  <p:cSld>
-    <p:spTree>
-      <p:nvGrpSpPr>
-        <p:cNvPr id="1" name=""/>
-        <p:cNvGrpSpPr/>
-        <p:nvPr/>
-      </p:nvGrpSpPr>
-      <p:grpSpPr>
-        <a:xfrm>
-          <a:off x="0" y="0"/>
-          <a:ext cx="0" cy="0"/>
-          <a:chOff x="0" y="0"/>
-          <a:chExt cx="0" cy="0"/>
-        </a:xfrm>
-      </p:grpSpPr>
-      <p:sp>
-        <p:nvSpPr>
-          <p:cNvPr id="2" name="Title 1"/>
-          <p:cNvSpPr>
-            <a:spLocks noGrp="1"/>
-          </p:cNvSpPr>
-          <p:nvPr>
-            <p:ph type="title"/>
-          </p:nvPr>
-        </p:nvSpPr>
-        <p:spPr/>
-        <p:txBody>
-          <a:bodyPr/>
-          <a:lstStyle/>
-          <a:p>
-            <a:r>
-              <a:rPr lang="en-US" dirty="0" smtClean="0"/>
-              <a:t>Think I’m kidding?</a:t>
-            </a:r>
-            <a:endParaRPr lang="en-US" dirty="0"/>
-          </a:p>
-        </p:txBody>
-      </p:sp>
-      <p:pic>
-        <p:nvPicPr>
-          <p:cNvPr id="3" name="Picture 2"/>
-          <p:cNvPicPr>
-            <a:picLocks noChangeAspect="1"/>
-          </p:cNvPicPr>
-          <p:nvPr/>
-        </p:nvPicPr>
-        <p:blipFill>
-          <a:blip r:embed="rId2"/>
-          <a:stretch>
-            <a:fillRect/>
-          </a:stretch>
-        </p:blipFill>
-        <p:spPr>
-          <a:xfrm>
-            <a:off x="534359" y="1668109"/>
-            <a:ext cx="8700102" cy="4772208"/>
-          </a:xfrm>
-          <a:prstGeom prst="rect">
-            <a:avLst/>
-          </a:prstGeom>
-        </p:spPr>
-      </p:pic>
-      <p:sp>
-        <p:nvSpPr>
-          <p:cNvPr id="4" name="TextBox 3"/>
-          <p:cNvSpPr txBox="1"/>
-          <p:nvPr/>
-        </p:nvSpPr>
-        <p:spPr>
-          <a:xfrm>
-            <a:off x="354479" y="6865495"/>
-            <a:ext cx="9546266" cy="369332"/>
-          </a:xfrm>
-          <a:prstGeom prst="rect">
-            <a:avLst/>
-          </a:prstGeom>
-          <a:noFill/>
-        </p:spPr>
-        <p:txBody>
-          <a:bodyPr wrap="square" rtlCol="0">
-            <a:spAutoFit/>
-          </a:bodyPr>
-          <a:lstStyle/>
-          <a:p>
-            <a:r>
-              <a:rPr lang="en-US" dirty="0" smtClean="0"/>
-              <a:t>https://www.kickstarter.com/projects/1598272670/chip-the-worlds-first-9-computer</a:t>
-            </a:r>
-            <a:endParaRPr lang="en-US" dirty="0"/>
-          </a:p>
-        </p:txBody>
-      </p:sp>
-    </p:spTree>
-    <p:extLst>
-      <p:ext uri="{BB962C8B-B14F-4D97-AF65-F5344CB8AC3E}">
-        <p14:creationId xmlns:p14="http://schemas.microsoft.com/office/powerpoint/2010/main" val="3412816678"/>
-      </p:ext>
-    </p:extLst>
-  </p:cSld>
-  <p:clrMapOvr>
-    <a:masterClrMapping/>
-  </p:clrMapOvr>
-  <p:timing>
-    <p:tnLst>
-      <p:par>
-        <p:cTn id="1" dur="indefinite" restart="never" nodeType="tmRoot"/>
-      </p:par>
-    </p:tnLst>
-  </p:timing>
-</p:sld>
-</file>
-
-<file path=ppt/slides/slide2.xml><?xml version="1.0" encoding="utf-8"?>
-<p:sld xmlns:a="http://schemas.openxmlformats.org/drawingml/2006/main" xmlns:r="http://schemas.openxmlformats.org/officeDocument/2006/relationships" xmlns:p="http://schemas.openxmlformats.org/presentationml/2006/main">
-  <p:cSld>
-    <p:spTree>
-      <p:nvGrpSpPr>
-        <p:cNvPr id="1" name=""/>
-        <p:cNvGrpSpPr/>
-        <p:nvPr/>
-      </p:nvGrpSpPr>
-      <p:grpSpPr>
-        <a:xfrm>
-          <a:off x="0" y="0"/>
-          <a:ext cx="0" cy="0"/>
-          <a:chOff x="0" y="0"/>
-          <a:chExt cx="0" cy="0"/>
-        </a:xfrm>
-      </p:grpSpPr>
-      <p:sp>
-        <p:nvSpPr>
-          <p:cNvPr id="2" name="Title 1"/>
-          <p:cNvSpPr>
-            <a:spLocks noGrp="1"/>
-          </p:cNvSpPr>
-          <p:nvPr>
-            <p:ph type="title"/>
-          </p:nvPr>
-        </p:nvSpPr>
-        <p:spPr/>
-        <p:txBody>
-          <a:bodyPr/>
-          <a:lstStyle/>
-          <a:p>
-            <a:r>
-              <a:rPr lang="en-US" dirty="0" smtClean="0"/>
-              <a:t>Today’s Narrative</a:t>
-            </a:r>
-            <a:endParaRPr lang="en-US" dirty="0"/>
-          </a:p>
-        </p:txBody>
-      </p:sp>
-      <p:sp>
-        <p:nvSpPr>
-          <p:cNvPr id="3" name="Content Placeholder 2"/>
-          <p:cNvSpPr>
-            <a:spLocks noGrp="1"/>
-          </p:cNvSpPr>
-          <p:nvPr>
-            <p:ph idx="1"/>
-          </p:nvPr>
-        </p:nvSpPr>
-        <p:spPr>
-          <a:xfrm>
-            <a:off x="912482" y="1424066"/>
-            <a:ext cx="7399132" cy="5463645"/>
-          </a:xfrm>
-        </p:spPr>
-        <p:txBody>
-          <a:bodyPr>
-            <a:normAutofit fontScale="92500" lnSpcReduction="10000"/>
-          </a:bodyPr>
-          <a:lstStyle/>
-          <a:p>
-            <a:r>
-              <a:rPr lang="en-US" dirty="0" smtClean="0"/>
-              <a:t>You need to know the choices you face because everything is faster. We’ll do that.</a:t>
-            </a:r>
-          </a:p>
-          <a:p>
-            <a:pPr lvl="1"/>
-            <a:r>
-              <a:rPr lang="en-US" dirty="0" err="1" smtClean="0"/>
-              <a:t>Microservices</a:t>
-            </a:r>
-            <a:endParaRPr lang="en-US" dirty="0" smtClean="0"/>
-          </a:p>
-          <a:p>
-            <a:pPr lvl="1"/>
-            <a:r>
-              <a:rPr lang="en-US" dirty="0" smtClean="0"/>
-              <a:t>Containers</a:t>
-            </a:r>
-          </a:p>
-          <a:p>
-            <a:pPr lvl="1"/>
-            <a:r>
-              <a:rPr lang="en-US" dirty="0" smtClean="0"/>
-              <a:t>Orchestration systems</a:t>
-            </a:r>
-          </a:p>
-          <a:p>
-            <a:pPr lvl="1"/>
-            <a:r>
-              <a:rPr lang="en-US" dirty="0" smtClean="0"/>
-              <a:t>Live monitoring and testing</a:t>
-            </a:r>
-          </a:p>
-          <a:p>
-            <a:pPr lvl="1"/>
-            <a:r>
-              <a:rPr lang="en-US" dirty="0" smtClean="0"/>
-              <a:t>Service Fabric and the Actor Model</a:t>
-            </a:r>
-          </a:p>
-          <a:p>
-            <a:r>
-              <a:rPr lang="en-US" dirty="0" smtClean="0"/>
-              <a:t>You’ll need to know how to navigate those choices. We’ll do that, too. Arguments welcome.</a:t>
-            </a:r>
-          </a:p>
-          <a:p>
-            <a:pPr lvl="1"/>
-            <a:r>
-              <a:rPr lang="en-US" dirty="0" smtClean="0"/>
-              <a:t>Migrate – do not sprint -- toward agile </a:t>
-            </a:r>
-            <a:r>
-              <a:rPr lang="en-US" dirty="0" err="1" smtClean="0"/>
-              <a:t>devops</a:t>
-            </a:r>
-            <a:r>
-              <a:rPr lang="en-US" dirty="0" smtClean="0"/>
-              <a:t> workflows and </a:t>
-            </a:r>
-            <a:r>
-              <a:rPr lang="en-US" dirty="0" err="1" smtClean="0"/>
-              <a:t>microservice</a:t>
-            </a:r>
-            <a:r>
-              <a:rPr lang="en-US" dirty="0" smtClean="0"/>
-              <a:t> architecture approach</a:t>
-            </a:r>
-          </a:p>
-          <a:p>
-            <a:pPr lvl="1"/>
-            <a:r>
-              <a:rPr lang="en-US" dirty="0" smtClean="0"/>
-              <a:t>Automate, orchestrate, monitor</a:t>
-            </a:r>
-          </a:p>
-          <a:p>
-            <a:pPr lvl="1"/>
-            <a:r>
-              <a:rPr lang="en-US" dirty="0" smtClean="0"/>
-              <a:t>Get the little things right</a:t>
-            </a:r>
-          </a:p>
-          <a:p>
-            <a:pPr lvl="1"/>
-            <a:r>
-              <a:rPr lang="en-US" dirty="0" smtClean="0"/>
-              <a:t>Choose a great partner, but have more than one</a:t>
-            </a:r>
-          </a:p>
-          <a:p>
-            <a:pPr lvl="1"/>
-            <a:r>
-              <a:rPr lang="en-US" dirty="0" smtClean="0"/>
-              <a:t>Security first</a:t>
-            </a:r>
-            <a:endParaRPr lang="en-US" dirty="0"/>
-          </a:p>
-        </p:txBody>
-      </p:sp>
-    </p:spTree>
-    <p:extLst>
-      <p:ext uri="{BB962C8B-B14F-4D97-AF65-F5344CB8AC3E}">
-        <p14:creationId xmlns:p14="http://schemas.microsoft.com/office/powerpoint/2010/main" val="617236935"/>
-      </p:ext>
-    </p:extLst>
-  </p:cSld>
-  <p:clrMapOvr>
-    <a:masterClrMapping/>
-  </p:clrMapOvr>
-  <p:timing>
-    <p:tnLst>
-      <p:par>
-        <p:cTn id="1" dur="indefinite" restart="never" nodeType="tmRoot"/>
-      </p:par>
-    </p:tnLst>
-  </p:timing>
-</p:sld>
-</file>
-
-<file path=ppt/slides/slide3.xml><?xml version="1.0" encoding="utf-8"?>
-<p:sld xmlns:a="http://schemas.openxmlformats.org/drawingml/2006/main" xmlns:r="http://schemas.openxmlformats.org/officeDocument/2006/relationships" xmlns:p="http://schemas.openxmlformats.org/presentationml/2006/main">
-  <p:cSld>
-    <p:spTree>
-      <p:nvGrpSpPr>
-        <p:cNvPr id="1" name=""/>
-        <p:cNvGrpSpPr/>
-        <p:nvPr/>
-      </p:nvGrpSpPr>
-      <p:grpSpPr>
-        <a:xfrm>
-          <a:off x="0" y="0"/>
-          <a:ext cx="0" cy="0"/>
-          <a:chOff x="0" y="0"/>
-          <a:chExt cx="0" cy="0"/>
-        </a:xfrm>
-      </p:grpSpPr>
-      <p:sp>
-        <p:nvSpPr>
-          <p:cNvPr id="41" name="TextShape 1"/>
-          <p:cNvSpPr txBox="1"/>
-          <p:nvPr/>
-        </p:nvSpPr>
-        <p:spPr>
-          <a:xfrm>
-            <a:off x="504000" y="301320"/>
-            <a:ext cx="9071640" cy="1262160"/>
-          </a:xfrm>
-          <a:prstGeom prst="rect">
-            <a:avLst/>
-          </a:prstGeom>
-        </p:spPr>
-        <p:txBody>
-          <a:bodyPr lIns="0" tIns="0" rIns="0" bIns="0" anchor="ctr"/>
-          <a:lstStyle/>
-          <a:p>
-            <a:pPr algn="ctr"/>
-            <a:r>
-              <a:rPr lang="en-US" sz="4400">
-                <a:latin typeface="Arial"/>
-              </a:rPr>
-              <a:t>Setting the Table</a:t>
-            </a:r>
-            <a:endParaRPr/>
-          </a:p>
-        </p:txBody>
-      </p:sp>
-      <p:sp>
-        <p:nvSpPr>
-          <p:cNvPr id="2" name="TextBox 1"/>
-          <p:cNvSpPr txBox="1"/>
-          <p:nvPr/>
-        </p:nvSpPr>
-        <p:spPr>
-          <a:xfrm>
-            <a:off x="644577" y="1563480"/>
-            <a:ext cx="8664315" cy="646331"/>
-          </a:xfrm>
-          <a:prstGeom prst="rect">
-            <a:avLst/>
-          </a:prstGeom>
-          <a:noFill/>
-        </p:spPr>
-        <p:txBody>
-          <a:bodyPr wrap="square" rtlCol="0">
-            <a:spAutoFit/>
-          </a:bodyPr>
-          <a:lstStyle/>
-          <a:p>
-            <a:pPr marL="285750" indent="-285750">
-              <a:buFont typeface="Arial" panose="020B0604020202020204" pitchFamily="34" charset="0"/>
-              <a:buChar char="•"/>
-            </a:pPr>
-            <a:r>
-              <a:rPr lang="en-US" dirty="0" smtClean="0"/>
-              <a:t>Recent History</a:t>
-            </a:r>
-          </a:p>
-          <a:p>
-            <a:pPr marL="285750" indent="-285750">
-              <a:buFont typeface="Arial" panose="020B0604020202020204" pitchFamily="34" charset="0"/>
-              <a:buChar char="•"/>
-            </a:pPr>
-            <a:endParaRPr lang="en-US" dirty="0"/>
-          </a:p>
-        </p:txBody>
-      </p:sp>
-    </p:spTree>
-  </p:cSld>
-  <p:clrMapOvr>
-    <a:masterClrMapping/>
-  </p:clrMapOvr>
-  <p:timing>
-    <p:tnLst>
-      <p:par>
-        <p:cTn id="1" dur="indefinite" restart="never" nodeType="tmRoot">
-          <p:childTnLst>
-            <p:seq>
-              <p:cTn id="2" nodeType="mainSeq"/>
-              <p:prevCondLst>
-                <p:cond evt="onPrev" delay="0">
-                  <p:tgtEl>
-                    <p:sldTgt/>
-                  </p:tgtEl>
-                </p:cond>
-              </p:prevCondLst>
-              <p:nextCondLst>
-                <p:cond evt="onNext" delay="0">
-                  <p:tgtEl>
-                    <p:sldTgt/>
-                  </p:tgtEl>
-                </p:cond>
-              </p:nextCondLst>
-            </p:seq>
-          </p:childTnLst>
-        </p:cTn>
-      </p:par>
-    </p:tnLst>
-  </p:timing>
-</p:sld>
-</file>
-
-<file path=ppt/slides/slide4.xml><?xml version="1.0" encoding="utf-8"?>
-<p:sld xmlns:a="http://schemas.openxmlformats.org/drawingml/2006/main" xmlns:r="http://schemas.openxmlformats.org/officeDocument/2006/relationships" xmlns:p="http://schemas.openxmlformats.org/presentationml/2006/main">
-  <p:cSld>
-    <p:spTree>
-      <p:nvGrpSpPr>
-        <p:cNvPr id="1" name=""/>
-        <p:cNvGrpSpPr/>
-        <p:nvPr/>
-      </p:nvGrpSpPr>
-      <p:grpSpPr>
-        <a:xfrm>
-          <a:off x="0" y="0"/>
-          <a:ext cx="0" cy="0"/>
-          <a:chOff x="0" y="0"/>
-          <a:chExt cx="0" cy="0"/>
-        </a:xfrm>
-      </p:grpSpPr>
-      <p:sp>
-        <p:nvSpPr>
-          <p:cNvPr id="43" name="TextShape 1"/>
-          <p:cNvSpPr txBox="1"/>
-          <p:nvPr/>
-        </p:nvSpPr>
-        <p:spPr>
-          <a:xfrm>
-            <a:off x="504000" y="301320"/>
-            <a:ext cx="9071640" cy="1262160"/>
-          </a:xfrm>
-          <a:prstGeom prst="rect">
-            <a:avLst/>
-          </a:prstGeom>
-        </p:spPr>
-        <p:txBody>
-          <a:bodyPr lIns="0" tIns="0" rIns="0" bIns="0" anchor="ctr"/>
-          <a:lstStyle/>
-          <a:p>
-            <a:pPr algn="ctr"/>
-            <a:r>
-              <a:rPr lang="en-US" sz="4400">
-                <a:latin typeface="Arial"/>
-              </a:rPr>
-              <a:t>Clouds: Azure, Amazon, Google...
-</a:t>
-            </a:r>
-            <a:r>
-              <a:rPr lang="en-US" sz="1600">
-                <a:latin typeface="Arial"/>
-              </a:rPr>
-              <a:t>and the rest.</a:t>
-            </a:r>
-            <a:endParaRPr/>
-          </a:p>
-        </p:txBody>
-      </p:sp>
-      <p:sp>
-        <p:nvSpPr>
-          <p:cNvPr id="44" name="TextShape 2"/>
-          <p:cNvSpPr txBox="1"/>
-          <p:nvPr/>
-        </p:nvSpPr>
-        <p:spPr>
-          <a:xfrm>
-            <a:off x="504000" y="1769040"/>
-            <a:ext cx="9071640" cy="4384440"/>
-          </a:xfrm>
-          <a:prstGeom prst="rect">
-            <a:avLst/>
-          </a:prstGeom>
-        </p:spPr>
-        <p:txBody>
-          <a:bodyPr lIns="0" tIns="0" rIns="0" bIns="0"/>
-          <a:lstStyle/>
-          <a:p>
-            <a:pPr>
-              <a:buSzPct val="45000"/>
-              <a:buFont typeface="StarSymbol"/>
-              <a:buChar char=""/>
-            </a:pPr>
-            <a:r>
-              <a:rPr lang="en-US" sz="3200">
-                <a:latin typeface="Arial"/>
-              </a:rPr>
-              <a:t>Whirlwind tour</a:t>
-            </a:r>
-            <a:endParaRPr/>
-          </a:p>
-        </p:txBody>
-      </p:sp>
-    </p:spTree>
-  </p:cSld>
-  <p:clrMapOvr>
-    <a:masterClrMapping/>
-  </p:clrMapOvr>
-  <p:timing>
-    <p:tnLst>
-      <p:par>
-        <p:cTn id="1" dur="indefinite" restart="never" nodeType="tmRoot"/>
-      </p:par>
-    </p:tnLst>
-  </p:timing>
-</p:sld>
-</file>
-
-<file path=ppt/slides/slide5.xml><?xml version="1.0" encoding="utf-8"?>
-<p:sld xmlns:a="http://schemas.openxmlformats.org/drawingml/2006/main" xmlns:r="http://schemas.openxmlformats.org/officeDocument/2006/relationships" xmlns:p="http://schemas.openxmlformats.org/presentationml/2006/main">
-  <p:cSld>
-    <p:spTree>
-      <p:nvGrpSpPr>
-        <p:cNvPr id="1" name=""/>
-        <p:cNvGrpSpPr/>
-        <p:nvPr/>
-      </p:nvGrpSpPr>
-      <p:grpSpPr>
-        <a:xfrm>
-          <a:off x="0" y="0"/>
-          <a:ext cx="0" cy="0"/>
-          <a:chOff x="0" y="0"/>
-          <a:chExt cx="0" cy="0"/>
-        </a:xfrm>
-      </p:grpSpPr>
-      <p:sp>
-        <p:nvSpPr>
-          <p:cNvPr id="2" name="Title 1"/>
-          <p:cNvSpPr>
-            <a:spLocks noGrp="1"/>
-          </p:cNvSpPr>
-          <p:nvPr>
-            <p:ph type="title"/>
-          </p:nvPr>
-        </p:nvSpPr>
-        <p:spPr/>
-        <p:txBody>
-          <a:bodyPr/>
-          <a:lstStyle/>
-          <a:p>
-            <a:r>
-              <a:rPr lang="en-US" dirty="0" smtClean="0"/>
-              <a:t>Point: if things fail, design for failure</a:t>
-            </a:r>
-            <a:endParaRPr lang="en-US" dirty="0"/>
-          </a:p>
-        </p:txBody>
-      </p:sp>
-      <p:sp>
-        <p:nvSpPr>
-          <p:cNvPr id="3" name="Content Placeholder 2"/>
-          <p:cNvSpPr>
-            <a:spLocks noGrp="1"/>
-          </p:cNvSpPr>
-          <p:nvPr>
-            <p:ph idx="1"/>
-          </p:nvPr>
-        </p:nvSpPr>
-        <p:spPr/>
-        <p:txBody>
-          <a:bodyPr/>
-          <a:lstStyle/>
-          <a:p>
-            <a:r>
-              <a:rPr lang="en-US" dirty="0" smtClean="0"/>
-              <a:t>Story: disks fail constantly. In a datacenter, disk are </a:t>
-            </a:r>
-            <a:r>
-              <a:rPr lang="en-US" i="1" dirty="0" smtClean="0"/>
-              <a:t>constantly failing</a:t>
-            </a:r>
-            <a:r>
-              <a:rPr lang="en-US" dirty="0" smtClean="0"/>
-              <a:t>. You should expect that each component of your application could hit that disk at any time. Your components should think that’s normal – it’ll happen to them.</a:t>
-            </a:r>
-          </a:p>
-          <a:p>
-            <a:pPr lvl="1"/>
-            <a:r>
-              <a:rPr lang="en-US" dirty="0" smtClean="0"/>
-              <a:t>Chaos monkey!</a:t>
-            </a:r>
-            <a:endParaRPr lang="en-US" dirty="0"/>
-          </a:p>
-        </p:txBody>
-      </p:sp>
-    </p:spTree>
-    <p:extLst>
-      <p:ext uri="{BB962C8B-B14F-4D97-AF65-F5344CB8AC3E}">
-        <p14:creationId xmlns:p14="http://schemas.microsoft.com/office/powerpoint/2010/main" val="1252252981"/>
-      </p:ext>
-    </p:extLst>
-  </p:cSld>
-  <p:clrMapOvr>
-    <a:masterClrMapping/>
-  </p:clrMapOvr>
-  <p:timing>
-    <p:tnLst>
-      <p:par>
-        <p:cTn id="1" dur="indefinite" restart="never" nodeType="tmRoot"/>
-      </p:par>
-    </p:tnLst>
-  </p:timing>
-</p:sld>
-</file>
-
-<file path=ppt/slides/slide6.xml><?xml version="1.0" encoding="utf-8"?>
-<p:sld xmlns:a="http://schemas.openxmlformats.org/drawingml/2006/main" xmlns:r="http://schemas.openxmlformats.org/officeDocument/2006/relationships" xmlns:p="http://schemas.openxmlformats.org/presentationml/2006/main">
-  <p:cSld>
-    <p:spTree>
-      <p:nvGrpSpPr>
-        <p:cNvPr id="1" name=""/>
-        <p:cNvGrpSpPr/>
-        <p:nvPr/>
-      </p:nvGrpSpPr>
-      <p:grpSpPr>
-        <a:xfrm>
-          <a:off x="0" y="0"/>
-          <a:ext cx="0" cy="0"/>
-          <a:chOff x="0" y="0"/>
-          <a:chExt cx="0" cy="0"/>
-        </a:xfrm>
-      </p:grpSpPr>
-      <p:sp>
-        <p:nvSpPr>
-          <p:cNvPr id="2" name="Title 1"/>
-          <p:cNvSpPr>
-            <a:spLocks noGrp="1"/>
-          </p:cNvSpPr>
-          <p:nvPr>
-            <p:ph type="title"/>
-          </p:nvPr>
-        </p:nvSpPr>
-        <p:spPr/>
-        <p:txBody>
-          <a:bodyPr/>
-          <a:lstStyle/>
-          <a:p>
-            <a:r>
-              <a:rPr lang="en-US" dirty="0" smtClean="0"/>
-              <a:t>Point: Do you wash your rental car? </a:t>
-            </a:r>
-            <a:endParaRPr lang="en-US" dirty="0"/>
-          </a:p>
-        </p:txBody>
-      </p:sp>
-      <p:sp>
-        <p:nvSpPr>
-          <p:cNvPr id="3" name="Content Placeholder 2"/>
-          <p:cNvSpPr>
-            <a:spLocks noGrp="1"/>
-          </p:cNvSpPr>
-          <p:nvPr>
-            <p:ph idx="1"/>
-          </p:nvPr>
-        </p:nvSpPr>
-        <p:spPr/>
-        <p:txBody>
-          <a:bodyPr/>
-          <a:lstStyle/>
-          <a:p>
-            <a:r>
-              <a:rPr lang="en-US" dirty="0" smtClean="0"/>
-              <a:t>I didn’t think so….</a:t>
-            </a:r>
-          </a:p>
-          <a:p>
-            <a:r>
-              <a:rPr lang="en-US" dirty="0" smtClean="0"/>
-              <a:t>So, if you’re renting computers, why don’t you burn them up?</a:t>
-            </a:r>
-          </a:p>
-          <a:p>
-            <a:r>
-              <a:rPr lang="en-US" dirty="0" smtClean="0"/>
-              <a:t>RUN YOUR MACHINERY HARD. </a:t>
-            </a:r>
-          </a:p>
-          <a:p>
-            <a:pPr lvl="1"/>
-            <a:r>
-              <a:rPr lang="en-US" dirty="0" smtClean="0"/>
-              <a:t>Containers</a:t>
-            </a:r>
-          </a:p>
-          <a:p>
-            <a:pPr lvl="1"/>
-            <a:r>
-              <a:rPr lang="en-US" dirty="0" smtClean="0"/>
-              <a:t>Chaos Monkey</a:t>
-            </a:r>
-          </a:p>
-          <a:p>
-            <a:pPr lvl="1"/>
-            <a:r>
-              <a:rPr lang="en-US" dirty="0" smtClean="0"/>
-              <a:t>Failure detection</a:t>
-            </a:r>
-          </a:p>
-          <a:p>
-            <a:pPr lvl="1"/>
-            <a:r>
-              <a:rPr lang="en-US" dirty="0" smtClean="0"/>
-              <a:t>STORAGE strategy: distributed </a:t>
-            </a:r>
-            <a:r>
-              <a:rPr lang="en-US" dirty="0" err="1" smtClean="0"/>
-              <a:t>redis</a:t>
-            </a:r>
-            <a:r>
-              <a:rPr lang="en-US" dirty="0" smtClean="0"/>
-              <a:t> into blobs, </a:t>
-            </a:r>
-            <a:r>
-              <a:rPr lang="en-US" dirty="0" err="1" smtClean="0"/>
-              <a:t>json</a:t>
-            </a:r>
-            <a:r>
-              <a:rPr lang="en-US" dirty="0" smtClean="0"/>
-              <a:t> blobs (“documents” -- </a:t>
-            </a:r>
-            <a:r>
-              <a:rPr lang="en-US" dirty="0" err="1" smtClean="0"/>
-              <a:t>mongodb</a:t>
-            </a:r>
-            <a:r>
-              <a:rPr lang="en-US" dirty="0" smtClean="0"/>
-              <a:t>) and </a:t>
-            </a:r>
-            <a:r>
-              <a:rPr lang="en-US" dirty="0" err="1" smtClean="0"/>
-              <a:t>sql</a:t>
-            </a:r>
-            <a:r>
-              <a:rPr lang="en-US" dirty="0" smtClean="0"/>
-              <a:t> </a:t>
-            </a:r>
-            <a:r>
-              <a:rPr lang="en-US" dirty="0" err="1" smtClean="0"/>
-              <a:t>backends</a:t>
-            </a:r>
-            <a:endParaRPr lang="en-US" dirty="0" smtClean="0"/>
-          </a:p>
-          <a:p>
-            <a:pPr lvl="1"/>
-            <a:r>
-              <a:rPr lang="en-US" dirty="0" smtClean="0"/>
-              <a:t>Etc.</a:t>
-            </a:r>
-            <a:endParaRPr lang="en-US" dirty="0"/>
-          </a:p>
-        </p:txBody>
-      </p:sp>
-    </p:spTree>
-    <p:extLst>
-      <p:ext uri="{BB962C8B-B14F-4D97-AF65-F5344CB8AC3E}">
-        <p14:creationId xmlns:p14="http://schemas.microsoft.com/office/powerpoint/2010/main" val="2311350296"/>
-      </p:ext>
-    </p:extLst>
-  </p:cSld>
-  <p:clrMapOvr>
-    <a:masterClrMapping/>
-  </p:clrMapOvr>
-  <p:timing>
-    <p:tnLst>
-      <p:par>
-        <p:cTn id="1" dur="indefinite" restart="never" nodeType="tmRoot"/>
-      </p:par>
-    </p:tnLst>
-  </p:timing>
-</p:sld>
-</file>
-
-<file path=ppt/slides/slide7.xml><?xml version="1.0" encoding="utf-8"?>
-<p:sld xmlns:a="http://schemas.openxmlformats.org/drawingml/2006/main" xmlns:r="http://schemas.openxmlformats.org/officeDocument/2006/relationships" xmlns:p="http://schemas.openxmlformats.org/presentationml/2006/main">
-  <p:cSld>
-    <p:spTree>
-      <p:nvGrpSpPr>
-        <p:cNvPr id="1" name=""/>
-        <p:cNvGrpSpPr/>
-        <p:nvPr/>
-      </p:nvGrpSpPr>
-      <p:grpSpPr>
-        <a:xfrm>
-          <a:off x="0" y="0"/>
-          <a:ext cx="0" cy="0"/>
-          <a:chOff x="0" y="0"/>
-          <a:chExt cx="0" cy="0"/>
-        </a:xfrm>
-      </p:grpSpPr>
-      <p:sp>
-        <p:nvSpPr>
-          <p:cNvPr id="2" name="Title 1"/>
-          <p:cNvSpPr>
-            <a:spLocks noGrp="1"/>
-          </p:cNvSpPr>
-          <p:nvPr>
-            <p:ph type="title"/>
-          </p:nvPr>
-        </p:nvSpPr>
-        <p:spPr/>
-        <p:txBody>
-          <a:bodyPr/>
-          <a:lstStyle/>
-          <a:p>
-            <a:r>
-              <a:rPr lang="en-US" dirty="0" smtClean="0"/>
-              <a:t>Point: Smallest possible partitioned resource</a:t>
-            </a:r>
-            <a:endParaRPr lang="en-US" dirty="0"/>
-          </a:p>
-        </p:txBody>
-      </p:sp>
-      <p:sp>
-        <p:nvSpPr>
-          <p:cNvPr id="3" name="Content Placeholder 2"/>
-          <p:cNvSpPr>
-            <a:spLocks noGrp="1"/>
-          </p:cNvSpPr>
-          <p:nvPr>
-            <p:ph idx="1"/>
-          </p:nvPr>
-        </p:nvSpPr>
-        <p:spPr/>
-        <p:txBody>
-          <a:bodyPr/>
-          <a:lstStyle/>
-          <a:p>
-            <a:r>
-              <a:rPr lang="en-US" dirty="0" smtClean="0"/>
-              <a:t>VMs should be smallest</a:t>
-            </a:r>
-          </a:p>
-          <a:p>
-            <a:r>
-              <a:rPr lang="en-US" dirty="0" smtClean="0"/>
-              <a:t>OS should be smallest </a:t>
-            </a:r>
-          </a:p>
-          <a:p>
-            <a:r>
-              <a:rPr lang="en-US" dirty="0" smtClean="0"/>
-              <a:t>Bunches of storages with partition and retry policies</a:t>
-            </a:r>
-          </a:p>
-          <a:p>
-            <a:endParaRPr lang="en-US" dirty="0"/>
-          </a:p>
-          <a:p>
-            <a:r>
-              <a:rPr lang="en-US" dirty="0" smtClean="0"/>
-              <a:t>Benefits:</a:t>
-            </a:r>
-          </a:p>
-          <a:p>
-            <a:pPr lvl="1"/>
-            <a:r>
-              <a:rPr lang="en-US" dirty="0" smtClean="0"/>
-              <a:t>Fine grained </a:t>
-            </a:r>
-            <a:r>
-              <a:rPr lang="en-US" dirty="0" err="1" smtClean="0"/>
-              <a:t>scaleout</a:t>
-            </a:r>
-            <a:r>
-              <a:rPr lang="en-US" dirty="0" smtClean="0"/>
-              <a:t> and </a:t>
-            </a:r>
-            <a:r>
-              <a:rPr lang="en-US" dirty="0" err="1" smtClean="0"/>
-              <a:t>scalein</a:t>
-            </a:r>
-            <a:endParaRPr lang="en-US" dirty="0" smtClean="0"/>
-          </a:p>
-          <a:p>
-            <a:pPr lvl="1"/>
-            <a:r>
-              <a:rPr lang="en-US" dirty="0" smtClean="0"/>
-              <a:t>Each failure much smaller portion of entire load</a:t>
-            </a:r>
-          </a:p>
-          <a:p>
-            <a:pPr lvl="1"/>
-            <a:r>
-              <a:rPr lang="en-US" dirty="0" smtClean="0"/>
-              <a:t>Cost (Duh)</a:t>
-            </a:r>
-          </a:p>
-          <a:p>
-            <a:endParaRPr lang="en-US" dirty="0"/>
-          </a:p>
-        </p:txBody>
-      </p:sp>
-    </p:spTree>
-    <p:extLst>
-      <p:ext uri="{BB962C8B-B14F-4D97-AF65-F5344CB8AC3E}">
-        <p14:creationId xmlns:p14="http://schemas.microsoft.com/office/powerpoint/2010/main" val="4060300020"/>
-      </p:ext>
-    </p:extLst>
-  </p:cSld>
-  <p:clrMapOvr>
-    <a:masterClrMapping/>
-  </p:clrMapOvr>
-  <p:timing>
-    <p:tnLst>
-      <p:par>
-        <p:cTn id="1" dur="indefinite" restart="never" nodeType="tmRoot"/>
-      </p:par>
-    </p:tnLst>
-  </p:timing>
-</p:sld>
-</file>
-
-<file path=ppt/slides/slide8.xml><?xml version="1.0" encoding="utf-8"?>
-<p:sld xmlns:a="http://schemas.openxmlformats.org/drawingml/2006/main" xmlns:r="http://schemas.openxmlformats.org/officeDocument/2006/relationships" xmlns:p="http://schemas.openxmlformats.org/presentationml/2006/main">
-  <p:cSld>
-    <p:spTree>
-      <p:nvGrpSpPr>
-        <p:cNvPr id="1" name=""/>
-        <p:cNvGrpSpPr/>
-        <p:nvPr/>
-      </p:nvGrpSpPr>
-      <p:grpSpPr>
-        <a:xfrm>
-          <a:off x="0" y="0"/>
-          <a:ext cx="0" cy="0"/>
-          <a:chOff x="0" y="0"/>
-          <a:chExt cx="0" cy="0"/>
-        </a:xfrm>
-      </p:grpSpPr>
-      <p:sp>
-        <p:nvSpPr>
-          <p:cNvPr id="2" name="Title 1"/>
-          <p:cNvSpPr>
-            <a:spLocks noGrp="1"/>
-          </p:cNvSpPr>
-          <p:nvPr>
-            <p:ph type="title"/>
-          </p:nvPr>
-        </p:nvSpPr>
-        <p:spPr/>
-        <p:txBody>
-          <a:bodyPr/>
-          <a:lstStyle/>
-          <a:p>
-            <a:r>
-              <a:rPr lang="en-US" dirty="0" smtClean="0"/>
-              <a:t>Point: Scale-up works if…	</a:t>
-            </a:r>
-            <a:endParaRPr lang="en-US" dirty="0"/>
-          </a:p>
-        </p:txBody>
-      </p:sp>
-      <p:sp>
-        <p:nvSpPr>
-          <p:cNvPr id="3" name="Content Placeholder 2"/>
-          <p:cNvSpPr>
-            <a:spLocks noGrp="1"/>
-          </p:cNvSpPr>
-          <p:nvPr>
-            <p:ph idx="1"/>
-          </p:nvPr>
-        </p:nvSpPr>
-        <p:spPr/>
-        <p:txBody>
-          <a:bodyPr/>
-          <a:lstStyle/>
-          <a:p>
-            <a:r>
-              <a:rPr lang="en-US" dirty="0" smtClean="0"/>
-              <a:t>Stackoverflow.com</a:t>
-            </a:r>
-          </a:p>
-          <a:p>
-            <a:pPr lvl="1"/>
-            <a:r>
-              <a:rPr lang="en-US" dirty="0" smtClean="0"/>
-              <a:t>The example that proves the rule.</a:t>
-            </a:r>
-            <a:endParaRPr lang="en-US" dirty="0"/>
-          </a:p>
-        </p:txBody>
-      </p:sp>
-    </p:spTree>
-    <p:extLst>
-      <p:ext uri="{BB962C8B-B14F-4D97-AF65-F5344CB8AC3E}">
-        <p14:creationId xmlns:p14="http://schemas.microsoft.com/office/powerpoint/2010/main" val="2763228247"/>
-      </p:ext>
-    </p:extLst>
-  </p:cSld>
-  <p:clrMapOvr>
-    <a:masterClrMapping/>
-  </p:clrMapOvr>
-  <p:timing>
-    <p:tnLst>
-      <p:par>
-        <p:cTn id="1" dur="indefinite" restart="never" nodeType="tmRoot"/>
-      </p:par>
-    </p:tnLst>
-  </p:timing>
-</p:sld>
-</file>
-
-<file path=ppt/slides/slide9.xml><?xml version="1.0" encoding="utf-8"?>
-<p:sld xmlns:a="http://schemas.openxmlformats.org/drawingml/2006/main" xmlns:r="http://schemas.openxmlformats.org/officeDocument/2006/relationships" xmlns:p="http://schemas.openxmlformats.org/presentationml/2006/main">
-  <p:cSld>
-    <p:spTree>
-      <p:nvGrpSpPr>
-        <p:cNvPr id="1" name=""/>
-        <p:cNvGrpSpPr/>
-        <p:nvPr/>
-      </p:nvGrpSpPr>
-      <p:grpSpPr>
-        <a:xfrm>
-          <a:off x="0" y="0"/>
-          <a:ext cx="0" cy="0"/>
-          <a:chOff x="0" y="0"/>
-          <a:chExt cx="0" cy="0"/>
-        </a:xfrm>
-      </p:grpSpPr>
-      <p:sp>
-        <p:nvSpPr>
-          <p:cNvPr id="2" name="Title 1"/>
-          <p:cNvSpPr>
-            <a:spLocks noGrp="1"/>
-          </p:cNvSpPr>
-          <p:nvPr>
-            <p:ph type="title"/>
-          </p:nvPr>
-        </p:nvSpPr>
-        <p:spPr/>
-        <p:txBody>
-          <a:bodyPr/>
-          <a:lstStyle/>
-          <a:p>
-            <a:r>
-              <a:rPr lang="en-US" dirty="0" smtClean="0"/>
-              <a:t>Point: CAP theorem pushes us towards</a:t>
-            </a:r>
-            <a:endParaRPr lang="en-US" dirty="0"/>
-          </a:p>
-        </p:txBody>
-      </p:sp>
-      <p:sp>
-        <p:nvSpPr>
-          <p:cNvPr id="3" name="Content Placeholder 2"/>
-          <p:cNvSpPr>
-            <a:spLocks noGrp="1"/>
-          </p:cNvSpPr>
-          <p:nvPr>
-            <p:ph idx="1"/>
-          </p:nvPr>
-        </p:nvSpPr>
-        <p:spPr/>
-        <p:txBody>
-          <a:bodyPr/>
-          <a:lstStyle/>
-          <a:p>
-            <a:r>
-              <a:rPr lang="en-US" dirty="0" smtClean="0"/>
-              <a:t>We must choose between the three; experience in distributed systems teaches us that C(</a:t>
-            </a:r>
-            <a:r>
-              <a:rPr lang="en-US" dirty="0" err="1" smtClean="0"/>
-              <a:t>onsistency</a:t>
-            </a:r>
-            <a:r>
-              <a:rPr lang="en-US" dirty="0" smtClean="0"/>
-              <a:t>) is not one of the top two</a:t>
-            </a:r>
-          </a:p>
-          <a:p>
-            <a:pPr lvl="1"/>
-            <a:r>
-              <a:rPr lang="en-US" dirty="0" smtClean="0"/>
-              <a:t>With one exception: When it is the point of the application. Only then.</a:t>
-            </a:r>
-            <a:endParaRPr lang="en-US" dirty="0"/>
-          </a:p>
-        </p:txBody>
-      </p:sp>
-    </p:spTree>
-    <p:extLst>
-      <p:ext uri="{BB962C8B-B14F-4D97-AF65-F5344CB8AC3E}">
-        <p14:creationId xmlns:p14="http://schemas.microsoft.com/office/powerpoint/2010/main" val="2353631036"/>
-      </p:ext>
-    </p:extLst>
-  </p:cSld>
-  <p:clrMapOvr>
-    <a:masterClrMapping/>
-  </p:clrMapOvr>
-  <p:timing>
-    <p:tnLst>
-      <p:par>
-        <p:cTn id="1" dur="indefinite" restart="never" nodeType="tmRoot"/>
-      </p:par>
-    </p:tnLst>
+    <p:bldLst>
+      <p:bldP spid="3" grpId="0" build="p"/>
+    </p:bldLst>
   </p:timing>
 </p:sld>
 </file>

--- a/Cloud and Distributed Architecture Overview.pptx
+++ b/Cloud and Distributed Architecture Overview.pptx
@@ -6,6 +6,7 @@
   </p:sldMasterIdLst>
   <p:sldIdLst>
     <p:sldId id="264" r:id="rId2"/>
+    <p:sldId id="265" r:id="rId3"/>
   </p:sldIdLst>
   <p:sldSz cx="10080625" cy="7559675"/>
   <p:notesSz cx="7772400" cy="10058400"/>
@@ -298,7 +299,7 @@
           <a:p>
             <a:fld id="{E93B9923-E3EC-48CC-9721-9F39E972B268}" type="datetimeFigureOut">
               <a:rPr lang="en-US" smtClean="0"/>
-              <a:t>5/9/2015</a:t>
+              <a:t>5/11/2015</a:t>
             </a:fld>
             <a:endParaRPr lang="en-US"/>
           </a:p>
@@ -4629,7 +4630,7 @@
           <a:p>
             <a:fld id="{E93B9923-E3EC-48CC-9721-9F39E972B268}" type="datetimeFigureOut">
               <a:rPr lang="en-US" smtClean="0"/>
-              <a:t>5/9/2015</a:t>
+              <a:t>5/11/2015</a:t>
             </a:fld>
             <a:endParaRPr lang="en-US"/>
           </a:p>
@@ -6460,13 +6461,30 @@
         </p:spPr>
         <p:txBody>
           <a:bodyPr>
-            <a:normAutofit fontScale="92500" lnSpcReduction="10000"/>
+            <a:normAutofit fontScale="77500" lnSpcReduction="20000"/>
           </a:bodyPr>
           <a:lstStyle/>
           <a:p>
             <a:r>
               <a:rPr lang="en-US" dirty="0" smtClean="0"/>
-              <a:t>You need to know the choices you face because everything is faster. We’ll do that.</a:t>
+              <a:t>Everything you’ve done up until now has probably been right.</a:t>
+            </a:r>
+          </a:p>
+          <a:p>
+            <a:pPr lvl="1"/>
+            <a:r>
+              <a:rPr lang="en-US" dirty="0" smtClean="0"/>
+              <a:t>We’re now discussing how to do better.</a:t>
+            </a:r>
+          </a:p>
+          <a:p>
+            <a:r>
+              <a:rPr lang="en-US" dirty="0" smtClean="0"/>
+              <a:t>You </a:t>
+            </a:r>
+            <a:r>
+              <a:rPr lang="en-US" dirty="0" smtClean="0"/>
+              <a:t>need to know the choices you face because everything is faster. We’ll do that.</a:t>
             </a:r>
           </a:p>
           <a:p>
@@ -6681,15 +6699,33 @@
                                   </p:childTnLst>
                                 </p:cTn>
                               </p:par>
+                            </p:childTnLst>
+                          </p:cTn>
+                        </p:par>
+                      </p:childTnLst>
+                    </p:cTn>
+                  </p:par>
+                  <p:par>
+                    <p:cTn id="11" fill="hold">
+                      <p:stCondLst>
+                        <p:cond delay="indefinite"/>
+                      </p:stCondLst>
+                      <p:childTnLst>
+                        <p:par>
+                          <p:cTn id="12" fill="hold">
+                            <p:stCondLst>
+                              <p:cond delay="0"/>
+                            </p:stCondLst>
+                            <p:childTnLst>
                               <p:par>
-                                <p:cTn id="11" presetID="10" presetClass="entr" presetSubtype="0" fill="hold" grpId="0" nodeType="withEffect">
+                                <p:cTn id="13" presetID="10" presetClass="entr" presetSubtype="0" fill="hold" grpId="0" nodeType="clickEffect">
                                   <p:stCondLst>
                                     <p:cond delay="0"/>
                                   </p:stCondLst>
                                   <p:childTnLst>
                                     <p:set>
                                       <p:cBhvr>
-                                        <p:cTn id="12" dur="1" fill="hold">
+                                        <p:cTn id="14" dur="1" fill="hold">
                                           <p:stCondLst>
                                             <p:cond delay="0"/>
                                           </p:stCondLst>
@@ -6711,7 +6747,7 @@
                                     </p:set>
                                     <p:animEffect transition="in" filter="fade">
                                       <p:cBhvr>
-                                        <p:cTn id="13" dur="500"/>
+                                        <p:cTn id="15" dur="500"/>
                                         <p:tgtEl>
                                           <p:spTgt spid="3">
                                             <p:txEl>
@@ -6725,14 +6761,14 @@
                                 </p:cTn>
                               </p:par>
                               <p:par>
-                                <p:cTn id="14" presetID="10" presetClass="entr" presetSubtype="0" fill="hold" grpId="0" nodeType="withEffect">
+                                <p:cTn id="16" presetID="10" presetClass="entr" presetSubtype="0" fill="hold" grpId="0" nodeType="withEffect">
                                   <p:stCondLst>
                                     <p:cond delay="0"/>
                                   </p:stCondLst>
                                   <p:childTnLst>
                                     <p:set>
                                       <p:cBhvr>
-                                        <p:cTn id="15" dur="1" fill="hold">
+                                        <p:cTn id="17" dur="1" fill="hold">
                                           <p:stCondLst>
                                             <p:cond delay="0"/>
                                           </p:stCondLst>
@@ -6754,7 +6790,7 @@
                                     </p:set>
                                     <p:animEffect transition="in" filter="fade">
                                       <p:cBhvr>
-                                        <p:cTn id="16" dur="500"/>
+                                        <p:cTn id="18" dur="500"/>
                                         <p:tgtEl>
                                           <p:spTgt spid="3">
                                             <p:txEl>
@@ -6768,14 +6804,14 @@
                                 </p:cTn>
                               </p:par>
                               <p:par>
-                                <p:cTn id="17" presetID="10" presetClass="entr" presetSubtype="0" fill="hold" grpId="0" nodeType="withEffect">
+                                <p:cTn id="19" presetID="10" presetClass="entr" presetSubtype="0" fill="hold" grpId="0" nodeType="withEffect">
                                   <p:stCondLst>
                                     <p:cond delay="0"/>
                                   </p:stCondLst>
                                   <p:childTnLst>
                                     <p:set>
                                       <p:cBhvr>
-                                        <p:cTn id="18" dur="1" fill="hold">
+                                        <p:cTn id="20" dur="1" fill="hold">
                                           <p:stCondLst>
                                             <p:cond delay="0"/>
                                           </p:stCondLst>
@@ -6797,7 +6833,7 @@
                                     </p:set>
                                     <p:animEffect transition="in" filter="fade">
                                       <p:cBhvr>
-                                        <p:cTn id="19" dur="500"/>
+                                        <p:cTn id="21" dur="500"/>
                                         <p:tgtEl>
                                           <p:spTgt spid="3">
                                             <p:txEl>
@@ -6811,14 +6847,14 @@
                                 </p:cTn>
                               </p:par>
                               <p:par>
-                                <p:cTn id="20" presetID="10" presetClass="entr" presetSubtype="0" fill="hold" grpId="0" nodeType="withEffect">
+                                <p:cTn id="22" presetID="10" presetClass="entr" presetSubtype="0" fill="hold" grpId="0" nodeType="withEffect">
                                   <p:stCondLst>
                                     <p:cond delay="0"/>
                                   </p:stCondLst>
                                   <p:childTnLst>
                                     <p:set>
                                       <p:cBhvr>
-                                        <p:cTn id="21" dur="1" fill="hold">
+                                        <p:cTn id="23" dur="1" fill="hold">
                                           <p:stCondLst>
                                             <p:cond delay="0"/>
                                           </p:stCondLst>
@@ -6840,7 +6876,7 @@
                                     </p:set>
                                     <p:animEffect transition="in" filter="fade">
                                       <p:cBhvr>
-                                        <p:cTn id="22" dur="500"/>
+                                        <p:cTn id="24" dur="500"/>
                                         <p:tgtEl>
                                           <p:spTgt spid="3">
                                             <p:txEl>
@@ -6853,26 +6889,8 @@
                                   </p:childTnLst>
                                 </p:cTn>
                               </p:par>
-                            </p:childTnLst>
-                          </p:cTn>
-                        </p:par>
-                      </p:childTnLst>
-                    </p:cTn>
-                  </p:par>
-                  <p:par>
-                    <p:cTn id="23" fill="hold">
-                      <p:stCondLst>
-                        <p:cond delay="indefinite"/>
-                      </p:stCondLst>
-                      <p:childTnLst>
-                        <p:par>
-                          <p:cTn id="24" fill="hold">
-                            <p:stCondLst>
-                              <p:cond delay="0"/>
-                            </p:stCondLst>
-                            <p:childTnLst>
                               <p:par>
-                                <p:cTn id="25" presetID="10" presetClass="entr" presetSubtype="0" fill="hold" grpId="0" nodeType="clickEffect">
+                                <p:cTn id="25" presetID="10" presetClass="entr" presetSubtype="0" fill="hold" grpId="0" nodeType="withEffect">
                                   <p:stCondLst>
                                     <p:cond delay="0"/>
                                   </p:stCondLst>
@@ -6957,15 +6975,33 @@
                                   </p:childTnLst>
                                 </p:cTn>
                               </p:par>
+                            </p:childTnLst>
+                          </p:cTn>
+                        </p:par>
+                      </p:childTnLst>
+                    </p:cTn>
+                  </p:par>
+                  <p:par>
+                    <p:cTn id="31" fill="hold">
+                      <p:stCondLst>
+                        <p:cond delay="indefinite"/>
+                      </p:stCondLst>
+                      <p:childTnLst>
+                        <p:par>
+                          <p:cTn id="32" fill="hold">
+                            <p:stCondLst>
+                              <p:cond delay="0"/>
+                            </p:stCondLst>
+                            <p:childTnLst>
                               <p:par>
-                                <p:cTn id="31" presetID="10" presetClass="entr" presetSubtype="0" fill="hold" grpId="0" nodeType="withEffect">
+                                <p:cTn id="33" presetID="10" presetClass="entr" presetSubtype="0" fill="hold" grpId="0" nodeType="clickEffect">
                                   <p:stCondLst>
                                     <p:cond delay="0"/>
                                   </p:stCondLst>
                                   <p:childTnLst>
                                     <p:set>
                                       <p:cBhvr>
-                                        <p:cTn id="32" dur="1" fill="hold">
+                                        <p:cTn id="34" dur="1" fill="hold">
                                           <p:stCondLst>
                                             <p:cond delay="0"/>
                                           </p:stCondLst>
@@ -6987,7 +7023,7 @@
                                     </p:set>
                                     <p:animEffect transition="in" filter="fade">
                                       <p:cBhvr>
-                                        <p:cTn id="33" dur="500"/>
+                                        <p:cTn id="35" dur="500"/>
                                         <p:tgtEl>
                                           <p:spTgt spid="3">
                                             <p:txEl>
@@ -7001,14 +7037,14 @@
                                 </p:cTn>
                               </p:par>
                               <p:par>
-                                <p:cTn id="34" presetID="10" presetClass="entr" presetSubtype="0" fill="hold" grpId="0" nodeType="withEffect">
+                                <p:cTn id="36" presetID="10" presetClass="entr" presetSubtype="0" fill="hold" grpId="0" nodeType="withEffect">
                                   <p:stCondLst>
                                     <p:cond delay="0"/>
                                   </p:stCondLst>
                                   <p:childTnLst>
                                     <p:set>
                                       <p:cBhvr>
-                                        <p:cTn id="35" dur="1" fill="hold">
+                                        <p:cTn id="37" dur="1" fill="hold">
                                           <p:stCondLst>
                                             <p:cond delay="0"/>
                                           </p:stCondLst>
@@ -7030,7 +7066,7 @@
                                     </p:set>
                                     <p:animEffect transition="in" filter="fade">
                                       <p:cBhvr>
-                                        <p:cTn id="36" dur="500"/>
+                                        <p:cTn id="38" dur="500"/>
                                         <p:tgtEl>
                                           <p:spTgt spid="3">
                                             <p:txEl>
@@ -7044,14 +7080,14 @@
                                 </p:cTn>
                               </p:par>
                               <p:par>
-                                <p:cTn id="37" presetID="10" presetClass="entr" presetSubtype="0" fill="hold" grpId="0" nodeType="withEffect">
+                                <p:cTn id="39" presetID="10" presetClass="entr" presetSubtype="0" fill="hold" grpId="0" nodeType="withEffect">
                                   <p:stCondLst>
                                     <p:cond delay="0"/>
                                   </p:stCondLst>
                                   <p:childTnLst>
                                     <p:set>
                                       <p:cBhvr>
-                                        <p:cTn id="38" dur="1" fill="hold">
+                                        <p:cTn id="40" dur="1" fill="hold">
                                           <p:stCondLst>
                                             <p:cond delay="0"/>
                                           </p:stCondLst>
@@ -7073,7 +7109,7 @@
                                     </p:set>
                                     <p:animEffect transition="in" filter="fade">
                                       <p:cBhvr>
-                                        <p:cTn id="39" dur="500"/>
+                                        <p:cTn id="41" dur="500"/>
                                         <p:tgtEl>
                                           <p:spTgt spid="3">
                                             <p:txEl>
@@ -7087,14 +7123,14 @@
                                 </p:cTn>
                               </p:par>
                               <p:par>
-                                <p:cTn id="40" presetID="10" presetClass="entr" presetSubtype="0" fill="hold" grpId="0" nodeType="withEffect">
+                                <p:cTn id="42" presetID="10" presetClass="entr" presetSubtype="0" fill="hold" grpId="0" nodeType="withEffect">
                                   <p:stCondLst>
                                     <p:cond delay="0"/>
                                   </p:stCondLst>
                                   <p:childTnLst>
                                     <p:set>
                                       <p:cBhvr>
-                                        <p:cTn id="41" dur="1" fill="hold">
+                                        <p:cTn id="43" dur="1" fill="hold">
                                           <p:stCondLst>
                                             <p:cond delay="0"/>
                                           </p:stCondLst>
@@ -7116,11 +7152,453 @@
                                     </p:set>
                                     <p:animEffect transition="in" filter="fade">
                                       <p:cBhvr>
-                                        <p:cTn id="42" dur="500"/>
+                                        <p:cTn id="44" dur="500"/>
                                         <p:tgtEl>
                                           <p:spTgt spid="3">
                                             <p:txEl>
                                               <p:pRg st="11" end="11"/>
+                                            </p:txEl>
+                                          </p:spTgt>
+                                        </p:tgtEl>
+                                      </p:cBhvr>
+                                    </p:animEffect>
+                                  </p:childTnLst>
+                                </p:cTn>
+                              </p:par>
+                              <p:par>
+                                <p:cTn id="45" presetID="10" presetClass="entr" presetSubtype="0" fill="hold" grpId="0" nodeType="withEffect">
+                                  <p:stCondLst>
+                                    <p:cond delay="0"/>
+                                  </p:stCondLst>
+                                  <p:childTnLst>
+                                    <p:set>
+                                      <p:cBhvr>
+                                        <p:cTn id="46" dur="1" fill="hold">
+                                          <p:stCondLst>
+                                            <p:cond delay="0"/>
+                                          </p:stCondLst>
+                                        </p:cTn>
+                                        <p:tgtEl>
+                                          <p:spTgt spid="3">
+                                            <p:txEl>
+                                              <p:pRg st="12" end="12"/>
+                                            </p:txEl>
+                                          </p:spTgt>
+                                        </p:tgtEl>
+                                        <p:attrNameLst>
+                                          <p:attrName>style.visibility</p:attrName>
+                                        </p:attrNameLst>
+                                      </p:cBhvr>
+                                      <p:to>
+                                        <p:strVal val="visible"/>
+                                      </p:to>
+                                    </p:set>
+                                    <p:animEffect transition="in" filter="fade">
+                                      <p:cBhvr>
+                                        <p:cTn id="47" dur="500"/>
+                                        <p:tgtEl>
+                                          <p:spTgt spid="3">
+                                            <p:txEl>
+                                              <p:pRg st="12" end="12"/>
+                                            </p:txEl>
+                                          </p:spTgt>
+                                        </p:tgtEl>
+                                      </p:cBhvr>
+                                    </p:animEffect>
+                                  </p:childTnLst>
+                                </p:cTn>
+                              </p:par>
+                              <p:par>
+                                <p:cTn id="48" presetID="10" presetClass="entr" presetSubtype="0" fill="hold" grpId="0" nodeType="withEffect">
+                                  <p:stCondLst>
+                                    <p:cond delay="0"/>
+                                  </p:stCondLst>
+                                  <p:childTnLst>
+                                    <p:set>
+                                      <p:cBhvr>
+                                        <p:cTn id="49" dur="1" fill="hold">
+                                          <p:stCondLst>
+                                            <p:cond delay="0"/>
+                                          </p:stCondLst>
+                                        </p:cTn>
+                                        <p:tgtEl>
+                                          <p:spTgt spid="3">
+                                            <p:txEl>
+                                              <p:pRg st="13" end="13"/>
+                                            </p:txEl>
+                                          </p:spTgt>
+                                        </p:tgtEl>
+                                        <p:attrNameLst>
+                                          <p:attrName>style.visibility</p:attrName>
+                                        </p:attrNameLst>
+                                      </p:cBhvr>
+                                      <p:to>
+                                        <p:strVal val="visible"/>
+                                      </p:to>
+                                    </p:set>
+                                    <p:animEffect transition="in" filter="fade">
+                                      <p:cBhvr>
+                                        <p:cTn id="50" dur="500"/>
+                                        <p:tgtEl>
+                                          <p:spTgt spid="3">
+                                            <p:txEl>
+                                              <p:pRg st="13" end="13"/>
+                                            </p:txEl>
+                                          </p:spTgt>
+                                        </p:tgtEl>
+                                      </p:cBhvr>
+                                    </p:animEffect>
+                                  </p:childTnLst>
+                                </p:cTn>
+                              </p:par>
+                            </p:childTnLst>
+                          </p:cTn>
+                        </p:par>
+                      </p:childTnLst>
+                    </p:cTn>
+                  </p:par>
+                </p:childTnLst>
+              </p:cTn>
+              <p:prevCondLst>
+                <p:cond evt="onPrev" delay="0">
+                  <p:tgtEl>
+                    <p:sldTgt/>
+                  </p:tgtEl>
+                </p:cond>
+              </p:prevCondLst>
+              <p:nextCondLst>
+                <p:cond evt="onNext" delay="0">
+                  <p:tgtEl>
+                    <p:sldTgt/>
+                  </p:tgtEl>
+                </p:cond>
+              </p:nextCondLst>
+            </p:seq>
+          </p:childTnLst>
+        </p:cTn>
+      </p:par>
+    </p:tnLst>
+    <p:bldLst>
+      <p:bldP spid="3" grpId="0" build="p"/>
+    </p:bldLst>
+  </p:timing>
+</p:sld>
+</file>
+
+<file path=ppt/slides/slide2.xml><?xml version="1.0" encoding="utf-8"?>
+<p:sld xmlns:a="http://schemas.openxmlformats.org/drawingml/2006/main" xmlns:r="http://schemas.openxmlformats.org/officeDocument/2006/relationships" xmlns:p="http://schemas.openxmlformats.org/presentationml/2006/main">
+  <p:cSld>
+    <p:spTree>
+      <p:nvGrpSpPr>
+        <p:cNvPr id="1" name=""/>
+        <p:cNvGrpSpPr/>
+        <p:nvPr/>
+      </p:nvGrpSpPr>
+      <p:grpSpPr>
+        <a:xfrm>
+          <a:off x="0" y="0"/>
+          <a:ext cx="0" cy="0"/>
+          <a:chOff x="0" y="0"/>
+          <a:chExt cx="0" cy="0"/>
+        </a:xfrm>
+      </p:grpSpPr>
+      <p:sp>
+        <p:nvSpPr>
+          <p:cNvPr id="2" name="Title 1"/>
+          <p:cNvSpPr>
+            <a:spLocks noGrp="1"/>
+          </p:cNvSpPr>
+          <p:nvPr>
+            <p:ph type="title"/>
+          </p:nvPr>
+        </p:nvSpPr>
+        <p:spPr/>
+        <p:txBody>
+          <a:bodyPr/>
+          <a:lstStyle/>
+          <a:p>
+            <a:r>
+              <a:rPr lang="en-US" dirty="0" smtClean="0"/>
+              <a:t>What I need from YOU</a:t>
+            </a:r>
+            <a:endParaRPr lang="en-US" dirty="0"/>
+          </a:p>
+        </p:txBody>
+      </p:sp>
+      <p:sp>
+        <p:nvSpPr>
+          <p:cNvPr id="3" name="Content Placeholder 2"/>
+          <p:cNvSpPr>
+            <a:spLocks noGrp="1"/>
+          </p:cNvSpPr>
+          <p:nvPr>
+            <p:ph idx="1"/>
+          </p:nvPr>
+        </p:nvSpPr>
+        <p:spPr/>
+        <p:txBody>
+          <a:bodyPr/>
+          <a:lstStyle/>
+          <a:p>
+            <a:r>
+              <a:rPr lang="en-US" dirty="0" smtClean="0"/>
+              <a:t>Pretend you’re an obnoxious American from San Francisco. I’ll teach you how!</a:t>
+            </a:r>
+          </a:p>
+          <a:p>
+            <a:r>
+              <a:rPr lang="en-US" dirty="0" smtClean="0"/>
+              <a:t>Where my brain is: note, I’m trying to bring it here, but….</a:t>
+            </a:r>
+          </a:p>
+          <a:p>
+            <a:r>
+              <a:rPr lang="en-US" dirty="0" smtClean="0"/>
+              <a:t>Your job today: Call “rat-hole”!!! </a:t>
+            </a:r>
+          </a:p>
+          <a:p>
+            <a:pPr lvl="1"/>
+            <a:r>
+              <a:rPr lang="en-US" dirty="0" smtClean="0"/>
+              <a:t>I’ll teach you. </a:t>
+            </a:r>
+          </a:p>
+          <a:p>
+            <a:endParaRPr lang="en-US" dirty="0"/>
+          </a:p>
+        </p:txBody>
+      </p:sp>
+    </p:spTree>
+    <p:extLst>
+      <p:ext uri="{BB962C8B-B14F-4D97-AF65-F5344CB8AC3E}">
+        <p14:creationId xmlns:p14="http://schemas.microsoft.com/office/powerpoint/2010/main" val="2648716709"/>
+      </p:ext>
+    </p:extLst>
+  </p:cSld>
+  <p:clrMapOvr>
+    <a:masterClrMapping/>
+  </p:clrMapOvr>
+  <p:timing>
+    <p:tnLst>
+      <p:par>
+        <p:cTn id="1" dur="indefinite" restart="never" nodeType="tmRoot">
+          <p:childTnLst>
+            <p:seq concurrent="1" nextAc="seek">
+              <p:cTn id="2" dur="indefinite" nodeType="mainSeq">
+                <p:childTnLst>
+                  <p:par>
+                    <p:cTn id="3" fill="hold">
+                      <p:stCondLst>
+                        <p:cond delay="indefinite"/>
+                      </p:stCondLst>
+                      <p:childTnLst>
+                        <p:par>
+                          <p:cTn id="4" fill="hold">
+                            <p:stCondLst>
+                              <p:cond delay="0"/>
+                            </p:stCondLst>
+                            <p:childTnLst>
+                              <p:par>
+                                <p:cTn id="5" presetID="10" presetClass="entr" presetSubtype="0" fill="hold" grpId="0" nodeType="clickEffect">
+                                  <p:stCondLst>
+                                    <p:cond delay="0"/>
+                                  </p:stCondLst>
+                                  <p:childTnLst>
+                                    <p:set>
+                                      <p:cBhvr>
+                                        <p:cTn id="6" dur="1" fill="hold">
+                                          <p:stCondLst>
+                                            <p:cond delay="0"/>
+                                          </p:stCondLst>
+                                        </p:cTn>
+                                        <p:tgtEl>
+                                          <p:spTgt spid="3">
+                                            <p:txEl>
+                                              <p:pRg st="0" end="0"/>
+                                            </p:txEl>
+                                          </p:spTgt>
+                                        </p:tgtEl>
+                                        <p:attrNameLst>
+                                          <p:attrName>style.visibility</p:attrName>
+                                        </p:attrNameLst>
+                                      </p:cBhvr>
+                                      <p:to>
+                                        <p:strVal val="visible"/>
+                                      </p:to>
+                                    </p:set>
+                                    <p:animEffect transition="in" filter="fade">
+                                      <p:cBhvr>
+                                        <p:cTn id="7" dur="500"/>
+                                        <p:tgtEl>
+                                          <p:spTgt spid="3">
+                                            <p:txEl>
+                                              <p:pRg st="0" end="0"/>
+                                            </p:txEl>
+                                          </p:spTgt>
+                                        </p:tgtEl>
+                                      </p:cBhvr>
+                                    </p:animEffect>
+                                  </p:childTnLst>
+                                </p:cTn>
+                              </p:par>
+                            </p:childTnLst>
+                          </p:cTn>
+                        </p:par>
+                      </p:childTnLst>
+                    </p:cTn>
+                  </p:par>
+                  <p:par>
+                    <p:cTn id="8" fill="hold">
+                      <p:stCondLst>
+                        <p:cond delay="indefinite"/>
+                      </p:stCondLst>
+                      <p:childTnLst>
+                        <p:par>
+                          <p:cTn id="9" fill="hold">
+                            <p:stCondLst>
+                              <p:cond delay="0"/>
+                            </p:stCondLst>
+                            <p:childTnLst>
+                              <p:par>
+                                <p:cTn id="10" presetID="10" presetClass="entr" presetSubtype="0" fill="hold" grpId="0" nodeType="clickEffect">
+                                  <p:stCondLst>
+                                    <p:cond delay="0"/>
+                                  </p:stCondLst>
+                                  <p:childTnLst>
+                                    <p:set>
+                                      <p:cBhvr>
+                                        <p:cTn id="11" dur="1" fill="hold">
+                                          <p:stCondLst>
+                                            <p:cond delay="0"/>
+                                          </p:stCondLst>
+                                        </p:cTn>
+                                        <p:tgtEl>
+                                          <p:spTgt spid="3">
+                                            <p:txEl>
+                                              <p:pRg st="1" end="1"/>
+                                            </p:txEl>
+                                          </p:spTgt>
+                                        </p:tgtEl>
+                                        <p:attrNameLst>
+                                          <p:attrName>style.visibility</p:attrName>
+                                        </p:attrNameLst>
+                                      </p:cBhvr>
+                                      <p:to>
+                                        <p:strVal val="visible"/>
+                                      </p:to>
+                                    </p:set>
+                                    <p:animEffect transition="in" filter="fade">
+                                      <p:cBhvr>
+                                        <p:cTn id="12" dur="500"/>
+                                        <p:tgtEl>
+                                          <p:spTgt spid="3">
+                                            <p:txEl>
+                                              <p:pRg st="1" end="1"/>
+                                            </p:txEl>
+                                          </p:spTgt>
+                                        </p:tgtEl>
+                                      </p:cBhvr>
+                                    </p:animEffect>
+                                  </p:childTnLst>
+                                </p:cTn>
+                              </p:par>
+                            </p:childTnLst>
+                          </p:cTn>
+                        </p:par>
+                      </p:childTnLst>
+                    </p:cTn>
+                  </p:par>
+                  <p:par>
+                    <p:cTn id="13" fill="hold">
+                      <p:stCondLst>
+                        <p:cond delay="indefinite"/>
+                      </p:stCondLst>
+                      <p:childTnLst>
+                        <p:par>
+                          <p:cTn id="14" fill="hold">
+                            <p:stCondLst>
+                              <p:cond delay="0"/>
+                            </p:stCondLst>
+                            <p:childTnLst>
+                              <p:par>
+                                <p:cTn id="15" presetID="10" presetClass="entr" presetSubtype="0" fill="hold" grpId="0" nodeType="clickEffect">
+                                  <p:stCondLst>
+                                    <p:cond delay="0"/>
+                                  </p:stCondLst>
+                                  <p:childTnLst>
+                                    <p:set>
+                                      <p:cBhvr>
+                                        <p:cTn id="16" dur="1" fill="hold">
+                                          <p:stCondLst>
+                                            <p:cond delay="0"/>
+                                          </p:stCondLst>
+                                        </p:cTn>
+                                        <p:tgtEl>
+                                          <p:spTgt spid="3">
+                                            <p:txEl>
+                                              <p:pRg st="2" end="2"/>
+                                            </p:txEl>
+                                          </p:spTgt>
+                                        </p:tgtEl>
+                                        <p:attrNameLst>
+                                          <p:attrName>style.visibility</p:attrName>
+                                        </p:attrNameLst>
+                                      </p:cBhvr>
+                                      <p:to>
+                                        <p:strVal val="visible"/>
+                                      </p:to>
+                                    </p:set>
+                                    <p:animEffect transition="in" filter="fade">
+                                      <p:cBhvr>
+                                        <p:cTn id="17" dur="500"/>
+                                        <p:tgtEl>
+                                          <p:spTgt spid="3">
+                                            <p:txEl>
+                                              <p:pRg st="2" end="2"/>
+                                            </p:txEl>
+                                          </p:spTgt>
+                                        </p:tgtEl>
+                                      </p:cBhvr>
+                                    </p:animEffect>
+                                  </p:childTnLst>
+                                </p:cTn>
+                              </p:par>
+                              <p:par>
+                                <p:cTn id="18" presetID="10" presetClass="entr" presetSubtype="0" fill="hold" grpId="0" nodeType="withEffect">
+                                  <p:stCondLst>
+                                    <p:cond delay="0"/>
+                                  </p:stCondLst>
+                                  <p:childTnLst>
+                                    <p:set>
+                                      <p:cBhvr>
+                                        <p:cTn id="19" dur="1" fill="hold">
+                                          <p:stCondLst>
+                                            <p:cond delay="0"/>
+                                          </p:stCondLst>
+                                        </p:cTn>
+                                        <p:tgtEl>
+                                          <p:spTgt spid="3">
+                                            <p:txEl>
+                                              <p:pRg st="3" end="3"/>
+                                            </p:txEl>
+                                          </p:spTgt>
+                                        </p:tgtEl>
+                                        <p:attrNameLst>
+                                          <p:attrName>style.visibility</p:attrName>
+                                        </p:attrNameLst>
+                                      </p:cBhvr>
+                                      <p:to>
+                                        <p:strVal val="visible"/>
+                                      </p:to>
+                                    </p:set>
+                                    <p:animEffect transition="in" filter="fade">
+                                      <p:cBhvr>
+                                        <p:cTn id="20" dur="500"/>
+                                        <p:tgtEl>
+                                          <p:spTgt spid="3">
+                                            <p:txEl>
+                                              <p:pRg st="3" end="3"/>
                                             </p:txEl>
                                           </p:spTgt>
                                         </p:tgtEl>
